--- a/PowerPoitnProgram/PB 11-15.pptx
+++ b/PowerPoitnProgram/PB 11-15.pptx
@@ -8,19 +8,20 @@
     <p:sldId id="256" r:id="rId2"/>
     <p:sldId id="283" r:id="rId3"/>
     <p:sldId id="278" r:id="rId4"/>
-    <p:sldId id="279" r:id="rId5"/>
-    <p:sldId id="286" r:id="rId6"/>
-    <p:sldId id="281" r:id="rId7"/>
-    <p:sldId id="282" r:id="rId8"/>
-    <p:sldId id="289" r:id="rId9"/>
-    <p:sldId id="284" r:id="rId10"/>
-    <p:sldId id="285" r:id="rId11"/>
-    <p:sldId id="277" r:id="rId12"/>
-    <p:sldId id="287" r:id="rId13"/>
-    <p:sldId id="288" r:id="rId14"/>
-    <p:sldId id="280" r:id="rId15"/>
-    <p:sldId id="290" r:id="rId16"/>
-    <p:sldId id="291" r:id="rId17"/>
+    <p:sldId id="292" r:id="rId5"/>
+    <p:sldId id="279" r:id="rId6"/>
+    <p:sldId id="286" r:id="rId7"/>
+    <p:sldId id="293" r:id="rId8"/>
+    <p:sldId id="282" r:id="rId9"/>
+    <p:sldId id="289" r:id="rId10"/>
+    <p:sldId id="294" r:id="rId11"/>
+    <p:sldId id="285" r:id="rId12"/>
+    <p:sldId id="277" r:id="rId13"/>
+    <p:sldId id="287" r:id="rId14"/>
+    <p:sldId id="288" r:id="rId15"/>
+    <p:sldId id="280" r:id="rId16"/>
+    <p:sldId id="290" r:id="rId17"/>
+    <p:sldId id="291" r:id="rId18"/>
   </p:sldIdLst>
   <p:sldSz cx="6858000" cy="9144000" type="screen4x3"/>
   <p:notesSz cx="6858000" cy="9296400"/>
@@ -6577,6 +6578,925 @@
 </dgm:colorsDef>
 </file>
 
+<file path=ppt/diagrams/colors16.xml><?xml version="1.0" encoding="utf-8"?>
+<dgm:colorsDef xmlns:dgm="http://schemas.openxmlformats.org/drawingml/2006/diagram" xmlns:a="http://schemas.openxmlformats.org/drawingml/2006/main" uniqueId="urn:microsoft.com/office/officeart/2005/8/colors/colorful1">
+  <dgm:title val=""/>
+  <dgm:desc val=""/>
+  <dgm:catLst>
+    <dgm:cat type="colorful" pri="10100"/>
+  </dgm:catLst>
+  <dgm:styleLbl name="node0">
+    <dgm:fillClrLst meth="repeat">
+      <a:schemeClr val="accent1"/>
+    </dgm:fillClrLst>
+    <dgm:linClrLst meth="repeat">
+      <a:schemeClr val="lt1"/>
+    </dgm:linClrLst>
+    <dgm:effectClrLst/>
+    <dgm:txLinClrLst/>
+    <dgm:txFillClrLst/>
+    <dgm:txEffectClrLst/>
+  </dgm:styleLbl>
+  <dgm:styleLbl name="node1">
+    <dgm:fillClrLst meth="repeat">
+      <a:schemeClr val="accent2"/>
+      <a:schemeClr val="accent3"/>
+      <a:schemeClr val="accent4"/>
+      <a:schemeClr val="accent5"/>
+      <a:schemeClr val="accent6"/>
+    </dgm:fillClrLst>
+    <dgm:linClrLst meth="repeat">
+      <a:schemeClr val="lt1"/>
+    </dgm:linClrLst>
+    <dgm:effectClrLst/>
+    <dgm:txLinClrLst/>
+    <dgm:txFillClrLst/>
+    <dgm:txEffectClrLst/>
+  </dgm:styleLbl>
+  <dgm:styleLbl name="alignNode1">
+    <dgm:fillClrLst meth="repeat">
+      <a:schemeClr val="accent2"/>
+      <a:schemeClr val="accent3"/>
+      <a:schemeClr val="accent4"/>
+      <a:schemeClr val="accent5"/>
+      <a:schemeClr val="accent6"/>
+    </dgm:fillClrLst>
+    <dgm:linClrLst meth="repeat">
+      <a:schemeClr val="accent2"/>
+      <a:schemeClr val="accent3"/>
+      <a:schemeClr val="accent4"/>
+      <a:schemeClr val="accent5"/>
+      <a:schemeClr val="accent6"/>
+    </dgm:linClrLst>
+    <dgm:effectClrLst/>
+    <dgm:txLinClrLst/>
+    <dgm:txFillClrLst/>
+    <dgm:txEffectClrLst/>
+  </dgm:styleLbl>
+  <dgm:styleLbl name="lnNode1">
+    <dgm:fillClrLst meth="repeat">
+      <a:schemeClr val="accent2"/>
+      <a:schemeClr val="accent3"/>
+      <a:schemeClr val="accent4"/>
+      <a:schemeClr val="accent5"/>
+      <a:schemeClr val="accent6"/>
+    </dgm:fillClrLst>
+    <dgm:linClrLst meth="repeat">
+      <a:schemeClr val="lt1"/>
+    </dgm:linClrLst>
+    <dgm:effectClrLst/>
+    <dgm:txLinClrLst/>
+    <dgm:txFillClrLst/>
+    <dgm:txEffectClrLst/>
+  </dgm:styleLbl>
+  <dgm:styleLbl name="vennNode1">
+    <dgm:fillClrLst meth="repeat">
+      <a:schemeClr val="accent2">
+        <a:alpha val="50000"/>
+      </a:schemeClr>
+      <a:schemeClr val="accent3">
+        <a:alpha val="50000"/>
+      </a:schemeClr>
+      <a:schemeClr val="accent4">
+        <a:alpha val="50000"/>
+      </a:schemeClr>
+      <a:schemeClr val="accent5">
+        <a:alpha val="50000"/>
+      </a:schemeClr>
+      <a:schemeClr val="accent6">
+        <a:alpha val="50000"/>
+      </a:schemeClr>
+    </dgm:fillClrLst>
+    <dgm:linClrLst meth="repeat">
+      <a:schemeClr val="lt1"/>
+    </dgm:linClrLst>
+    <dgm:effectClrLst/>
+    <dgm:txLinClrLst/>
+    <dgm:txFillClrLst/>
+    <dgm:txEffectClrLst/>
+  </dgm:styleLbl>
+  <dgm:styleLbl name="node2">
+    <dgm:fillClrLst>
+      <a:schemeClr val="accent2"/>
+    </dgm:fillClrLst>
+    <dgm:linClrLst meth="repeat">
+      <a:schemeClr val="lt1"/>
+    </dgm:linClrLst>
+    <dgm:effectClrLst/>
+    <dgm:txLinClrLst/>
+    <dgm:txFillClrLst/>
+    <dgm:txEffectClrLst/>
+  </dgm:styleLbl>
+  <dgm:styleLbl name="node3">
+    <dgm:fillClrLst>
+      <a:schemeClr val="accent3"/>
+    </dgm:fillClrLst>
+    <dgm:linClrLst meth="repeat">
+      <a:schemeClr val="lt1"/>
+    </dgm:linClrLst>
+    <dgm:effectClrLst/>
+    <dgm:txLinClrLst/>
+    <dgm:txFillClrLst/>
+    <dgm:txEffectClrLst/>
+  </dgm:styleLbl>
+  <dgm:styleLbl name="node4">
+    <dgm:fillClrLst>
+      <a:schemeClr val="accent4"/>
+    </dgm:fillClrLst>
+    <dgm:linClrLst meth="repeat">
+      <a:schemeClr val="lt1"/>
+    </dgm:linClrLst>
+    <dgm:effectClrLst/>
+    <dgm:txLinClrLst/>
+    <dgm:txFillClrLst/>
+    <dgm:txEffectClrLst/>
+  </dgm:styleLbl>
+  <dgm:styleLbl name="fgImgPlace1">
+    <dgm:fillClrLst meth="repeat">
+      <a:schemeClr val="accent2">
+        <a:tint val="50000"/>
+      </a:schemeClr>
+      <a:schemeClr val="accent3">
+        <a:tint val="50000"/>
+      </a:schemeClr>
+      <a:schemeClr val="accent4">
+        <a:tint val="50000"/>
+      </a:schemeClr>
+      <a:schemeClr val="accent5">
+        <a:tint val="50000"/>
+      </a:schemeClr>
+      <a:schemeClr val="accent6">
+        <a:tint val="50000"/>
+      </a:schemeClr>
+    </dgm:fillClrLst>
+    <dgm:linClrLst meth="repeat">
+      <a:schemeClr val="lt1"/>
+    </dgm:linClrLst>
+    <dgm:effectClrLst/>
+    <dgm:txLinClrLst/>
+    <dgm:txFillClrLst meth="repeat">
+      <a:schemeClr val="lt1"/>
+    </dgm:txFillClrLst>
+    <dgm:txEffectClrLst/>
+  </dgm:styleLbl>
+  <dgm:styleLbl name="alignImgPlace1">
+    <dgm:fillClrLst>
+      <a:schemeClr val="accent1">
+        <a:tint val="50000"/>
+      </a:schemeClr>
+      <a:schemeClr val="accent2">
+        <a:tint val="20000"/>
+      </a:schemeClr>
+    </dgm:fillClrLst>
+    <dgm:linClrLst meth="repeat">
+      <a:schemeClr val="lt1"/>
+    </dgm:linClrLst>
+    <dgm:effectClrLst/>
+    <dgm:txLinClrLst/>
+    <dgm:txFillClrLst meth="repeat">
+      <a:schemeClr val="lt1"/>
+    </dgm:txFillClrLst>
+    <dgm:txEffectClrLst/>
+  </dgm:styleLbl>
+  <dgm:styleLbl name="bgImgPlace1">
+    <dgm:fillClrLst>
+      <a:schemeClr val="accent1">
+        <a:tint val="50000"/>
+      </a:schemeClr>
+      <a:schemeClr val="accent2">
+        <a:tint val="20000"/>
+      </a:schemeClr>
+    </dgm:fillClrLst>
+    <dgm:linClrLst meth="repeat">
+      <a:schemeClr val="lt1"/>
+    </dgm:linClrLst>
+    <dgm:effectClrLst/>
+    <dgm:txLinClrLst/>
+    <dgm:txFillClrLst meth="repeat">
+      <a:schemeClr val="lt1"/>
+    </dgm:txFillClrLst>
+    <dgm:txEffectClrLst/>
+  </dgm:styleLbl>
+  <dgm:styleLbl name="sibTrans2D1">
+    <dgm:fillClrLst meth="repeat">
+      <a:schemeClr val="accent2"/>
+      <a:schemeClr val="accent3"/>
+      <a:schemeClr val="accent4"/>
+      <a:schemeClr val="accent5"/>
+      <a:schemeClr val="accent6"/>
+    </dgm:fillClrLst>
+    <dgm:linClrLst meth="cycle">
+      <a:schemeClr val="lt1"/>
+    </dgm:linClrLst>
+    <dgm:effectClrLst/>
+    <dgm:txLinClrLst/>
+    <dgm:txFillClrLst/>
+    <dgm:txEffectClrLst/>
+  </dgm:styleLbl>
+  <dgm:styleLbl name="fgSibTrans2D1">
+    <dgm:fillClrLst meth="repeat">
+      <a:schemeClr val="accent2"/>
+      <a:schemeClr val="accent3"/>
+      <a:schemeClr val="accent4"/>
+      <a:schemeClr val="accent5"/>
+      <a:schemeClr val="accent6"/>
+    </dgm:fillClrLst>
+    <dgm:linClrLst meth="cycle">
+      <a:schemeClr val="lt1"/>
+    </dgm:linClrLst>
+    <dgm:effectClrLst/>
+    <dgm:txLinClrLst/>
+    <dgm:txFillClrLst meth="repeat">
+      <a:schemeClr val="lt1"/>
+    </dgm:txFillClrLst>
+    <dgm:txEffectClrLst/>
+  </dgm:styleLbl>
+  <dgm:styleLbl name="bgSibTrans2D1">
+    <dgm:fillClrLst meth="repeat">
+      <a:schemeClr val="accent2"/>
+      <a:schemeClr val="accent3"/>
+      <a:schemeClr val="accent4"/>
+      <a:schemeClr val="accent5"/>
+      <a:schemeClr val="accent6"/>
+    </dgm:fillClrLst>
+    <dgm:linClrLst meth="cycle">
+      <a:schemeClr val="lt1"/>
+    </dgm:linClrLst>
+    <dgm:effectClrLst/>
+    <dgm:txLinClrLst/>
+    <dgm:txFillClrLst meth="repeat">
+      <a:schemeClr val="lt1"/>
+    </dgm:txFillClrLst>
+    <dgm:txEffectClrLst/>
+  </dgm:styleLbl>
+  <dgm:styleLbl name="sibTrans1D1">
+    <dgm:fillClrLst meth="repeat">
+      <a:schemeClr val="accent2"/>
+      <a:schemeClr val="accent3"/>
+      <a:schemeClr val="accent4"/>
+      <a:schemeClr val="accent5"/>
+      <a:schemeClr val="accent6"/>
+    </dgm:fillClrLst>
+    <dgm:linClrLst meth="repeat">
+      <a:schemeClr val="accent2"/>
+      <a:schemeClr val="accent3"/>
+      <a:schemeClr val="accent4"/>
+      <a:schemeClr val="accent5"/>
+      <a:schemeClr val="accent6"/>
+    </dgm:linClrLst>
+    <dgm:effectClrLst/>
+    <dgm:txLinClrLst/>
+    <dgm:txFillClrLst meth="repeat">
+      <a:schemeClr val="tx1"/>
+    </dgm:txFillClrLst>
+    <dgm:txEffectClrLst/>
+  </dgm:styleLbl>
+  <dgm:styleLbl name="callout">
+    <dgm:fillClrLst meth="repeat">
+      <a:schemeClr val="accent2"/>
+    </dgm:fillClrLst>
+    <dgm:linClrLst meth="repeat">
+      <a:schemeClr val="accent2">
+        <a:tint val="50000"/>
+      </a:schemeClr>
+    </dgm:linClrLst>
+    <dgm:effectClrLst/>
+    <dgm:txLinClrLst/>
+    <dgm:txFillClrLst meth="repeat">
+      <a:schemeClr val="tx1"/>
+    </dgm:txFillClrLst>
+    <dgm:txEffectClrLst/>
+  </dgm:styleLbl>
+  <dgm:styleLbl name="asst0">
+    <dgm:fillClrLst meth="repeat">
+      <a:schemeClr val="accent1"/>
+    </dgm:fillClrLst>
+    <dgm:linClrLst meth="repeat">
+      <a:schemeClr val="lt1"/>
+    </dgm:linClrLst>
+    <dgm:effectClrLst/>
+    <dgm:txLinClrLst/>
+    <dgm:txFillClrLst/>
+    <dgm:txEffectClrLst/>
+  </dgm:styleLbl>
+  <dgm:styleLbl name="asst1">
+    <dgm:fillClrLst meth="repeat">
+      <a:schemeClr val="accent2"/>
+    </dgm:fillClrLst>
+    <dgm:linClrLst meth="repeat">
+      <a:schemeClr val="lt1"/>
+    </dgm:linClrLst>
+    <dgm:effectClrLst/>
+    <dgm:txLinClrLst/>
+    <dgm:txFillClrLst/>
+    <dgm:txEffectClrLst/>
+  </dgm:styleLbl>
+  <dgm:styleLbl name="asst2">
+    <dgm:fillClrLst>
+      <a:schemeClr val="accent3"/>
+    </dgm:fillClrLst>
+    <dgm:linClrLst meth="repeat">
+      <a:schemeClr val="lt1"/>
+    </dgm:linClrLst>
+    <dgm:effectClrLst/>
+    <dgm:txLinClrLst/>
+    <dgm:txFillClrLst/>
+    <dgm:txEffectClrLst/>
+  </dgm:styleLbl>
+  <dgm:styleLbl name="asst3">
+    <dgm:fillClrLst>
+      <a:schemeClr val="accent4"/>
+    </dgm:fillClrLst>
+    <dgm:linClrLst meth="repeat">
+      <a:schemeClr val="lt1"/>
+    </dgm:linClrLst>
+    <dgm:effectClrLst/>
+    <dgm:txLinClrLst/>
+    <dgm:txFillClrLst/>
+    <dgm:txEffectClrLst/>
+  </dgm:styleLbl>
+  <dgm:styleLbl name="asst4">
+    <dgm:fillClrLst>
+      <a:schemeClr val="accent5"/>
+    </dgm:fillClrLst>
+    <dgm:linClrLst meth="repeat">
+      <a:schemeClr val="lt1"/>
+    </dgm:linClrLst>
+    <dgm:effectClrLst/>
+    <dgm:txLinClrLst/>
+    <dgm:txFillClrLst/>
+    <dgm:txEffectClrLst/>
+  </dgm:styleLbl>
+  <dgm:styleLbl name="parChTrans2D1">
+    <dgm:fillClrLst meth="repeat">
+      <a:schemeClr val="accent2"/>
+    </dgm:fillClrLst>
+    <dgm:linClrLst meth="repeat">
+      <a:schemeClr val="lt1"/>
+    </dgm:linClrLst>
+    <dgm:effectClrLst/>
+    <dgm:txLinClrLst/>
+    <dgm:txFillClrLst meth="repeat">
+      <a:schemeClr val="lt1"/>
+    </dgm:txFillClrLst>
+    <dgm:txEffectClrLst/>
+  </dgm:styleLbl>
+  <dgm:styleLbl name="parChTrans2D2">
+    <dgm:fillClrLst meth="repeat">
+      <a:schemeClr val="accent3"/>
+    </dgm:fillClrLst>
+    <dgm:linClrLst meth="repeat">
+      <a:schemeClr val="lt1"/>
+    </dgm:linClrLst>
+    <dgm:effectClrLst/>
+    <dgm:txLinClrLst/>
+    <dgm:txFillClrLst/>
+    <dgm:txEffectClrLst/>
+  </dgm:styleLbl>
+  <dgm:styleLbl name="parChTrans2D3">
+    <dgm:fillClrLst meth="repeat">
+      <a:schemeClr val="accent4"/>
+    </dgm:fillClrLst>
+    <dgm:linClrLst meth="repeat">
+      <a:schemeClr val="lt1"/>
+    </dgm:linClrLst>
+    <dgm:effectClrLst/>
+    <dgm:txLinClrLst/>
+    <dgm:txFillClrLst/>
+    <dgm:txEffectClrLst/>
+  </dgm:styleLbl>
+  <dgm:styleLbl name="parChTrans2D4">
+    <dgm:fillClrLst meth="repeat">
+      <a:schemeClr val="accent5"/>
+    </dgm:fillClrLst>
+    <dgm:linClrLst meth="repeat">
+      <a:schemeClr val="lt1"/>
+    </dgm:linClrLst>
+    <dgm:effectClrLst/>
+    <dgm:txLinClrLst/>
+    <dgm:txFillClrLst meth="repeat">
+      <a:schemeClr val="lt1"/>
+    </dgm:txFillClrLst>
+    <dgm:txEffectClrLst/>
+  </dgm:styleLbl>
+  <dgm:styleLbl name="parChTrans1D1">
+    <dgm:fillClrLst meth="repeat">
+      <a:schemeClr val="accent2"/>
+    </dgm:fillClrLst>
+    <dgm:linClrLst meth="repeat">
+      <a:schemeClr val="accent1"/>
+    </dgm:linClrLst>
+    <dgm:effectClrLst/>
+    <dgm:txLinClrLst/>
+    <dgm:txFillClrLst meth="repeat">
+      <a:schemeClr val="tx1"/>
+    </dgm:txFillClrLst>
+    <dgm:txEffectClrLst/>
+  </dgm:styleLbl>
+  <dgm:styleLbl name="parChTrans1D2">
+    <dgm:fillClrLst meth="repeat">
+      <a:schemeClr val="accent3">
+        <a:tint val="90000"/>
+      </a:schemeClr>
+    </dgm:fillClrLst>
+    <dgm:linClrLst meth="repeat">
+      <a:schemeClr val="accent2"/>
+    </dgm:linClrLst>
+    <dgm:effectClrLst/>
+    <dgm:txLinClrLst/>
+    <dgm:txFillClrLst meth="repeat">
+      <a:schemeClr val="tx1"/>
+    </dgm:txFillClrLst>
+    <dgm:txEffectClrLst/>
+  </dgm:styleLbl>
+  <dgm:styleLbl name="parChTrans1D3">
+    <dgm:fillClrLst meth="repeat">
+      <a:schemeClr val="accent4">
+        <a:tint val="70000"/>
+      </a:schemeClr>
+    </dgm:fillClrLst>
+    <dgm:linClrLst meth="repeat">
+      <a:schemeClr val="accent3"/>
+    </dgm:linClrLst>
+    <dgm:effectClrLst/>
+    <dgm:txLinClrLst/>
+    <dgm:txFillClrLst meth="repeat">
+      <a:schemeClr val="tx1"/>
+    </dgm:txFillClrLst>
+    <dgm:txEffectClrLst/>
+  </dgm:styleLbl>
+  <dgm:styleLbl name="parChTrans1D4">
+    <dgm:fillClrLst meth="repeat">
+      <a:schemeClr val="accent5">
+        <a:tint val="50000"/>
+      </a:schemeClr>
+    </dgm:fillClrLst>
+    <dgm:linClrLst meth="repeat">
+      <a:schemeClr val="accent4"/>
+    </dgm:linClrLst>
+    <dgm:effectClrLst/>
+    <dgm:txLinClrLst/>
+    <dgm:txFillClrLst meth="repeat">
+      <a:schemeClr val="tx1"/>
+    </dgm:txFillClrLst>
+    <dgm:txEffectClrLst/>
+  </dgm:styleLbl>
+  <dgm:styleLbl name="fgAcc1">
+    <dgm:fillClrLst meth="repeat">
+      <a:schemeClr val="lt1">
+        <a:alpha val="90000"/>
+      </a:schemeClr>
+    </dgm:fillClrLst>
+    <dgm:linClrLst meth="repeat">
+      <a:schemeClr val="accent2"/>
+      <a:schemeClr val="accent3"/>
+      <a:schemeClr val="accent4"/>
+      <a:schemeClr val="accent5"/>
+      <a:schemeClr val="accent6"/>
+    </dgm:linClrLst>
+    <dgm:effectClrLst/>
+    <dgm:txLinClrLst/>
+    <dgm:txFillClrLst meth="repeat">
+      <a:schemeClr val="dk1"/>
+    </dgm:txFillClrLst>
+    <dgm:txEffectClrLst/>
+  </dgm:styleLbl>
+  <dgm:styleLbl name="conFgAcc1">
+    <dgm:fillClrLst meth="repeat">
+      <a:schemeClr val="lt1">
+        <a:alpha val="90000"/>
+      </a:schemeClr>
+    </dgm:fillClrLst>
+    <dgm:linClrLst meth="repeat">
+      <a:schemeClr val="accent2"/>
+      <a:schemeClr val="accent3"/>
+      <a:schemeClr val="accent4"/>
+      <a:schemeClr val="accent5"/>
+      <a:schemeClr val="accent6"/>
+    </dgm:linClrLst>
+    <dgm:effectClrLst/>
+    <dgm:txLinClrLst/>
+    <dgm:txFillClrLst meth="repeat">
+      <a:schemeClr val="dk1"/>
+    </dgm:txFillClrLst>
+    <dgm:txEffectClrLst/>
+  </dgm:styleLbl>
+  <dgm:styleLbl name="alignAcc1">
+    <dgm:fillClrLst meth="repeat">
+      <a:schemeClr val="lt1">
+        <a:alpha val="90000"/>
+      </a:schemeClr>
+    </dgm:fillClrLst>
+    <dgm:linClrLst meth="repeat">
+      <a:schemeClr val="accent2"/>
+      <a:schemeClr val="accent3"/>
+      <a:schemeClr val="accent4"/>
+      <a:schemeClr val="accent5"/>
+      <a:schemeClr val="accent6"/>
+    </dgm:linClrLst>
+    <dgm:effectClrLst/>
+    <dgm:txLinClrLst/>
+    <dgm:txFillClrLst meth="repeat">
+      <a:schemeClr val="dk1"/>
+    </dgm:txFillClrLst>
+    <dgm:txEffectClrLst/>
+  </dgm:styleLbl>
+  <dgm:styleLbl name="trAlignAcc1">
+    <dgm:fillClrLst meth="repeat">
+      <a:schemeClr val="lt1">
+        <a:alpha val="40000"/>
+      </a:schemeClr>
+    </dgm:fillClrLst>
+    <dgm:linClrLst meth="repeat">
+      <a:schemeClr val="accent1"/>
+    </dgm:linClrLst>
+    <dgm:effectClrLst/>
+    <dgm:txLinClrLst/>
+    <dgm:txFillClrLst meth="repeat">
+      <a:schemeClr val="dk1"/>
+    </dgm:txFillClrLst>
+    <dgm:txEffectClrLst/>
+  </dgm:styleLbl>
+  <dgm:styleLbl name="bgAcc1">
+    <dgm:fillClrLst meth="repeat">
+      <a:schemeClr val="lt1">
+        <a:alpha val="90000"/>
+      </a:schemeClr>
+    </dgm:fillClrLst>
+    <dgm:linClrLst meth="repeat">
+      <a:schemeClr val="accent2"/>
+      <a:schemeClr val="accent3"/>
+      <a:schemeClr val="accent4"/>
+      <a:schemeClr val="accent5"/>
+      <a:schemeClr val="accent6"/>
+    </dgm:linClrLst>
+    <dgm:effectClrLst/>
+    <dgm:txLinClrLst/>
+    <dgm:txFillClrLst meth="repeat">
+      <a:schemeClr val="dk1"/>
+    </dgm:txFillClrLst>
+    <dgm:txEffectClrLst/>
+  </dgm:styleLbl>
+  <dgm:styleLbl name="solidFgAcc1">
+    <dgm:fillClrLst meth="repeat">
+      <a:schemeClr val="lt1"/>
+    </dgm:fillClrLst>
+    <dgm:linClrLst meth="repeat">
+      <a:schemeClr val="accent2"/>
+      <a:schemeClr val="accent3"/>
+      <a:schemeClr val="accent4"/>
+      <a:schemeClr val="accent5"/>
+      <a:schemeClr val="accent6"/>
+    </dgm:linClrLst>
+    <dgm:effectClrLst/>
+    <dgm:txLinClrLst/>
+    <dgm:txFillClrLst meth="repeat">
+      <a:schemeClr val="dk1"/>
+    </dgm:txFillClrLst>
+    <dgm:txEffectClrLst/>
+  </dgm:styleLbl>
+  <dgm:styleLbl name="solidAlignAcc1">
+    <dgm:fillClrLst meth="repeat">
+      <a:schemeClr val="lt1"/>
+    </dgm:fillClrLst>
+    <dgm:linClrLst meth="repeat">
+      <a:schemeClr val="accent2"/>
+      <a:schemeClr val="accent3"/>
+      <a:schemeClr val="accent4"/>
+      <a:schemeClr val="accent5"/>
+      <a:schemeClr val="accent6"/>
+    </dgm:linClrLst>
+    <dgm:effectClrLst/>
+    <dgm:txLinClrLst/>
+    <dgm:txFillClrLst meth="repeat">
+      <a:schemeClr val="dk1"/>
+    </dgm:txFillClrLst>
+    <dgm:txEffectClrLst/>
+  </dgm:styleLbl>
+  <dgm:styleLbl name="solidBgAcc1">
+    <dgm:fillClrLst meth="repeat">
+      <a:schemeClr val="lt1"/>
+    </dgm:fillClrLst>
+    <dgm:linClrLst meth="repeat">
+      <a:schemeClr val="accent2"/>
+      <a:schemeClr val="accent3"/>
+      <a:schemeClr val="accent4"/>
+      <a:schemeClr val="accent5"/>
+      <a:schemeClr val="accent6"/>
+    </dgm:linClrLst>
+    <dgm:effectClrLst/>
+    <dgm:txLinClrLst/>
+    <dgm:txFillClrLst meth="repeat">
+      <a:schemeClr val="dk1"/>
+    </dgm:txFillClrLst>
+    <dgm:txEffectClrLst/>
+  </dgm:styleLbl>
+  <dgm:styleLbl name="fgAccFollowNode1">
+    <dgm:fillClrLst meth="repeat">
+      <a:schemeClr val="accent2">
+        <a:tint val="40000"/>
+        <a:alpha val="90000"/>
+      </a:schemeClr>
+      <a:schemeClr val="accent3">
+        <a:tint val="40000"/>
+        <a:alpha val="90000"/>
+      </a:schemeClr>
+      <a:schemeClr val="accent4">
+        <a:tint val="40000"/>
+        <a:alpha val="90000"/>
+      </a:schemeClr>
+      <a:schemeClr val="accent5">
+        <a:tint val="40000"/>
+        <a:alpha val="90000"/>
+      </a:schemeClr>
+      <a:schemeClr val="accent6">
+        <a:tint val="40000"/>
+        <a:alpha val="90000"/>
+      </a:schemeClr>
+    </dgm:fillClrLst>
+    <dgm:linClrLst meth="repeat">
+      <a:schemeClr val="accent2">
+        <a:tint val="40000"/>
+        <a:alpha val="90000"/>
+      </a:schemeClr>
+      <a:schemeClr val="accent3">
+        <a:tint val="40000"/>
+        <a:alpha val="90000"/>
+      </a:schemeClr>
+      <a:schemeClr val="accent4">
+        <a:tint val="40000"/>
+        <a:alpha val="90000"/>
+      </a:schemeClr>
+      <a:schemeClr val="accent5">
+        <a:tint val="40000"/>
+        <a:alpha val="90000"/>
+      </a:schemeClr>
+      <a:schemeClr val="accent6">
+        <a:tint val="40000"/>
+        <a:alpha val="90000"/>
+      </a:schemeClr>
+    </dgm:linClrLst>
+    <dgm:effectClrLst/>
+    <dgm:txLinClrLst/>
+    <dgm:txFillClrLst meth="repeat">
+      <a:schemeClr val="dk1"/>
+    </dgm:txFillClrLst>
+    <dgm:txEffectClrLst/>
+  </dgm:styleLbl>
+  <dgm:styleLbl name="alignAccFollowNode1">
+    <dgm:fillClrLst meth="repeat">
+      <a:schemeClr val="accent2">
+        <a:tint val="40000"/>
+        <a:alpha val="90000"/>
+      </a:schemeClr>
+      <a:schemeClr val="accent3">
+        <a:tint val="40000"/>
+        <a:alpha val="90000"/>
+      </a:schemeClr>
+      <a:schemeClr val="accent4">
+        <a:tint val="40000"/>
+        <a:alpha val="90000"/>
+      </a:schemeClr>
+      <a:schemeClr val="accent5">
+        <a:tint val="40000"/>
+        <a:alpha val="90000"/>
+      </a:schemeClr>
+      <a:schemeClr val="accent6">
+        <a:tint val="40000"/>
+        <a:alpha val="90000"/>
+      </a:schemeClr>
+    </dgm:fillClrLst>
+    <dgm:linClrLst meth="repeat">
+      <a:schemeClr val="accent2">
+        <a:tint val="40000"/>
+        <a:alpha val="90000"/>
+      </a:schemeClr>
+      <a:schemeClr val="accent3">
+        <a:tint val="40000"/>
+        <a:alpha val="90000"/>
+      </a:schemeClr>
+      <a:schemeClr val="accent4">
+        <a:tint val="40000"/>
+        <a:alpha val="90000"/>
+      </a:schemeClr>
+      <a:schemeClr val="accent5">
+        <a:tint val="40000"/>
+        <a:alpha val="90000"/>
+      </a:schemeClr>
+      <a:schemeClr val="accent6">
+        <a:tint val="40000"/>
+        <a:alpha val="90000"/>
+      </a:schemeClr>
+    </dgm:linClrLst>
+    <dgm:effectClrLst/>
+    <dgm:txLinClrLst/>
+    <dgm:txFillClrLst meth="repeat">
+      <a:schemeClr val="dk1"/>
+    </dgm:txFillClrLst>
+    <dgm:txEffectClrLst/>
+  </dgm:styleLbl>
+  <dgm:styleLbl name="bgAccFollowNode1">
+    <dgm:fillClrLst meth="repeat">
+      <a:schemeClr val="accent2">
+        <a:tint val="40000"/>
+        <a:alpha val="90000"/>
+      </a:schemeClr>
+      <a:schemeClr val="accent3">
+        <a:tint val="40000"/>
+        <a:alpha val="90000"/>
+      </a:schemeClr>
+      <a:schemeClr val="accent4">
+        <a:tint val="40000"/>
+        <a:alpha val="90000"/>
+      </a:schemeClr>
+      <a:schemeClr val="accent5">
+        <a:tint val="40000"/>
+        <a:alpha val="90000"/>
+      </a:schemeClr>
+      <a:schemeClr val="accent6">
+        <a:tint val="40000"/>
+        <a:alpha val="90000"/>
+      </a:schemeClr>
+    </dgm:fillClrLst>
+    <dgm:linClrLst meth="repeat">
+      <a:schemeClr val="accent2">
+        <a:tint val="40000"/>
+        <a:alpha val="90000"/>
+      </a:schemeClr>
+      <a:schemeClr val="accent3">
+        <a:tint val="40000"/>
+        <a:alpha val="90000"/>
+      </a:schemeClr>
+      <a:schemeClr val="accent4">
+        <a:tint val="40000"/>
+        <a:alpha val="90000"/>
+      </a:schemeClr>
+      <a:schemeClr val="accent5">
+        <a:tint val="40000"/>
+        <a:alpha val="90000"/>
+      </a:schemeClr>
+      <a:schemeClr val="accent6">
+        <a:tint val="40000"/>
+        <a:alpha val="90000"/>
+      </a:schemeClr>
+    </dgm:linClrLst>
+    <dgm:effectClrLst/>
+    <dgm:txLinClrLst/>
+    <dgm:txFillClrLst meth="repeat">
+      <a:schemeClr val="dk1"/>
+    </dgm:txFillClrLst>
+    <dgm:txEffectClrLst/>
+  </dgm:styleLbl>
+  <dgm:styleLbl name="fgAcc0">
+    <dgm:fillClrLst meth="repeat">
+      <a:schemeClr val="lt1">
+        <a:alpha val="90000"/>
+      </a:schemeClr>
+    </dgm:fillClrLst>
+    <dgm:linClrLst>
+      <a:schemeClr val="accent1"/>
+    </dgm:linClrLst>
+    <dgm:effectClrLst/>
+    <dgm:txLinClrLst/>
+    <dgm:txFillClrLst meth="repeat">
+      <a:schemeClr val="dk1"/>
+    </dgm:txFillClrLst>
+    <dgm:txEffectClrLst/>
+  </dgm:styleLbl>
+  <dgm:styleLbl name="fgAcc2">
+    <dgm:fillClrLst meth="repeat">
+      <a:schemeClr val="lt1">
+        <a:alpha val="90000"/>
+      </a:schemeClr>
+    </dgm:fillClrLst>
+    <dgm:linClrLst>
+      <a:schemeClr val="accent2"/>
+    </dgm:linClrLst>
+    <dgm:effectClrLst/>
+    <dgm:txLinClrLst/>
+    <dgm:txFillClrLst meth="repeat">
+      <a:schemeClr val="dk1"/>
+    </dgm:txFillClrLst>
+    <dgm:txEffectClrLst/>
+  </dgm:styleLbl>
+  <dgm:styleLbl name="fgAcc3">
+    <dgm:fillClrLst meth="repeat">
+      <a:schemeClr val="lt1">
+        <a:alpha val="90000"/>
+      </a:schemeClr>
+    </dgm:fillClrLst>
+    <dgm:linClrLst>
+      <a:schemeClr val="accent3"/>
+    </dgm:linClrLst>
+    <dgm:effectClrLst/>
+    <dgm:txLinClrLst/>
+    <dgm:txFillClrLst meth="repeat">
+      <a:schemeClr val="dk1"/>
+    </dgm:txFillClrLst>
+    <dgm:txEffectClrLst/>
+  </dgm:styleLbl>
+  <dgm:styleLbl name="fgAcc4">
+    <dgm:fillClrLst meth="repeat">
+      <a:schemeClr val="lt1">
+        <a:alpha val="90000"/>
+      </a:schemeClr>
+    </dgm:fillClrLst>
+    <dgm:linClrLst>
+      <a:schemeClr val="accent4"/>
+    </dgm:linClrLst>
+    <dgm:effectClrLst/>
+    <dgm:txLinClrLst/>
+    <dgm:txFillClrLst meth="repeat">
+      <a:schemeClr val="dk1"/>
+    </dgm:txFillClrLst>
+    <dgm:txEffectClrLst/>
+  </dgm:styleLbl>
+  <dgm:styleLbl name="bgShp">
+    <dgm:fillClrLst meth="repeat">
+      <a:schemeClr val="accent2">
+        <a:tint val="40000"/>
+      </a:schemeClr>
+    </dgm:fillClrLst>
+    <dgm:linClrLst meth="repeat">
+      <a:schemeClr val="dk1"/>
+    </dgm:linClrLst>
+    <dgm:effectClrLst/>
+    <dgm:txLinClrLst/>
+    <dgm:txFillClrLst meth="repeat">
+      <a:schemeClr val="dk1"/>
+    </dgm:txFillClrLst>
+    <dgm:txEffectClrLst/>
+  </dgm:styleLbl>
+  <dgm:styleLbl name="dkBgShp">
+    <dgm:fillClrLst meth="repeat">
+      <a:schemeClr val="accent2">
+        <a:shade val="90000"/>
+      </a:schemeClr>
+    </dgm:fillClrLst>
+    <dgm:linClrLst meth="repeat">
+      <a:schemeClr val="dk1"/>
+    </dgm:linClrLst>
+    <dgm:effectClrLst/>
+    <dgm:txLinClrLst/>
+    <dgm:txFillClrLst meth="repeat">
+      <a:schemeClr val="lt1"/>
+    </dgm:txFillClrLst>
+    <dgm:txEffectClrLst/>
+  </dgm:styleLbl>
+  <dgm:styleLbl name="trBgShp">
+    <dgm:fillClrLst meth="repeat">
+      <a:schemeClr val="accent1">
+        <a:tint val="50000"/>
+        <a:alpha val="40000"/>
+      </a:schemeClr>
+    </dgm:fillClrLst>
+    <dgm:linClrLst meth="repeat">
+      <a:schemeClr val="accent2"/>
+    </dgm:linClrLst>
+    <dgm:effectClrLst/>
+    <dgm:txLinClrLst/>
+    <dgm:txFillClrLst meth="repeat">
+      <a:schemeClr val="lt1"/>
+    </dgm:txFillClrLst>
+    <dgm:txEffectClrLst/>
+  </dgm:styleLbl>
+  <dgm:styleLbl name="fgShp">
+    <dgm:fillClrLst meth="repeat">
+      <a:schemeClr val="accent2">
+        <a:tint val="40000"/>
+      </a:schemeClr>
+    </dgm:fillClrLst>
+    <dgm:linClrLst meth="repeat">
+      <a:schemeClr val="lt1"/>
+    </dgm:linClrLst>
+    <dgm:effectClrLst/>
+    <dgm:txLinClrLst/>
+    <dgm:txFillClrLst meth="repeat">
+      <a:schemeClr val="dk1"/>
+    </dgm:txFillClrLst>
+    <dgm:txEffectClrLst/>
+  </dgm:styleLbl>
+  <dgm:styleLbl name="revTx">
+    <dgm:fillClrLst meth="repeat">
+      <a:schemeClr val="lt1">
+        <a:alpha val="0"/>
+      </a:schemeClr>
+    </dgm:fillClrLst>
+    <dgm:linClrLst meth="repeat">
+      <a:schemeClr val="dk1">
+        <a:alpha val="0"/>
+      </a:schemeClr>
+    </dgm:linClrLst>
+    <dgm:effectClrLst/>
+    <dgm:txLinClrLst/>
+    <dgm:txFillClrLst meth="repeat">
+      <a:schemeClr val="tx1"/>
+    </dgm:txFillClrLst>
+    <dgm:txEffectClrLst/>
+  </dgm:styleLbl>
+</dgm:colorsDef>
+</file>
+
 <file path=ppt/diagrams/colors2.xml><?xml version="1.0" encoding="utf-8"?>
 <dgm:colorsDef xmlns:dgm="http://schemas.openxmlformats.org/drawingml/2006/diagram" xmlns:a="http://schemas.openxmlformats.org/drawingml/2006/main" uniqueId="urn:microsoft.com/office/officeart/2005/8/colors/colorful1">
   <dgm:title val=""/>
@@ -13999,7 +14919,7 @@
     </dgm:pt>
   </dgm:ptLst>
   <dgm:cxnLst>
-    <dgm:cxn modelId="{9C217C80-4C5A-44B0-8E98-48BE2B3956A9}" type="presOf" srcId="{18A66166-AE58-4430-963F-B7CF1D41D45E}" destId="{7BA9120E-AFA8-482C-94E5-B956C4AC6749}" srcOrd="0" destOrd="0" presId="urn:microsoft.com/office/officeart/2008/layout/PictureAccentList"/>
+    <dgm:cxn modelId="{A0159F13-5DBF-4590-B42C-ABB7BED0CE5C}" type="presOf" srcId="{18A66166-AE58-4430-963F-B7CF1D41D45E}" destId="{7BA9120E-AFA8-482C-94E5-B956C4AC6749}" srcOrd="0" destOrd="0" presId="urn:microsoft.com/office/officeart/2008/layout/PictureAccentList"/>
   </dgm:cxnLst>
   <dgm:bg/>
   <dgm:whole/>
@@ -14040,7 +14960,7 @@
     </dgm:pt>
   </dgm:ptLst>
   <dgm:cxnLst>
-    <dgm:cxn modelId="{69A85955-3B40-45F6-BEE9-38FF331501D1}" type="presOf" srcId="{18A66166-AE58-4430-963F-B7CF1D41D45E}" destId="{7BA9120E-AFA8-482C-94E5-B956C4AC6749}" srcOrd="0" destOrd="0" presId="urn:microsoft.com/office/officeart/2008/layout/PictureAccentList"/>
+    <dgm:cxn modelId="{9C217C80-4C5A-44B0-8E98-48BE2B3956A9}" type="presOf" srcId="{18A66166-AE58-4430-963F-B7CF1D41D45E}" destId="{7BA9120E-AFA8-482C-94E5-B956C4AC6749}" srcOrd="0" destOrd="0" presId="urn:microsoft.com/office/officeart/2008/layout/PictureAccentList"/>
   </dgm:cxnLst>
   <dgm:bg/>
   <dgm:whole/>
@@ -14081,7 +15001,7 @@
     </dgm:pt>
   </dgm:ptLst>
   <dgm:cxnLst>
-    <dgm:cxn modelId="{0305748F-A0C0-4D66-A0CE-E3609419CF75}" type="presOf" srcId="{18A66166-AE58-4430-963F-B7CF1D41D45E}" destId="{7BA9120E-AFA8-482C-94E5-B956C4AC6749}" srcOrd="0" destOrd="0" presId="urn:microsoft.com/office/officeart/2008/layout/PictureAccentList"/>
+    <dgm:cxn modelId="{69A85955-3B40-45F6-BEE9-38FF331501D1}" type="presOf" srcId="{18A66166-AE58-4430-963F-B7CF1D41D45E}" destId="{7BA9120E-AFA8-482C-94E5-B956C4AC6749}" srcOrd="0" destOrd="0" presId="urn:microsoft.com/office/officeart/2008/layout/PictureAccentList"/>
   </dgm:cxnLst>
   <dgm:bg/>
   <dgm:whole/>
@@ -14122,7 +15042,7 @@
     </dgm:pt>
   </dgm:ptLst>
   <dgm:cxnLst>
-    <dgm:cxn modelId="{5E8AF63C-45F0-41EE-AF30-1D7FBFDFF2EB}" type="presOf" srcId="{18A66166-AE58-4430-963F-B7CF1D41D45E}" destId="{7BA9120E-AFA8-482C-94E5-B956C4AC6749}" srcOrd="0" destOrd="0" presId="urn:microsoft.com/office/officeart/2008/layout/PictureAccentList"/>
+    <dgm:cxn modelId="{0305748F-A0C0-4D66-A0CE-E3609419CF75}" type="presOf" srcId="{18A66166-AE58-4430-963F-B7CF1D41D45E}" destId="{7BA9120E-AFA8-482C-94E5-B956C4AC6749}" srcOrd="0" destOrd="0" presId="urn:microsoft.com/office/officeart/2008/layout/PictureAccentList"/>
   </dgm:cxnLst>
   <dgm:bg/>
   <dgm:whole/>
@@ -14163,6 +15083,47 @@
     </dgm:pt>
   </dgm:ptLst>
   <dgm:cxnLst>
+    <dgm:cxn modelId="{5E8AF63C-45F0-41EE-AF30-1D7FBFDFF2EB}" type="presOf" srcId="{18A66166-AE58-4430-963F-B7CF1D41D45E}" destId="{7BA9120E-AFA8-482C-94E5-B956C4AC6749}" srcOrd="0" destOrd="0" presId="urn:microsoft.com/office/officeart/2008/layout/PictureAccentList"/>
+  </dgm:cxnLst>
+  <dgm:bg/>
+  <dgm:whole/>
+  <dgm:extLst>
+    <a:ext uri="http://schemas.microsoft.com/office/drawing/2008/diagram">
+      <dsp:dataModelExt xmlns:dsp="http://schemas.microsoft.com/office/drawing/2008/diagram" relId="rId6" minVer="http://schemas.openxmlformats.org/drawingml/2006/diagram"/>
+    </a:ext>
+  </dgm:extLst>
+</dgm:dataModel>
+</file>
+
+<file path=ppt/diagrams/data15.xml><?xml version="1.0" encoding="utf-8"?>
+<dgm:dataModel xmlns:dgm="http://schemas.openxmlformats.org/drawingml/2006/diagram" xmlns:a="http://schemas.openxmlformats.org/drawingml/2006/main">
+  <dgm:ptLst>
+    <dgm:pt modelId="{18A66166-AE58-4430-963F-B7CF1D41D45E}" type="doc">
+      <dgm:prSet loTypeId="urn:microsoft.com/office/officeart/2008/layout/PictureAccentList" loCatId="list" qsTypeId="urn:microsoft.com/office/officeart/2005/8/quickstyle/3d1" qsCatId="3D" csTypeId="urn:microsoft.com/office/officeart/2005/8/colors/colorful1" csCatId="colorful" phldr="1"/>
+      <dgm:spPr/>
+      <dgm:t>
+        <a:bodyPr/>
+        <a:lstStyle/>
+        <a:p>
+          <a:endParaRPr lang="es-MX"/>
+        </a:p>
+      </dgm:t>
+    </dgm:pt>
+    <dgm:pt modelId="{7BA9120E-AFA8-482C-94E5-B956C4AC6749}" type="pres">
+      <dgm:prSet presAssocID="{18A66166-AE58-4430-963F-B7CF1D41D45E}" presName="layout" presStyleCnt="0">
+        <dgm:presLayoutVars>
+          <dgm:chMax/>
+          <dgm:chPref/>
+          <dgm:dir/>
+          <dgm:animOne val="branch"/>
+          <dgm:animLvl val="lvl"/>
+          <dgm:resizeHandles/>
+        </dgm:presLayoutVars>
+      </dgm:prSet>
+      <dgm:spPr/>
+    </dgm:pt>
+  </dgm:ptLst>
+  <dgm:cxnLst>
     <dgm:cxn modelId="{0B2E4C85-0B1F-4356-B8A1-3FBF7C428B8E}" type="presOf" srcId="{18A66166-AE58-4430-963F-B7CF1D41D45E}" destId="{7BA9120E-AFA8-482C-94E5-B956C4AC6749}" srcOrd="0" destOrd="0" presId="urn:microsoft.com/office/officeart/2008/layout/PictureAccentList"/>
   </dgm:cxnLst>
   <dgm:bg/>
@@ -14175,7 +15136,7 @@
 </dgm:dataModel>
 </file>
 
-<file path=ppt/diagrams/data15.xml><?xml version="1.0" encoding="utf-8"?>
+<file path=ppt/diagrams/data16.xml><?xml version="1.0" encoding="utf-8"?>
 <dgm:dataModel xmlns:dgm="http://schemas.openxmlformats.org/drawingml/2006/diagram" xmlns:a="http://schemas.openxmlformats.org/drawingml/2006/main">
   <dgm:ptLst>
     <dgm:pt modelId="{18A66166-AE58-4430-963F-B7CF1D41D45E}" type="doc">
@@ -14286,7 +15247,7 @@
     </dgm:pt>
   </dgm:ptLst>
   <dgm:cxnLst>
-    <dgm:cxn modelId="{72DC2910-227B-415E-8E70-9E4B81F3AA90}" type="presOf" srcId="{18A66166-AE58-4430-963F-B7CF1D41D45E}" destId="{7BA9120E-AFA8-482C-94E5-B956C4AC6749}" srcOrd="0" destOrd="0" presId="urn:microsoft.com/office/officeart/2008/layout/PictureAccentList"/>
+    <dgm:cxn modelId="{6D481762-0AEB-48B6-8288-B271075D2578}" type="presOf" srcId="{18A66166-AE58-4430-963F-B7CF1D41D45E}" destId="{7BA9120E-AFA8-482C-94E5-B956C4AC6749}" srcOrd="0" destOrd="0" presId="urn:microsoft.com/office/officeart/2008/layout/PictureAccentList"/>
   </dgm:cxnLst>
   <dgm:bg/>
   <dgm:whole/>
@@ -14327,7 +15288,7 @@
     </dgm:pt>
   </dgm:ptLst>
   <dgm:cxnLst>
-    <dgm:cxn modelId="{02FE83F0-9F89-4F2A-B4AE-90D129EEB4D5}" type="presOf" srcId="{18A66166-AE58-4430-963F-B7CF1D41D45E}" destId="{7BA9120E-AFA8-482C-94E5-B956C4AC6749}" srcOrd="0" destOrd="0" presId="urn:microsoft.com/office/officeart/2008/layout/PictureAccentList"/>
+    <dgm:cxn modelId="{72DC2910-227B-415E-8E70-9E4B81F3AA90}" type="presOf" srcId="{18A66166-AE58-4430-963F-B7CF1D41D45E}" destId="{7BA9120E-AFA8-482C-94E5-B956C4AC6749}" srcOrd="0" destOrd="0" presId="urn:microsoft.com/office/officeart/2008/layout/PictureAccentList"/>
   </dgm:cxnLst>
   <dgm:bg/>
   <dgm:whole/>
@@ -14368,7 +15329,7 @@
     </dgm:pt>
   </dgm:ptLst>
   <dgm:cxnLst>
-    <dgm:cxn modelId="{1F78B992-A7EE-4730-9AD8-8AC1D723DC7C}" type="presOf" srcId="{18A66166-AE58-4430-963F-B7CF1D41D45E}" destId="{7BA9120E-AFA8-482C-94E5-B956C4AC6749}" srcOrd="0" destOrd="0" presId="urn:microsoft.com/office/officeart/2008/layout/PictureAccentList"/>
+    <dgm:cxn modelId="{02FE83F0-9F89-4F2A-B4AE-90D129EEB4D5}" type="presOf" srcId="{18A66166-AE58-4430-963F-B7CF1D41D45E}" destId="{7BA9120E-AFA8-482C-94E5-B956C4AC6749}" srcOrd="0" destOrd="0" presId="urn:microsoft.com/office/officeart/2008/layout/PictureAccentList"/>
   </dgm:cxnLst>
   <dgm:bg/>
   <dgm:whole/>
@@ -14409,7 +15370,7 @@
     </dgm:pt>
   </dgm:ptLst>
   <dgm:cxnLst>
-    <dgm:cxn modelId="{35518AA5-B0DE-4CE9-94E3-4C9B43D09DB7}" type="presOf" srcId="{18A66166-AE58-4430-963F-B7CF1D41D45E}" destId="{7BA9120E-AFA8-482C-94E5-B956C4AC6749}" srcOrd="0" destOrd="0" presId="urn:microsoft.com/office/officeart/2008/layout/PictureAccentList"/>
+    <dgm:cxn modelId="{1F78B992-A7EE-4730-9AD8-8AC1D723DC7C}" type="presOf" srcId="{18A66166-AE58-4430-963F-B7CF1D41D45E}" destId="{7BA9120E-AFA8-482C-94E5-B956C4AC6749}" srcOrd="0" destOrd="0" presId="urn:microsoft.com/office/officeart/2008/layout/PictureAccentList"/>
   </dgm:cxnLst>
   <dgm:bg/>
   <dgm:whole/>
@@ -14450,7 +15411,7 @@
     </dgm:pt>
   </dgm:ptLst>
   <dgm:cxnLst>
-    <dgm:cxn modelId="{32DB69D3-7C88-4A20-A7BA-13F1C3EB6949}" type="presOf" srcId="{18A66166-AE58-4430-963F-B7CF1D41D45E}" destId="{7BA9120E-AFA8-482C-94E5-B956C4AC6749}" srcOrd="0" destOrd="0" presId="urn:microsoft.com/office/officeart/2008/layout/PictureAccentList"/>
+    <dgm:cxn modelId="{35518AA5-B0DE-4CE9-94E3-4C9B43D09DB7}" type="presOf" srcId="{18A66166-AE58-4430-963F-B7CF1D41D45E}" destId="{7BA9120E-AFA8-482C-94E5-B956C4AC6749}" srcOrd="0" destOrd="0" presId="urn:microsoft.com/office/officeart/2008/layout/PictureAccentList"/>
   </dgm:cxnLst>
   <dgm:bg/>
   <dgm:whole/>
@@ -14491,7 +15452,7 @@
     </dgm:pt>
   </dgm:ptLst>
   <dgm:cxnLst>
-    <dgm:cxn modelId="{6D9596BA-33D7-4420-AA27-DF22AE14E134}" type="presOf" srcId="{18A66166-AE58-4430-963F-B7CF1D41D45E}" destId="{7BA9120E-AFA8-482C-94E5-B956C4AC6749}" srcOrd="0" destOrd="0" presId="urn:microsoft.com/office/officeart/2008/layout/PictureAccentList"/>
+    <dgm:cxn modelId="{32DB69D3-7C88-4A20-A7BA-13F1C3EB6949}" type="presOf" srcId="{18A66166-AE58-4430-963F-B7CF1D41D45E}" destId="{7BA9120E-AFA8-482C-94E5-B956C4AC6749}" srcOrd="0" destOrd="0" presId="urn:microsoft.com/office/officeart/2008/layout/PictureAccentList"/>
   </dgm:cxnLst>
   <dgm:bg/>
   <dgm:whole/>
@@ -14532,7 +15493,7 @@
     </dgm:pt>
   </dgm:ptLst>
   <dgm:cxnLst>
-    <dgm:cxn modelId="{A0159F13-5DBF-4590-B42C-ABB7BED0CE5C}" type="presOf" srcId="{18A66166-AE58-4430-963F-B7CF1D41D45E}" destId="{7BA9120E-AFA8-482C-94E5-B956C4AC6749}" srcOrd="0" destOrd="0" presId="urn:microsoft.com/office/officeart/2008/layout/PictureAccentList"/>
+    <dgm:cxn modelId="{6D9596BA-33D7-4420-AA27-DF22AE14E134}" type="presOf" srcId="{18A66166-AE58-4430-963F-B7CF1D41D45E}" destId="{7BA9120E-AFA8-482C-94E5-B956C4AC6749}" srcOrd="0" destOrd="0" presId="urn:microsoft.com/office/officeart/2008/layout/PictureAccentList"/>
   </dgm:cxnLst>
   <dgm:bg/>
   <dgm:whole/>
@@ -14617,6 +15578,18 @@
 </file>
 
 <file path=ppt/diagrams/drawing15.xml><?xml version="1.0" encoding="utf-8"?>
+<dsp:drawing xmlns:dgm="http://schemas.openxmlformats.org/drawingml/2006/diagram" xmlns:dsp="http://schemas.microsoft.com/office/drawing/2008/diagram" xmlns:a="http://schemas.openxmlformats.org/drawingml/2006/main">
+  <dsp:spTree>
+    <dsp:nvGrpSpPr>
+      <dsp:cNvPr id="0" name=""/>
+      <dsp:cNvGrpSpPr/>
+    </dsp:nvGrpSpPr>
+    <dsp:grpSpPr/>
+  </dsp:spTree>
+</dsp:drawing>
+</file>
+
+<file path=ppt/diagrams/drawing16.xml><?xml version="1.0" encoding="utf-8"?>
 <dsp:drawing xmlns:dgm="http://schemas.openxmlformats.org/drawingml/2006/diagram" xmlns:dsp="http://schemas.microsoft.com/office/drawing/2008/diagram" xmlns:a="http://schemas.openxmlformats.org/drawingml/2006/main">
   <dsp:spTree>
     <dsp:nvGrpSpPr>
@@ -16219,6 +17192,255 @@
 </file>
 
 <file path=ppt/diagrams/layout15.xml><?xml version="1.0" encoding="utf-8"?>
+<dgm:layoutDef xmlns:dgm="http://schemas.openxmlformats.org/drawingml/2006/diagram" xmlns:a="http://schemas.openxmlformats.org/drawingml/2006/main" uniqueId="urn:microsoft.com/office/officeart/2008/layout/PictureAccentList">
+  <dgm:title val=""/>
+  <dgm:desc val=""/>
+  <dgm:catLst>
+    <dgm:cat type="picture" pri="14000"/>
+    <dgm:cat type="list" pri="14500"/>
+  </dgm:catLst>
+  <dgm:sampData>
+    <dgm:dataModel>
+      <dgm:ptLst>
+        <dgm:pt modelId="0" type="doc"/>
+        <dgm:pt modelId="1">
+          <dgm:prSet phldr="1"/>
+        </dgm:pt>
+        <dgm:pt modelId="11">
+          <dgm:prSet phldr="1"/>
+        </dgm:pt>
+        <dgm:pt modelId="12">
+          <dgm:prSet phldr="1"/>
+        </dgm:pt>
+      </dgm:ptLst>
+      <dgm:cxnLst>
+        <dgm:cxn modelId="4" srcId="0" destId="1" srcOrd="0" destOrd="0"/>
+        <dgm:cxn modelId="5" srcId="1" destId="11" srcOrd="0" destOrd="0"/>
+        <dgm:cxn modelId="6" srcId="1" destId="12" srcOrd="1" destOrd="0"/>
+      </dgm:cxnLst>
+      <dgm:bg/>
+      <dgm:whole/>
+    </dgm:dataModel>
+  </dgm:sampData>
+  <dgm:styleData>
+    <dgm:dataModel>
+      <dgm:ptLst>
+        <dgm:pt modelId="0" type="doc"/>
+        <dgm:pt modelId="1"/>
+        <dgm:pt modelId="11"/>
+        <dgm:pt modelId="12"/>
+        <dgm:pt modelId="13"/>
+      </dgm:ptLst>
+      <dgm:cxnLst>
+        <dgm:cxn modelId="4" srcId="0" destId="1" srcOrd="0" destOrd="0"/>
+        <dgm:cxn modelId="5" srcId="1" destId="11" srcOrd="0" destOrd="0"/>
+        <dgm:cxn modelId="6" srcId="1" destId="12" srcOrd="0" destOrd="0"/>
+        <dgm:cxn modelId="14" srcId="1" destId="13" srcOrd="0" destOrd="0"/>
+      </dgm:cxnLst>
+      <dgm:bg/>
+      <dgm:whole/>
+    </dgm:dataModel>
+  </dgm:styleData>
+  <dgm:clrData>
+    <dgm:dataModel>
+      <dgm:ptLst>
+        <dgm:pt modelId="0" type="doc"/>
+        <dgm:pt modelId="1"/>
+        <dgm:pt modelId="11"/>
+        <dgm:pt modelId="12"/>
+        <dgm:pt modelId="13"/>
+      </dgm:ptLst>
+      <dgm:cxnLst>
+        <dgm:cxn modelId="4" srcId="0" destId="1" srcOrd="0" destOrd="0"/>
+        <dgm:cxn modelId="5" srcId="1" destId="11" srcOrd="0" destOrd="0"/>
+        <dgm:cxn modelId="6" srcId="1" destId="12" srcOrd="0" destOrd="0"/>
+        <dgm:cxn modelId="14" srcId="1" destId="13" srcOrd="0" destOrd="0"/>
+      </dgm:cxnLst>
+      <dgm:bg/>
+      <dgm:whole/>
+    </dgm:dataModel>
+  </dgm:clrData>
+  <dgm:layoutNode name="layout">
+    <dgm:varLst>
+      <dgm:chMax/>
+      <dgm:chPref/>
+      <dgm:dir/>
+      <dgm:animOne val="branch"/>
+      <dgm:animLvl val="lvl"/>
+      <dgm:resizeHandles/>
+    </dgm:varLst>
+    <dgm:choose name="Name0">
+      <dgm:if name="Name1" func="var" arg="dir" op="equ" val="norm">
+        <dgm:alg type="hierChild">
+          <dgm:param type="linDir" val="fromL"/>
+        </dgm:alg>
+      </dgm:if>
+      <dgm:else name="Name2">
+        <dgm:alg type="hierChild">
+          <dgm:param type="linDir" val="fromL"/>
+        </dgm:alg>
+      </dgm:else>
+    </dgm:choose>
+    <dgm:shape xmlns:r="http://schemas.openxmlformats.org/officeDocument/2006/relationships" r:blip="">
+      <dgm:adjLst/>
+    </dgm:shape>
+    <dgm:presOf/>
+    <dgm:constrLst>
+      <dgm:constr type="primFontSz" for="des" forName="rootText" op="equ" val="65"/>
+      <dgm:constr type="primFontSz" for="des" forName="childText" op="equ" val="65"/>
+      <dgm:constr type="primFontSz" for="des" forName="childText" refType="primFontSz" refFor="des" refForName="rootText" op="lte"/>
+      <dgm:constr type="w" for="des" forName="rootComposite" refType="w" fact="4"/>
+      <dgm:constr type="h" for="des" forName="rootComposite" refType="h"/>
+      <dgm:constr type="w" for="des" forName="childComposite" refType="w" refFor="des" refForName="rootComposite"/>
+      <dgm:constr type="h" for="des" forName="childComposite" refType="h" refFor="des" refForName="rootComposite"/>
+      <dgm:constr type="sibSp" refType="w" refFor="des" refForName="rootComposite" fact="0.1"/>
+      <dgm:constr type="sibSp" for="des" forName="childShape" refType="h" refFor="des" refForName="rootComposite" fact="0.12"/>
+      <dgm:constr type="sp" for="des" forName="root" refType="h" refFor="des" refForName="rootComposite" fact="0.18"/>
+    </dgm:constrLst>
+    <dgm:ruleLst/>
+    <dgm:forEach name="Name3" axis="ch">
+      <dgm:forEach name="Name4" axis="self" ptType="node" cnt="1">
+        <dgm:layoutNode name="root">
+          <dgm:varLst>
+            <dgm:chMax/>
+            <dgm:chPref val="4"/>
+          </dgm:varLst>
+          <dgm:alg type="hierRoot"/>
+          <dgm:shape xmlns:r="http://schemas.openxmlformats.org/officeDocument/2006/relationships" r:blip="">
+            <dgm:adjLst/>
+          </dgm:shape>
+          <dgm:presOf/>
+          <dgm:constrLst/>
+          <dgm:ruleLst/>
+          <dgm:layoutNode name="rootComposite">
+            <dgm:varLst/>
+            <dgm:alg type="composite"/>
+            <dgm:shape xmlns:r="http://schemas.openxmlformats.org/officeDocument/2006/relationships" r:blip="">
+              <dgm:adjLst/>
+            </dgm:shape>
+            <dgm:presOf axis="self" ptType="node" cnt="1"/>
+            <dgm:constrLst>
+              <dgm:constr type="l" for="ch" forName="rootText"/>
+              <dgm:constr type="t" for="ch" forName="rootText"/>
+              <dgm:constr type="w" for="ch" forName="rootText" refType="w"/>
+              <dgm:constr type="h" for="ch" forName="rootText" refType="h"/>
+            </dgm:constrLst>
+            <dgm:ruleLst/>
+            <dgm:layoutNode name="rootText" styleLbl="node0">
+              <dgm:varLst>
+                <dgm:chMax/>
+                <dgm:chPref val="4"/>
+              </dgm:varLst>
+              <dgm:alg type="tx"/>
+              <dgm:shape xmlns:r="http://schemas.openxmlformats.org/officeDocument/2006/relationships" type="roundRect" r:blip="">
+                <dgm:adjLst>
+                  <dgm:adj idx="1" val="0.1"/>
+                </dgm:adjLst>
+              </dgm:shape>
+              <dgm:presOf axis="self" ptType="node" cnt="1"/>
+              <dgm:constrLst>
+                <dgm:constr type="tMarg" refType="primFontSz" fact="0.1"/>
+                <dgm:constr type="bMarg" refType="primFontSz" fact="0.1"/>
+                <dgm:constr type="lMarg" refType="primFontSz" fact="0.15"/>
+                <dgm:constr type="rMarg" refType="primFontSz" fact="0.15"/>
+              </dgm:constrLst>
+              <dgm:ruleLst>
+                <dgm:rule type="primFontSz" val="5" fact="NaN" max="NaN"/>
+                <dgm:rule type="primFontSz" val="65" fact="NaN" max="NaN"/>
+              </dgm:ruleLst>
+            </dgm:layoutNode>
+          </dgm:layoutNode>
+          <dgm:layoutNode name="childShape">
+            <dgm:varLst>
+              <dgm:chMax val="0"/>
+              <dgm:chPref val="0"/>
+            </dgm:varLst>
+            <dgm:alg type="hierChild">
+              <dgm:param type="chAlign" val="r"/>
+              <dgm:param type="linDir" val="fromT"/>
+              <dgm:param type="fallback" val="2D"/>
+            </dgm:alg>
+            <dgm:shape xmlns:r="http://schemas.openxmlformats.org/officeDocument/2006/relationships" r:blip="">
+              <dgm:adjLst/>
+            </dgm:shape>
+            <dgm:presOf/>
+            <dgm:constrLst/>
+            <dgm:ruleLst/>
+            <dgm:forEach name="Name5" axis="ch">
+              <dgm:forEach name="Name6" axis="self" ptType="node">
+                <dgm:layoutNode name="childComposite">
+                  <dgm:varLst>
+                    <dgm:chMax val="0"/>
+                    <dgm:chPref val="0"/>
+                  </dgm:varLst>
+                  <dgm:alg type="composite"/>
+                  <dgm:shape xmlns:r="http://schemas.openxmlformats.org/officeDocument/2006/relationships" r:blip="">
+                    <dgm:adjLst/>
+                  </dgm:shape>
+                  <dgm:presOf/>
+                  <dgm:choose name="Name7">
+                    <dgm:if name="Name8" func="var" arg="dir" op="equ" val="norm">
+                      <dgm:constrLst>
+                        <dgm:constr type="w" for="ch" forName="Image" refType="h"/>
+                        <dgm:constr type="h" for="ch" forName="Image" refType="h"/>
+                        <dgm:constr type="l" for="ch" forName="Image"/>
+                        <dgm:constr type="t" for="ch" forName="Image"/>
+                        <dgm:constr type="h" for="ch" forName="childText" refType="h"/>
+                        <dgm:constr type="l" for="ch" forName="childText" refType="w" refFor="ch" refForName="Image" fact="1.06"/>
+                        <dgm:constr type="t" for="ch" forName="childText"/>
+                      </dgm:constrLst>
+                    </dgm:if>
+                    <dgm:else name="Name9">
+                      <dgm:constrLst>
+                        <dgm:constr type="w" for="ch" forName="Image" refType="h"/>
+                        <dgm:constr type="h" for="ch" forName="Image" refType="h"/>
+                        <dgm:constr type="r" for="ch" forName="Image" refType="w"/>
+                        <dgm:constr type="t" for="ch" forName="Image"/>
+                        <dgm:constr type="h" for="ch" forName="childText" refType="h"/>
+                        <dgm:constr type="t" for="ch" forName="childText"/>
+                        <dgm:constr type="wOff" for="ch" forName="childText" refType="w" refFor="ch" refForName="Image" fact="-1.06"/>
+                      </dgm:constrLst>
+                    </dgm:else>
+                  </dgm:choose>
+                  <dgm:ruleLst/>
+                  <dgm:layoutNode name="Image" styleLbl="node1">
+                    <dgm:alg type="sp"/>
+                    <dgm:shape xmlns:r="http://schemas.openxmlformats.org/officeDocument/2006/relationships" type="roundRect" r:blip="" blipPhldr="1">
+                      <dgm:adjLst>
+                        <dgm:adj idx="1" val="0.1667"/>
+                      </dgm:adjLst>
+                    </dgm:shape>
+                    <dgm:presOf/>
+                  </dgm:layoutNode>
+                  <dgm:layoutNode name="childText" styleLbl="lnNode1">
+                    <dgm:varLst>
+                      <dgm:chMax val="0"/>
+                      <dgm:chPref val="0"/>
+                      <dgm:bulletEnabled val="1"/>
+                    </dgm:varLst>
+                    <dgm:alg type="tx"/>
+                    <dgm:shape xmlns:r="http://schemas.openxmlformats.org/officeDocument/2006/relationships" type="roundRect" r:blip="">
+                      <dgm:adjLst>
+                        <dgm:adj idx="1" val="0.1667"/>
+                      </dgm:adjLst>
+                    </dgm:shape>
+                    <dgm:presOf axis="self desOrSelf" ptType="node node" st="1 1" cnt="1 0"/>
+                    <dgm:ruleLst>
+                      <dgm:rule type="primFontSz" val="5" fact="NaN" max="NaN"/>
+                    </dgm:ruleLst>
+                  </dgm:layoutNode>
+                </dgm:layoutNode>
+              </dgm:forEach>
+            </dgm:forEach>
+          </dgm:layoutNode>
+        </dgm:layoutNode>
+      </dgm:forEach>
+    </dgm:forEach>
+  </dgm:layoutNode>
+</dgm:layoutDef>
+</file>
+
+<file path=ppt/diagrams/layout16.xml><?xml version="1.0" encoding="utf-8"?>
 <dgm:layoutDef xmlns:dgm="http://schemas.openxmlformats.org/drawingml/2006/diagram" xmlns:a="http://schemas.openxmlformats.org/drawingml/2006/main" uniqueId="urn:microsoft.com/office/officeart/2008/layout/PictureAccentList">
   <dgm:title val=""/>
   <dgm:desc val=""/>
@@ -26278,6 +27500,1123 @@
 </dgm:styleDef>
 </file>
 
+<file path=ppt/diagrams/quickStyle16.xml><?xml version="1.0" encoding="utf-8"?>
+<dgm:styleDef xmlns:dgm="http://schemas.openxmlformats.org/drawingml/2006/diagram" xmlns:a="http://schemas.openxmlformats.org/drawingml/2006/main" uniqueId="urn:microsoft.com/office/officeart/2005/8/quickstyle/3d1">
+  <dgm:title val=""/>
+  <dgm:desc val=""/>
+  <dgm:catLst>
+    <dgm:cat type="3D" pri="11100"/>
+  </dgm:catLst>
+  <dgm:scene3d>
+    <a:camera prst="orthographicFront"/>
+    <a:lightRig rig="threePt" dir="t"/>
+  </dgm:scene3d>
+  <dgm:styleLbl name="node0">
+    <dgm:scene3d>
+      <a:camera prst="orthographicFront"/>
+      <a:lightRig rig="flat" dir="t"/>
+    </dgm:scene3d>
+    <dgm:sp3d prstMaterial="plastic">
+      <a:bevelT w="120900" h="88900"/>
+      <a:bevelB w="88900" h="31750" prst="angle"/>
+    </dgm:sp3d>
+    <dgm:txPr/>
+    <dgm:style>
+      <a:lnRef idx="0">
+        <a:scrgbClr r="0" g="0" b="0"/>
+      </a:lnRef>
+      <a:fillRef idx="3">
+        <a:scrgbClr r="0" g="0" b="0"/>
+      </a:fillRef>
+      <a:effectRef idx="2">
+        <a:scrgbClr r="0" g="0" b="0"/>
+      </a:effectRef>
+      <a:fontRef idx="minor">
+        <a:schemeClr val="lt1"/>
+      </a:fontRef>
+    </dgm:style>
+  </dgm:styleLbl>
+  <dgm:styleLbl name="lnNode1">
+    <dgm:scene3d>
+      <a:camera prst="orthographicFront"/>
+      <a:lightRig rig="flat" dir="t"/>
+    </dgm:scene3d>
+    <dgm:sp3d prstMaterial="plastic">
+      <a:bevelT w="120900" h="88900"/>
+      <a:bevelB w="88900" h="31750" prst="angle"/>
+    </dgm:sp3d>
+    <dgm:txPr/>
+    <dgm:style>
+      <a:lnRef idx="0">
+        <a:scrgbClr r="0" g="0" b="0"/>
+      </a:lnRef>
+      <a:fillRef idx="3">
+        <a:scrgbClr r="0" g="0" b="0"/>
+      </a:fillRef>
+      <a:effectRef idx="1">
+        <a:scrgbClr r="0" g="0" b="0"/>
+      </a:effectRef>
+      <a:fontRef idx="minor">
+        <a:schemeClr val="lt1"/>
+      </a:fontRef>
+    </dgm:style>
+  </dgm:styleLbl>
+  <dgm:styleLbl name="vennNode1">
+    <dgm:scene3d>
+      <a:camera prst="orthographicFront"/>
+      <a:lightRig rig="flat" dir="t"/>
+    </dgm:scene3d>
+    <dgm:sp3d prstMaterial="plastic">
+      <a:bevelT w="120900" h="88900"/>
+      <a:bevelB w="88900" h="31750" prst="angle"/>
+    </dgm:sp3d>
+    <dgm:txPr/>
+    <dgm:style>
+      <a:lnRef idx="0">
+        <a:scrgbClr r="0" g="0" b="0"/>
+      </a:lnRef>
+      <a:fillRef idx="1">
+        <a:scrgbClr r="0" g="0" b="0"/>
+      </a:fillRef>
+      <a:effectRef idx="1">
+        <a:scrgbClr r="0" g="0" b="0"/>
+      </a:effectRef>
+      <a:fontRef idx="minor">
+        <a:schemeClr val="tx1"/>
+      </a:fontRef>
+    </dgm:style>
+  </dgm:styleLbl>
+  <dgm:styleLbl name="alignNode1">
+    <dgm:scene3d>
+      <a:camera prst="orthographicFront"/>
+      <a:lightRig rig="flat" dir="t"/>
+    </dgm:scene3d>
+    <dgm:sp3d prstMaterial="plastic">
+      <a:bevelT w="120900" h="88900"/>
+      <a:bevelB w="88900" h="31750" prst="angle"/>
+    </dgm:sp3d>
+    <dgm:txPr/>
+    <dgm:style>
+      <a:lnRef idx="1">
+        <a:scrgbClr r="0" g="0" b="0"/>
+      </a:lnRef>
+      <a:fillRef idx="3">
+        <a:scrgbClr r="0" g="0" b="0"/>
+      </a:fillRef>
+      <a:effectRef idx="2">
+        <a:scrgbClr r="0" g="0" b="0"/>
+      </a:effectRef>
+      <a:fontRef idx="minor">
+        <a:schemeClr val="lt1"/>
+      </a:fontRef>
+    </dgm:style>
+  </dgm:styleLbl>
+  <dgm:styleLbl name="node1">
+    <dgm:scene3d>
+      <a:camera prst="orthographicFront"/>
+      <a:lightRig rig="flat" dir="t"/>
+    </dgm:scene3d>
+    <dgm:sp3d prstMaterial="plastic">
+      <a:bevelT w="120900" h="88900"/>
+      <a:bevelB w="88900" h="31750" prst="angle"/>
+    </dgm:sp3d>
+    <dgm:txPr/>
+    <dgm:style>
+      <a:lnRef idx="0">
+        <a:scrgbClr r="0" g="0" b="0"/>
+      </a:lnRef>
+      <a:fillRef idx="3">
+        <a:scrgbClr r="0" g="0" b="0"/>
+      </a:fillRef>
+      <a:effectRef idx="2">
+        <a:scrgbClr r="0" g="0" b="0"/>
+      </a:effectRef>
+      <a:fontRef idx="minor">
+        <a:schemeClr val="lt1"/>
+      </a:fontRef>
+    </dgm:style>
+  </dgm:styleLbl>
+  <dgm:styleLbl name="node2">
+    <dgm:scene3d>
+      <a:camera prst="orthographicFront"/>
+      <a:lightRig rig="flat" dir="t"/>
+    </dgm:scene3d>
+    <dgm:sp3d prstMaterial="plastic">
+      <a:bevelT w="120900" h="88900"/>
+      <a:bevelB w="88900" h="31750" prst="angle"/>
+    </dgm:sp3d>
+    <dgm:txPr/>
+    <dgm:style>
+      <a:lnRef idx="0">
+        <a:scrgbClr r="0" g="0" b="0"/>
+      </a:lnRef>
+      <a:fillRef idx="3">
+        <a:scrgbClr r="0" g="0" b="0"/>
+      </a:fillRef>
+      <a:effectRef idx="1">
+        <a:scrgbClr r="0" g="0" b="0"/>
+      </a:effectRef>
+      <a:fontRef idx="minor">
+        <a:schemeClr val="lt1"/>
+      </a:fontRef>
+    </dgm:style>
+  </dgm:styleLbl>
+  <dgm:styleLbl name="node3">
+    <dgm:scene3d>
+      <a:camera prst="orthographicFront"/>
+      <a:lightRig rig="flat" dir="t"/>
+    </dgm:scene3d>
+    <dgm:sp3d prstMaterial="plastic">
+      <a:bevelT w="120900" h="88900"/>
+      <a:bevelB w="88900" h="31750" prst="angle"/>
+    </dgm:sp3d>
+    <dgm:txPr/>
+    <dgm:style>
+      <a:lnRef idx="0">
+        <a:scrgbClr r="0" g="0" b="0"/>
+      </a:lnRef>
+      <a:fillRef idx="3">
+        <a:scrgbClr r="0" g="0" b="0"/>
+      </a:fillRef>
+      <a:effectRef idx="1">
+        <a:scrgbClr r="0" g="0" b="0"/>
+      </a:effectRef>
+      <a:fontRef idx="minor">
+        <a:schemeClr val="lt1"/>
+      </a:fontRef>
+    </dgm:style>
+  </dgm:styleLbl>
+  <dgm:styleLbl name="node4">
+    <dgm:scene3d>
+      <a:camera prst="orthographicFront"/>
+      <a:lightRig rig="flat" dir="t"/>
+    </dgm:scene3d>
+    <dgm:sp3d prstMaterial="plastic">
+      <a:bevelT w="120900" h="88900"/>
+      <a:bevelB w="88900" h="31750" prst="angle"/>
+    </dgm:sp3d>
+    <dgm:txPr/>
+    <dgm:style>
+      <a:lnRef idx="0">
+        <a:scrgbClr r="0" g="0" b="0"/>
+      </a:lnRef>
+      <a:fillRef idx="3">
+        <a:scrgbClr r="0" g="0" b="0"/>
+      </a:fillRef>
+      <a:effectRef idx="1">
+        <a:scrgbClr r="0" g="0" b="0"/>
+      </a:effectRef>
+      <a:fontRef idx="minor">
+        <a:schemeClr val="lt1"/>
+      </a:fontRef>
+    </dgm:style>
+  </dgm:styleLbl>
+  <dgm:styleLbl name="fgImgPlace1">
+    <dgm:scene3d>
+      <a:camera prst="orthographicFront"/>
+      <a:lightRig rig="flat" dir="t"/>
+    </dgm:scene3d>
+    <dgm:sp3d z="127000" prstMaterial="plastic">
+      <a:bevelT w="88900" h="88900"/>
+      <a:bevelB w="88900" h="31750" prst="angle"/>
+    </dgm:sp3d>
+    <dgm:txPr/>
+    <dgm:style>
+      <a:lnRef idx="0">
+        <a:scrgbClr r="0" g="0" b="0"/>
+      </a:lnRef>
+      <a:fillRef idx="3">
+        <a:scrgbClr r="0" g="0" b="0"/>
+      </a:fillRef>
+      <a:effectRef idx="2">
+        <a:scrgbClr r="0" g="0" b="0"/>
+      </a:effectRef>
+      <a:fontRef idx="minor"/>
+    </dgm:style>
+  </dgm:styleLbl>
+  <dgm:styleLbl name="alignImgPlace1">
+    <dgm:scene3d>
+      <a:camera prst="orthographicFront"/>
+      <a:lightRig rig="flat" dir="t"/>
+    </dgm:scene3d>
+    <dgm:sp3d prstMaterial="plastic">
+      <a:bevelT w="88900" h="88900"/>
+      <a:bevelB w="88900" h="31750" prst="angle"/>
+    </dgm:sp3d>
+    <dgm:txPr/>
+    <dgm:style>
+      <a:lnRef idx="0">
+        <a:scrgbClr r="0" g="0" b="0"/>
+      </a:lnRef>
+      <a:fillRef idx="3">
+        <a:scrgbClr r="0" g="0" b="0"/>
+      </a:fillRef>
+      <a:effectRef idx="2">
+        <a:scrgbClr r="0" g="0" b="0"/>
+      </a:effectRef>
+      <a:fontRef idx="minor"/>
+    </dgm:style>
+  </dgm:styleLbl>
+  <dgm:styleLbl name="bgImgPlace1">
+    <dgm:scene3d>
+      <a:camera prst="orthographicFront"/>
+      <a:lightRig rig="flat" dir="t"/>
+    </dgm:scene3d>
+    <dgm:sp3d z="-190500" prstMaterial="plastic">
+      <a:bevelT w="88900" h="88900"/>
+      <a:bevelB w="88900" h="31750" prst="angle"/>
+    </dgm:sp3d>
+    <dgm:txPr/>
+    <dgm:style>
+      <a:lnRef idx="0">
+        <a:scrgbClr r="0" g="0" b="0"/>
+      </a:lnRef>
+      <a:fillRef idx="3">
+        <a:scrgbClr r="0" g="0" b="0"/>
+      </a:fillRef>
+      <a:effectRef idx="2">
+        <a:scrgbClr r="0" g="0" b="0"/>
+      </a:effectRef>
+      <a:fontRef idx="minor"/>
+    </dgm:style>
+  </dgm:styleLbl>
+  <dgm:styleLbl name="sibTrans2D1">
+    <dgm:scene3d>
+      <a:camera prst="orthographicFront"/>
+      <a:lightRig rig="flat" dir="t"/>
+    </dgm:scene3d>
+    <dgm:sp3d z="-80000" prstMaterial="plastic">
+      <a:bevelT w="50800" h="50800"/>
+      <a:bevelB w="25400" h="25400" prst="angle"/>
+    </dgm:sp3d>
+    <dgm:txPr/>
+    <dgm:style>
+      <a:lnRef idx="0">
+        <a:scrgbClr r="0" g="0" b="0"/>
+      </a:lnRef>
+      <a:fillRef idx="3">
+        <a:scrgbClr r="0" g="0" b="0"/>
+      </a:fillRef>
+      <a:effectRef idx="2">
+        <a:scrgbClr r="0" g="0" b="0"/>
+      </a:effectRef>
+      <a:fontRef idx="minor">
+        <a:schemeClr val="lt1"/>
+      </a:fontRef>
+    </dgm:style>
+  </dgm:styleLbl>
+  <dgm:styleLbl name="fgSibTrans2D1">
+    <dgm:scene3d>
+      <a:camera prst="orthographicFront"/>
+      <a:lightRig rig="flat" dir="t"/>
+    </dgm:scene3d>
+    <dgm:sp3d z="127000" prstMaterial="plastic">
+      <a:bevelT w="50800" h="50800"/>
+      <a:bevelB w="25400" h="25400" prst="angle"/>
+    </dgm:sp3d>
+    <dgm:txPr/>
+    <dgm:style>
+      <a:lnRef idx="0">
+        <a:scrgbClr r="0" g="0" b="0"/>
+      </a:lnRef>
+      <a:fillRef idx="3">
+        <a:scrgbClr r="0" g="0" b="0"/>
+      </a:fillRef>
+      <a:effectRef idx="2">
+        <a:scrgbClr r="0" g="0" b="0"/>
+      </a:effectRef>
+      <a:fontRef idx="minor">
+        <a:schemeClr val="lt1"/>
+      </a:fontRef>
+    </dgm:style>
+  </dgm:styleLbl>
+  <dgm:styleLbl name="bgSibTrans2D1">
+    <dgm:scene3d>
+      <a:camera prst="orthographicFront"/>
+      <a:lightRig rig="flat" dir="t"/>
+    </dgm:scene3d>
+    <dgm:sp3d z="-190500" prstMaterial="plastic">
+      <a:bevelT w="50800" h="50800"/>
+      <a:bevelB w="25400" h="25400" prst="angle"/>
+    </dgm:sp3d>
+    <dgm:txPr/>
+    <dgm:style>
+      <a:lnRef idx="0">
+        <a:scrgbClr r="0" g="0" b="0"/>
+      </a:lnRef>
+      <a:fillRef idx="3">
+        <a:scrgbClr r="0" g="0" b="0"/>
+      </a:fillRef>
+      <a:effectRef idx="2">
+        <a:scrgbClr r="0" g="0" b="0"/>
+      </a:effectRef>
+      <a:fontRef idx="minor">
+        <a:schemeClr val="lt1"/>
+      </a:fontRef>
+    </dgm:style>
+  </dgm:styleLbl>
+  <dgm:styleLbl name="sibTrans1D1">
+    <dgm:scene3d>
+      <a:camera prst="orthographicFront"/>
+      <a:lightRig rig="flat" dir="t"/>
+    </dgm:scene3d>
+    <dgm:sp3d z="-40000" prstMaterial="matte"/>
+    <dgm:txPr/>
+    <dgm:style>
+      <a:lnRef idx="1">
+        <a:scrgbClr r="0" g="0" b="0"/>
+      </a:lnRef>
+      <a:fillRef idx="0">
+        <a:scrgbClr r="0" g="0" b="0"/>
+      </a:fillRef>
+      <a:effectRef idx="0">
+        <a:scrgbClr r="0" g="0" b="0"/>
+      </a:effectRef>
+      <a:fontRef idx="minor"/>
+    </dgm:style>
+  </dgm:styleLbl>
+  <dgm:styleLbl name="callout">
+    <dgm:scene3d>
+      <a:camera prst="orthographicFront"/>
+      <a:lightRig rig="threePt" dir="t"/>
+    </dgm:scene3d>
+    <dgm:sp3d z="127000" prstMaterial="matte"/>
+    <dgm:txPr/>
+    <dgm:style>
+      <a:lnRef idx="2">
+        <a:scrgbClr r="0" g="0" b="0"/>
+      </a:lnRef>
+      <a:fillRef idx="1">
+        <a:scrgbClr r="0" g="0" b="0"/>
+      </a:fillRef>
+      <a:effectRef idx="0">
+        <a:scrgbClr r="0" g="0" b="0"/>
+      </a:effectRef>
+      <a:fontRef idx="minor"/>
+    </dgm:style>
+  </dgm:styleLbl>
+  <dgm:styleLbl name="asst0">
+    <dgm:scene3d>
+      <a:camera prst="orthographicFront"/>
+      <a:lightRig rig="flat" dir="t"/>
+    </dgm:scene3d>
+    <dgm:sp3d prstMaterial="plastic">
+      <a:bevelT w="120900" h="88900"/>
+      <a:bevelB w="88900" h="31750" prst="angle"/>
+    </dgm:sp3d>
+    <dgm:txPr/>
+    <dgm:style>
+      <a:lnRef idx="0">
+        <a:scrgbClr r="0" g="0" b="0"/>
+      </a:lnRef>
+      <a:fillRef idx="3">
+        <a:scrgbClr r="0" g="0" b="0"/>
+      </a:fillRef>
+      <a:effectRef idx="1">
+        <a:scrgbClr r="0" g="0" b="0"/>
+      </a:effectRef>
+      <a:fontRef idx="minor">
+        <a:schemeClr val="lt1"/>
+      </a:fontRef>
+    </dgm:style>
+  </dgm:styleLbl>
+  <dgm:styleLbl name="asst1">
+    <dgm:scene3d>
+      <a:camera prst="orthographicFront"/>
+      <a:lightRig rig="flat" dir="t"/>
+    </dgm:scene3d>
+    <dgm:sp3d prstMaterial="plastic">
+      <a:bevelT w="120900" h="88900"/>
+      <a:bevelB w="88900" h="31750" prst="angle"/>
+    </dgm:sp3d>
+    <dgm:txPr/>
+    <dgm:style>
+      <a:lnRef idx="0">
+        <a:scrgbClr r="0" g="0" b="0"/>
+      </a:lnRef>
+      <a:fillRef idx="3">
+        <a:scrgbClr r="0" g="0" b="0"/>
+      </a:fillRef>
+      <a:effectRef idx="1">
+        <a:scrgbClr r="0" g="0" b="0"/>
+      </a:effectRef>
+      <a:fontRef idx="minor">
+        <a:schemeClr val="lt1"/>
+      </a:fontRef>
+    </dgm:style>
+  </dgm:styleLbl>
+  <dgm:styleLbl name="asst2">
+    <dgm:scene3d>
+      <a:camera prst="orthographicFront"/>
+      <a:lightRig rig="flat" dir="t"/>
+    </dgm:scene3d>
+    <dgm:sp3d prstMaterial="plastic">
+      <a:bevelT w="120900" h="88900"/>
+      <a:bevelB w="88900" h="31750" prst="angle"/>
+    </dgm:sp3d>
+    <dgm:txPr/>
+    <dgm:style>
+      <a:lnRef idx="0">
+        <a:scrgbClr r="0" g="0" b="0"/>
+      </a:lnRef>
+      <a:fillRef idx="3">
+        <a:scrgbClr r="0" g="0" b="0"/>
+      </a:fillRef>
+      <a:effectRef idx="1">
+        <a:scrgbClr r="0" g="0" b="0"/>
+      </a:effectRef>
+      <a:fontRef idx="minor">
+        <a:schemeClr val="lt1"/>
+      </a:fontRef>
+    </dgm:style>
+  </dgm:styleLbl>
+  <dgm:styleLbl name="asst3">
+    <dgm:scene3d>
+      <a:camera prst="orthographicFront"/>
+      <a:lightRig rig="flat" dir="t"/>
+    </dgm:scene3d>
+    <dgm:sp3d prstMaterial="plastic">
+      <a:bevelT w="120900" h="88900"/>
+      <a:bevelB w="88900" h="31750" prst="angle"/>
+    </dgm:sp3d>
+    <dgm:txPr/>
+    <dgm:style>
+      <a:lnRef idx="0">
+        <a:scrgbClr r="0" g="0" b="0"/>
+      </a:lnRef>
+      <a:fillRef idx="3">
+        <a:scrgbClr r="0" g="0" b="0"/>
+      </a:fillRef>
+      <a:effectRef idx="1">
+        <a:scrgbClr r="0" g="0" b="0"/>
+      </a:effectRef>
+      <a:fontRef idx="minor">
+        <a:schemeClr val="lt1"/>
+      </a:fontRef>
+    </dgm:style>
+  </dgm:styleLbl>
+  <dgm:styleLbl name="parChTrans2D1">
+    <dgm:scene3d>
+      <a:camera prst="orthographicFront"/>
+      <a:lightRig rig="flat" dir="t"/>
+    </dgm:scene3d>
+    <dgm:sp3d z="-100000" prstMaterial="plastic">
+      <a:bevelT w="120900" h="88900"/>
+      <a:bevelB w="88900" h="31750" prst="angle"/>
+    </dgm:sp3d>
+    <dgm:txPr/>
+    <dgm:style>
+      <a:lnRef idx="0">
+        <a:scrgbClr r="0" g="0" b="0"/>
+      </a:lnRef>
+      <a:fillRef idx="3">
+        <a:scrgbClr r="0" g="0" b="0"/>
+      </a:fillRef>
+      <a:effectRef idx="1">
+        <a:scrgbClr r="0" g="0" b="0"/>
+      </a:effectRef>
+      <a:fontRef idx="minor">
+        <a:schemeClr val="lt1"/>
+      </a:fontRef>
+    </dgm:style>
+  </dgm:styleLbl>
+  <dgm:styleLbl name="parChTrans2D2">
+    <dgm:scene3d>
+      <a:camera prst="orthographicFront"/>
+      <a:lightRig rig="flat" dir="t"/>
+    </dgm:scene3d>
+    <dgm:sp3d z="-60000" prstMaterial="plastic">
+      <a:bevelT w="120900" h="88900"/>
+      <a:bevelB w="88900" h="31750" prst="angle"/>
+    </dgm:sp3d>
+    <dgm:txPr/>
+    <dgm:style>
+      <a:lnRef idx="0">
+        <a:scrgbClr r="0" g="0" b="0"/>
+      </a:lnRef>
+      <a:fillRef idx="3">
+        <a:scrgbClr r="0" g="0" b="0"/>
+      </a:fillRef>
+      <a:effectRef idx="1">
+        <a:scrgbClr r="0" g="0" b="0"/>
+      </a:effectRef>
+      <a:fontRef idx="minor">
+        <a:schemeClr val="lt1"/>
+      </a:fontRef>
+    </dgm:style>
+  </dgm:styleLbl>
+  <dgm:styleLbl name="parChTrans2D3">
+    <dgm:scene3d>
+      <a:camera prst="orthographicFront"/>
+      <a:lightRig rig="flat" dir="t"/>
+    </dgm:scene3d>
+    <dgm:sp3d z="-60000" prstMaterial="plastic">
+      <a:bevelT w="120900" h="88900"/>
+      <a:bevelB w="88900" h="31750" prst="angle"/>
+    </dgm:sp3d>
+    <dgm:txPr/>
+    <dgm:style>
+      <a:lnRef idx="0">
+        <a:scrgbClr r="0" g="0" b="0"/>
+      </a:lnRef>
+      <a:fillRef idx="3">
+        <a:scrgbClr r="0" g="0" b="0"/>
+      </a:fillRef>
+      <a:effectRef idx="1">
+        <a:scrgbClr r="0" g="0" b="0"/>
+      </a:effectRef>
+      <a:fontRef idx="minor">
+        <a:schemeClr val="lt1"/>
+      </a:fontRef>
+    </dgm:style>
+  </dgm:styleLbl>
+  <dgm:styleLbl name="parChTrans2D4">
+    <dgm:scene3d>
+      <a:camera prst="orthographicFront"/>
+      <a:lightRig rig="flat" dir="t"/>
+    </dgm:scene3d>
+    <dgm:sp3d z="-60000" prstMaterial="plastic">
+      <a:bevelT w="120900" h="88900"/>
+      <a:bevelB w="88900" h="31750" prst="angle"/>
+    </dgm:sp3d>
+    <dgm:txPr/>
+    <dgm:style>
+      <a:lnRef idx="0">
+        <a:scrgbClr r="0" g="0" b="0"/>
+      </a:lnRef>
+      <a:fillRef idx="3">
+        <a:scrgbClr r="0" g="0" b="0"/>
+      </a:fillRef>
+      <a:effectRef idx="1">
+        <a:scrgbClr r="0" g="0" b="0"/>
+      </a:effectRef>
+      <a:fontRef idx="minor">
+        <a:schemeClr val="lt1"/>
+      </a:fontRef>
+    </dgm:style>
+  </dgm:styleLbl>
+  <dgm:styleLbl name="parChTrans1D1">
+    <dgm:scene3d>
+      <a:camera prst="orthographicFront"/>
+      <a:lightRig rig="flat" dir="t"/>
+    </dgm:scene3d>
+    <dgm:sp3d prstMaterial="matte"/>
+    <dgm:txPr/>
+    <dgm:style>
+      <a:lnRef idx="2">
+        <a:scrgbClr r="0" g="0" b="0"/>
+      </a:lnRef>
+      <a:fillRef idx="0">
+        <a:scrgbClr r="0" g="0" b="0"/>
+      </a:fillRef>
+      <a:effectRef idx="0">
+        <a:scrgbClr r="0" g="0" b="0"/>
+      </a:effectRef>
+      <a:fontRef idx="minor"/>
+    </dgm:style>
+  </dgm:styleLbl>
+  <dgm:styleLbl name="parChTrans1D2">
+    <dgm:scene3d>
+      <a:camera prst="orthographicFront"/>
+      <a:lightRig rig="flat" dir="t"/>
+    </dgm:scene3d>
+    <dgm:sp3d prstMaterial="matte"/>
+    <dgm:txPr/>
+    <dgm:style>
+      <a:lnRef idx="2">
+        <a:scrgbClr r="0" g="0" b="0"/>
+      </a:lnRef>
+      <a:fillRef idx="0">
+        <a:scrgbClr r="0" g="0" b="0"/>
+      </a:fillRef>
+      <a:effectRef idx="0">
+        <a:scrgbClr r="0" g="0" b="0"/>
+      </a:effectRef>
+      <a:fontRef idx="minor"/>
+    </dgm:style>
+  </dgm:styleLbl>
+  <dgm:styleLbl name="parChTrans1D3">
+    <dgm:scene3d>
+      <a:camera prst="orthographicFront"/>
+      <a:lightRig rig="flat" dir="t"/>
+    </dgm:scene3d>
+    <dgm:sp3d prstMaterial="matte"/>
+    <dgm:txPr/>
+    <dgm:style>
+      <a:lnRef idx="2">
+        <a:scrgbClr r="0" g="0" b="0"/>
+      </a:lnRef>
+      <a:fillRef idx="0">
+        <a:scrgbClr r="0" g="0" b="0"/>
+      </a:fillRef>
+      <a:effectRef idx="0">
+        <a:scrgbClr r="0" g="0" b="0"/>
+      </a:effectRef>
+      <a:fontRef idx="minor"/>
+    </dgm:style>
+  </dgm:styleLbl>
+  <dgm:styleLbl name="parChTrans1D4">
+    <dgm:scene3d>
+      <a:camera prst="orthographicFront"/>
+      <a:lightRig rig="flat" dir="t"/>
+    </dgm:scene3d>
+    <dgm:sp3d prstMaterial="matte"/>
+    <dgm:txPr/>
+    <dgm:style>
+      <a:lnRef idx="2">
+        <a:scrgbClr r="0" g="0" b="0"/>
+      </a:lnRef>
+      <a:fillRef idx="0">
+        <a:scrgbClr r="0" g="0" b="0"/>
+      </a:fillRef>
+      <a:effectRef idx="0">
+        <a:scrgbClr r="0" g="0" b="0"/>
+      </a:effectRef>
+      <a:fontRef idx="minor"/>
+    </dgm:style>
+  </dgm:styleLbl>
+  <dgm:styleLbl name="fgAcc1">
+    <dgm:scene3d>
+      <a:camera prst="orthographicFront"/>
+      <a:lightRig rig="flat" dir="t"/>
+    </dgm:scene3d>
+    <dgm:sp3d z="190500" extrusionH="12700" prstMaterial="plastic">
+      <a:bevelT w="50800" h="50800"/>
+    </dgm:sp3d>
+    <dgm:txPr/>
+    <dgm:style>
+      <a:lnRef idx="1">
+        <a:scrgbClr r="0" g="0" b="0"/>
+      </a:lnRef>
+      <a:fillRef idx="1">
+        <a:scrgbClr r="0" g="0" b="0"/>
+      </a:fillRef>
+      <a:effectRef idx="2">
+        <a:scrgbClr r="0" g="0" b="0"/>
+      </a:effectRef>
+      <a:fontRef idx="minor"/>
+    </dgm:style>
+  </dgm:styleLbl>
+  <dgm:styleLbl name="conFgAcc1">
+    <dgm:scene3d>
+      <a:camera prst="orthographicFront"/>
+      <a:lightRig rig="flat" dir="t"/>
+    </dgm:scene3d>
+    <dgm:sp3d z="190500" extrusionH="12700" prstMaterial="plastic">
+      <a:bevelT w="50800" h="50800"/>
+    </dgm:sp3d>
+    <dgm:txPr/>
+    <dgm:style>
+      <a:lnRef idx="1">
+        <a:scrgbClr r="0" g="0" b="0"/>
+      </a:lnRef>
+      <a:fillRef idx="1">
+        <a:scrgbClr r="0" g="0" b="0"/>
+      </a:fillRef>
+      <a:effectRef idx="2">
+        <a:scrgbClr r="0" g="0" b="0"/>
+      </a:effectRef>
+      <a:fontRef idx="minor"/>
+    </dgm:style>
+  </dgm:styleLbl>
+  <dgm:styleLbl name="alignAcc1">
+    <dgm:scene3d>
+      <a:camera prst="orthographicFront"/>
+      <a:lightRig rig="flat" dir="t"/>
+    </dgm:scene3d>
+    <dgm:sp3d extrusionH="12700" prstMaterial="plastic">
+      <a:bevelT w="50800" h="50800"/>
+    </dgm:sp3d>
+    <dgm:txPr/>
+    <dgm:style>
+      <a:lnRef idx="1">
+        <a:scrgbClr r="0" g="0" b="0"/>
+      </a:lnRef>
+      <a:fillRef idx="1">
+        <a:scrgbClr r="0" g="0" b="0"/>
+      </a:fillRef>
+      <a:effectRef idx="2">
+        <a:scrgbClr r="0" g="0" b="0"/>
+      </a:effectRef>
+      <a:fontRef idx="minor"/>
+    </dgm:style>
+  </dgm:styleLbl>
+  <dgm:styleLbl name="trAlignAcc1">
+    <dgm:scene3d>
+      <a:camera prst="orthographicFront"/>
+      <a:lightRig rig="flat" dir="t"/>
+    </dgm:scene3d>
+    <dgm:sp3d extrusionH="12700" prstMaterial="plastic">
+      <a:bevelT w="50800" h="50800"/>
+    </dgm:sp3d>
+    <dgm:txPr/>
+    <dgm:style>
+      <a:lnRef idx="1">
+        <a:scrgbClr r="0" g="0" b="0"/>
+      </a:lnRef>
+      <a:fillRef idx="1">
+        <a:scrgbClr r="0" g="0" b="0"/>
+      </a:fillRef>
+      <a:effectRef idx="2">
+        <a:scrgbClr r="0" g="0" b="0"/>
+      </a:effectRef>
+      <a:fontRef idx="minor"/>
+    </dgm:style>
+  </dgm:styleLbl>
+  <dgm:styleLbl name="bgAcc1">
+    <dgm:scene3d>
+      <a:camera prst="orthographicFront"/>
+      <a:lightRig rig="flat" dir="t"/>
+    </dgm:scene3d>
+    <dgm:sp3d z="-190500" extrusionH="12700" prstMaterial="plastic">
+      <a:bevelT w="50800" h="50800"/>
+    </dgm:sp3d>
+    <dgm:txPr/>
+    <dgm:style>
+      <a:lnRef idx="1">
+        <a:scrgbClr r="0" g="0" b="0"/>
+      </a:lnRef>
+      <a:fillRef idx="1">
+        <a:scrgbClr r="0" g="0" b="0"/>
+      </a:fillRef>
+      <a:effectRef idx="2">
+        <a:scrgbClr r="0" g="0" b="0"/>
+      </a:effectRef>
+      <a:fontRef idx="minor"/>
+    </dgm:style>
+  </dgm:styleLbl>
+  <dgm:styleLbl name="solidFgAcc1">
+    <dgm:scene3d>
+      <a:camera prst="orthographicFront"/>
+      <a:lightRig rig="flat" dir="t"/>
+    </dgm:scene3d>
+    <dgm:sp3d z="190500" extrusionH="12700" prstMaterial="plastic">
+      <a:bevelT w="50800" h="50800"/>
+    </dgm:sp3d>
+    <dgm:txPr/>
+    <dgm:style>
+      <a:lnRef idx="1">
+        <a:scrgbClr r="0" g="0" b="0"/>
+      </a:lnRef>
+      <a:fillRef idx="1">
+        <a:scrgbClr r="0" g="0" b="0"/>
+      </a:fillRef>
+      <a:effectRef idx="2">
+        <a:scrgbClr r="0" g="0" b="0"/>
+      </a:effectRef>
+      <a:fontRef idx="minor"/>
+    </dgm:style>
+  </dgm:styleLbl>
+  <dgm:styleLbl name="solidAlignAcc1">
+    <dgm:scene3d>
+      <a:camera prst="orthographicFront"/>
+      <a:lightRig rig="flat" dir="t"/>
+    </dgm:scene3d>
+    <dgm:sp3d extrusionH="12700" prstMaterial="plastic">
+      <a:bevelT w="50800" h="50800"/>
+    </dgm:sp3d>
+    <dgm:txPr/>
+    <dgm:style>
+      <a:lnRef idx="1">
+        <a:scrgbClr r="0" g="0" b="0"/>
+      </a:lnRef>
+      <a:fillRef idx="1">
+        <a:scrgbClr r="0" g="0" b="0"/>
+      </a:fillRef>
+      <a:effectRef idx="2">
+        <a:scrgbClr r="0" g="0" b="0"/>
+      </a:effectRef>
+      <a:fontRef idx="minor"/>
+    </dgm:style>
+  </dgm:styleLbl>
+  <dgm:styleLbl name="solidBgAcc1">
+    <dgm:scene3d>
+      <a:camera prst="orthographicFront"/>
+      <a:lightRig rig="flat" dir="t"/>
+    </dgm:scene3d>
+    <dgm:sp3d z="-190500" extrusionH="12700" prstMaterial="plastic">
+      <a:bevelT w="50800" h="50800"/>
+    </dgm:sp3d>
+    <dgm:txPr/>
+    <dgm:style>
+      <a:lnRef idx="1">
+        <a:scrgbClr r="0" g="0" b="0"/>
+      </a:lnRef>
+      <a:fillRef idx="1">
+        <a:scrgbClr r="0" g="0" b="0"/>
+      </a:fillRef>
+      <a:effectRef idx="2">
+        <a:scrgbClr r="0" g="0" b="0"/>
+      </a:effectRef>
+      <a:fontRef idx="minor"/>
+    </dgm:style>
+  </dgm:styleLbl>
+  <dgm:styleLbl name="fgAccFollowNode1">
+    <dgm:scene3d>
+      <a:camera prst="orthographicFront"/>
+      <a:lightRig rig="flat" dir="t"/>
+    </dgm:scene3d>
+    <dgm:sp3d z="190500" extrusionH="12700" prstMaterial="plastic">
+      <a:bevelT w="50800" h="50800"/>
+    </dgm:sp3d>
+    <dgm:txPr/>
+    <dgm:style>
+      <a:lnRef idx="1">
+        <a:scrgbClr r="0" g="0" b="0"/>
+      </a:lnRef>
+      <a:fillRef idx="1">
+        <a:scrgbClr r="0" g="0" b="0"/>
+      </a:fillRef>
+      <a:effectRef idx="2">
+        <a:scrgbClr r="0" g="0" b="0"/>
+      </a:effectRef>
+      <a:fontRef idx="minor"/>
+    </dgm:style>
+  </dgm:styleLbl>
+  <dgm:styleLbl name="alignAccFollowNode1">
+    <dgm:scene3d>
+      <a:camera prst="orthographicFront"/>
+      <a:lightRig rig="flat" dir="t"/>
+    </dgm:scene3d>
+    <dgm:sp3d extrusionH="12700" prstMaterial="plastic">
+      <a:bevelT w="50800" h="50800"/>
+    </dgm:sp3d>
+    <dgm:txPr/>
+    <dgm:style>
+      <a:lnRef idx="1">
+        <a:scrgbClr r="0" g="0" b="0"/>
+      </a:lnRef>
+      <a:fillRef idx="1">
+        <a:scrgbClr r="0" g="0" b="0"/>
+      </a:fillRef>
+      <a:effectRef idx="2">
+        <a:scrgbClr r="0" g="0" b="0"/>
+      </a:effectRef>
+      <a:fontRef idx="minor"/>
+    </dgm:style>
+  </dgm:styleLbl>
+  <dgm:styleLbl name="bgAccFollowNode1">
+    <dgm:scene3d>
+      <a:camera prst="orthographicFront"/>
+      <a:lightRig rig="flat" dir="t"/>
+    </dgm:scene3d>
+    <dgm:sp3d z="-190500" extrusionH="12700" prstMaterial="plastic">
+      <a:bevelT w="50800" h="50800"/>
+    </dgm:sp3d>
+    <dgm:txPr/>
+    <dgm:style>
+      <a:lnRef idx="1">
+        <a:scrgbClr r="0" g="0" b="0"/>
+      </a:lnRef>
+      <a:fillRef idx="1">
+        <a:scrgbClr r="0" g="0" b="0"/>
+      </a:fillRef>
+      <a:effectRef idx="2">
+        <a:scrgbClr r="0" g="0" b="0"/>
+      </a:effectRef>
+      <a:fontRef idx="minor"/>
+    </dgm:style>
+  </dgm:styleLbl>
+  <dgm:styleLbl name="fgAcc0">
+    <dgm:scene3d>
+      <a:camera prst="orthographicFront"/>
+      <a:lightRig rig="flat" dir="t"/>
+    </dgm:scene3d>
+    <dgm:sp3d z="190500" extrusionH="12700" prstMaterial="plastic">
+      <a:bevelT w="50800" h="50800"/>
+    </dgm:sp3d>
+    <dgm:txPr/>
+    <dgm:style>
+      <a:lnRef idx="1">
+        <a:scrgbClr r="0" g="0" b="0"/>
+      </a:lnRef>
+      <a:fillRef idx="1">
+        <a:scrgbClr r="0" g="0" b="0"/>
+      </a:fillRef>
+      <a:effectRef idx="2">
+        <a:scrgbClr r="0" g="0" b="0"/>
+      </a:effectRef>
+      <a:fontRef idx="minor"/>
+    </dgm:style>
+  </dgm:styleLbl>
+  <dgm:styleLbl name="fgAcc2">
+    <dgm:scene3d>
+      <a:camera prst="orthographicFront"/>
+      <a:lightRig rig="flat" dir="t"/>
+    </dgm:scene3d>
+    <dgm:sp3d z="190500" extrusionH="12700" prstMaterial="plastic">
+      <a:bevelT w="50800" h="50800"/>
+    </dgm:sp3d>
+    <dgm:txPr/>
+    <dgm:style>
+      <a:lnRef idx="1">
+        <a:scrgbClr r="0" g="0" b="0"/>
+      </a:lnRef>
+      <a:fillRef idx="1">
+        <a:scrgbClr r="0" g="0" b="0"/>
+      </a:fillRef>
+      <a:effectRef idx="2">
+        <a:scrgbClr r="0" g="0" b="0"/>
+      </a:effectRef>
+      <a:fontRef idx="minor"/>
+    </dgm:style>
+  </dgm:styleLbl>
+  <dgm:styleLbl name="fgAcc3">
+    <dgm:scene3d>
+      <a:camera prst="orthographicFront"/>
+      <a:lightRig rig="flat" dir="t"/>
+    </dgm:scene3d>
+    <dgm:sp3d z="190500" extrusionH="12700" prstMaterial="plastic">
+      <a:bevelT w="50800" h="50800"/>
+    </dgm:sp3d>
+    <dgm:txPr/>
+    <dgm:style>
+      <a:lnRef idx="1">
+        <a:scrgbClr r="0" g="0" b="0"/>
+      </a:lnRef>
+      <a:fillRef idx="1">
+        <a:scrgbClr r="0" g="0" b="0"/>
+      </a:fillRef>
+      <a:effectRef idx="2">
+        <a:scrgbClr r="0" g="0" b="0"/>
+      </a:effectRef>
+      <a:fontRef idx="minor"/>
+    </dgm:style>
+  </dgm:styleLbl>
+  <dgm:styleLbl name="fgAcc4">
+    <dgm:scene3d>
+      <a:camera prst="orthographicFront"/>
+      <a:lightRig rig="flat" dir="t"/>
+    </dgm:scene3d>
+    <dgm:sp3d z="190500" extrusionH="12700" prstMaterial="plastic">
+      <a:bevelT w="50800" h="50800"/>
+    </dgm:sp3d>
+    <dgm:txPr/>
+    <dgm:style>
+      <a:lnRef idx="1">
+        <a:scrgbClr r="0" g="0" b="0"/>
+      </a:lnRef>
+      <a:fillRef idx="1">
+        <a:scrgbClr r="0" g="0" b="0"/>
+      </a:fillRef>
+      <a:effectRef idx="2">
+        <a:scrgbClr r="0" g="0" b="0"/>
+      </a:effectRef>
+      <a:fontRef idx="minor"/>
+    </dgm:style>
+  </dgm:styleLbl>
+  <dgm:styleLbl name="bgShp">
+    <dgm:scene3d>
+      <a:camera prst="orthographicFront"/>
+      <a:lightRig rig="flat" dir="t"/>
+    </dgm:scene3d>
+    <dgm:sp3d z="-190500" extrusionH="12700" prstMaterial="plastic">
+      <a:bevelT w="50800" h="50800"/>
+    </dgm:sp3d>
+    <dgm:txPr/>
+    <dgm:style>
+      <a:lnRef idx="0">
+        <a:scrgbClr r="0" g="0" b="0"/>
+      </a:lnRef>
+      <a:fillRef idx="3">
+        <a:scrgbClr r="0" g="0" b="0"/>
+      </a:fillRef>
+      <a:effectRef idx="0">
+        <a:scrgbClr r="0" g="0" b="0"/>
+      </a:effectRef>
+      <a:fontRef idx="minor"/>
+    </dgm:style>
+  </dgm:styleLbl>
+  <dgm:styleLbl name="dkBgShp">
+    <dgm:scene3d>
+      <a:camera prst="orthographicFront"/>
+      <a:lightRig rig="flat" dir="t"/>
+    </dgm:scene3d>
+    <dgm:sp3d z="-190500" extrusionH="12700" prstMaterial="plastic">
+      <a:bevelT w="50800" h="50800"/>
+    </dgm:sp3d>
+    <dgm:txPr/>
+    <dgm:style>
+      <a:lnRef idx="0">
+        <a:scrgbClr r="0" g="0" b="0"/>
+      </a:lnRef>
+      <a:fillRef idx="2">
+        <a:scrgbClr r="0" g="0" b="0"/>
+      </a:fillRef>
+      <a:effectRef idx="0">
+        <a:scrgbClr r="0" g="0" b="0"/>
+      </a:effectRef>
+      <a:fontRef idx="minor"/>
+    </dgm:style>
+  </dgm:styleLbl>
+  <dgm:styleLbl name="trBgShp">
+    <dgm:scene3d>
+      <a:camera prst="orthographicFront"/>
+      <a:lightRig rig="flat" dir="t"/>
+    </dgm:scene3d>
+    <dgm:sp3d z="-190500" extrusionH="12700" prstMaterial="matte"/>
+    <dgm:txPr/>
+    <dgm:style>
+      <a:lnRef idx="0">
+        <a:scrgbClr r="0" g="0" b="0"/>
+      </a:lnRef>
+      <a:fillRef idx="1">
+        <a:scrgbClr r="0" g="0" b="0"/>
+      </a:fillRef>
+      <a:effectRef idx="0">
+        <a:scrgbClr r="0" g="0" b="0"/>
+      </a:effectRef>
+      <a:fontRef idx="minor"/>
+    </dgm:style>
+  </dgm:styleLbl>
+  <dgm:styleLbl name="fgShp">
+    <dgm:scene3d>
+      <a:camera prst="orthographicFront"/>
+      <a:lightRig rig="flat" dir="t"/>
+    </dgm:scene3d>
+    <dgm:sp3d z="190500" prstMaterial="plastic">
+      <a:bevelT w="120900" h="88900"/>
+      <a:bevelB w="88900" h="31750" prst="angle"/>
+    </dgm:sp3d>
+    <dgm:txPr/>
+    <dgm:style>
+      <a:lnRef idx="0">
+        <a:scrgbClr r="0" g="0" b="0"/>
+      </a:lnRef>
+      <a:fillRef idx="1">
+        <a:scrgbClr r="0" g="0" b="0"/>
+      </a:fillRef>
+      <a:effectRef idx="3">
+        <a:scrgbClr r="0" g="0" b="0"/>
+      </a:effectRef>
+      <a:fontRef idx="minor">
+        <a:schemeClr val="lt1"/>
+      </a:fontRef>
+    </dgm:style>
+  </dgm:styleLbl>
+  <dgm:styleLbl name="revTx">
+    <dgm:scene3d>
+      <a:camera prst="orthographicFront"/>
+      <a:lightRig rig="threePt" dir="t"/>
+    </dgm:scene3d>
+    <dgm:sp3d/>
+    <dgm:txPr/>
+    <dgm:style>
+      <a:lnRef idx="0">
+        <a:scrgbClr r="0" g="0" b="0"/>
+      </a:lnRef>
+      <a:fillRef idx="0">
+        <a:scrgbClr r="0" g="0" b="0"/>
+      </a:fillRef>
+      <a:effectRef idx="0">
+        <a:scrgbClr r="0" g="0" b="0"/>
+      </a:effectRef>
+      <a:fontRef idx="minor"/>
+    </dgm:style>
+  </dgm:styleLbl>
+</dgm:styleDef>
+</file>
+
 <file path=ppt/diagrams/quickStyle2.xml><?xml version="1.0" encoding="utf-8"?>
 <dgm:styleDef xmlns:dgm="http://schemas.openxmlformats.org/drawingml/2006/diagram" xmlns:a="http://schemas.openxmlformats.org/drawingml/2006/main" uniqueId="urn:microsoft.com/office/officeart/2005/8/quickstyle/3d1">
   <dgm:title val=""/>
@@ -35396,7 +37735,7 @@
             <a:fld id="{35CD4824-21C5-40F0-ACC2-517FBE4637A7}" type="datetimeFigureOut">
               <a:rPr lang="es-MX" smtClean="0"/>
               <a:pPr/>
-              <a:t>12/02/2024</a:t>
+              <a:t>13/02/2024</a:t>
             </a:fld>
             <a:endParaRPr lang="es-MX"/>
           </a:p>
@@ -35439,7 +37778,7 @@
             <a:fld id="{3109AF80-D803-4371-B9F1-B9ABBE55B9B4}" type="slidenum">
               <a:rPr lang="es-MX" smtClean="0"/>
               <a:pPr/>
-              <a:t>‹#›</a:t>
+              <a:t>‹Nº›</a:t>
             </a:fld>
             <a:endParaRPr lang="es-MX"/>
           </a:p>
@@ -35568,7 +37907,7 @@
             <a:fld id="{35CD4824-21C5-40F0-ACC2-517FBE4637A7}" type="datetimeFigureOut">
               <a:rPr lang="es-MX" smtClean="0"/>
               <a:pPr/>
-              <a:t>12/02/2024</a:t>
+              <a:t>13/02/2024</a:t>
             </a:fld>
             <a:endParaRPr lang="es-MX"/>
           </a:p>
@@ -35611,7 +37950,7 @@
             <a:fld id="{3109AF80-D803-4371-B9F1-B9ABBE55B9B4}" type="slidenum">
               <a:rPr lang="es-MX" smtClean="0"/>
               <a:pPr/>
-              <a:t>‹#›</a:t>
+              <a:t>‹Nº›</a:t>
             </a:fld>
             <a:endParaRPr lang="es-MX"/>
           </a:p>
@@ -35750,7 +38089,7 @@
             <a:fld id="{35CD4824-21C5-40F0-ACC2-517FBE4637A7}" type="datetimeFigureOut">
               <a:rPr lang="es-MX" smtClean="0"/>
               <a:pPr/>
-              <a:t>12/02/2024</a:t>
+              <a:t>13/02/2024</a:t>
             </a:fld>
             <a:endParaRPr lang="es-MX"/>
           </a:p>
@@ -35793,7 +38132,7 @@
             <a:fld id="{3109AF80-D803-4371-B9F1-B9ABBE55B9B4}" type="slidenum">
               <a:rPr lang="es-MX" smtClean="0"/>
               <a:pPr/>
-              <a:t>‹#›</a:t>
+              <a:t>‹Nº›</a:t>
             </a:fld>
             <a:endParaRPr lang="es-MX"/>
           </a:p>
@@ -35922,7 +38261,7 @@
             <a:fld id="{35CD4824-21C5-40F0-ACC2-517FBE4637A7}" type="datetimeFigureOut">
               <a:rPr lang="es-MX" smtClean="0"/>
               <a:pPr/>
-              <a:t>12/02/2024</a:t>
+              <a:t>13/02/2024</a:t>
             </a:fld>
             <a:endParaRPr lang="es-MX"/>
           </a:p>
@@ -35965,7 +38304,7 @@
             <a:fld id="{3109AF80-D803-4371-B9F1-B9ABBE55B9B4}" type="slidenum">
               <a:rPr lang="es-MX" smtClean="0"/>
               <a:pPr/>
-              <a:t>‹#›</a:t>
+              <a:t>‹Nº›</a:t>
             </a:fld>
             <a:endParaRPr lang="es-MX"/>
           </a:p>
@@ -36170,7 +38509,7 @@
             <a:fld id="{35CD4824-21C5-40F0-ACC2-517FBE4637A7}" type="datetimeFigureOut">
               <a:rPr lang="es-MX" smtClean="0"/>
               <a:pPr/>
-              <a:t>12/02/2024</a:t>
+              <a:t>13/02/2024</a:t>
             </a:fld>
             <a:endParaRPr lang="es-MX"/>
           </a:p>
@@ -36213,7 +38552,7 @@
             <a:fld id="{3109AF80-D803-4371-B9F1-B9ABBE55B9B4}" type="slidenum">
               <a:rPr lang="es-MX" smtClean="0"/>
               <a:pPr/>
-              <a:t>‹#›</a:t>
+              <a:t>‹Nº›</a:t>
             </a:fld>
             <a:endParaRPr lang="es-MX"/>
           </a:p>
@@ -36460,7 +38799,7 @@
             <a:fld id="{35CD4824-21C5-40F0-ACC2-517FBE4637A7}" type="datetimeFigureOut">
               <a:rPr lang="es-MX" smtClean="0"/>
               <a:pPr/>
-              <a:t>12/02/2024</a:t>
+              <a:t>13/02/2024</a:t>
             </a:fld>
             <a:endParaRPr lang="es-MX"/>
           </a:p>
@@ -36503,7 +38842,7 @@
             <a:fld id="{3109AF80-D803-4371-B9F1-B9ABBE55B9B4}" type="slidenum">
               <a:rPr lang="es-MX" smtClean="0"/>
               <a:pPr/>
-              <a:t>‹#›</a:t>
+              <a:t>‹Nº›</a:t>
             </a:fld>
             <a:endParaRPr lang="es-MX"/>
           </a:p>
@@ -36884,7 +39223,7 @@
             <a:fld id="{35CD4824-21C5-40F0-ACC2-517FBE4637A7}" type="datetimeFigureOut">
               <a:rPr lang="es-MX" smtClean="0"/>
               <a:pPr/>
-              <a:t>12/02/2024</a:t>
+              <a:t>13/02/2024</a:t>
             </a:fld>
             <a:endParaRPr lang="es-MX"/>
           </a:p>
@@ -36927,7 +39266,7 @@
             <a:fld id="{3109AF80-D803-4371-B9F1-B9ABBE55B9B4}" type="slidenum">
               <a:rPr lang="es-MX" smtClean="0"/>
               <a:pPr/>
-              <a:t>‹#›</a:t>
+              <a:t>‹Nº›</a:t>
             </a:fld>
             <a:endParaRPr lang="es-MX"/>
           </a:p>
@@ -37004,7 +39343,7 @@
             <a:fld id="{35CD4824-21C5-40F0-ACC2-517FBE4637A7}" type="datetimeFigureOut">
               <a:rPr lang="es-MX" smtClean="0"/>
               <a:pPr/>
-              <a:t>12/02/2024</a:t>
+              <a:t>13/02/2024</a:t>
             </a:fld>
             <a:endParaRPr lang="es-MX"/>
           </a:p>
@@ -37047,7 +39386,7 @@
             <a:fld id="{3109AF80-D803-4371-B9F1-B9ABBE55B9B4}" type="slidenum">
               <a:rPr lang="es-MX" smtClean="0"/>
               <a:pPr/>
-              <a:t>‹#›</a:t>
+              <a:t>‹Nº›</a:t>
             </a:fld>
             <a:endParaRPr lang="es-MX"/>
           </a:p>
@@ -37101,7 +39440,7 @@
             <a:fld id="{35CD4824-21C5-40F0-ACC2-517FBE4637A7}" type="datetimeFigureOut">
               <a:rPr lang="es-MX" smtClean="0"/>
               <a:pPr/>
-              <a:t>12/02/2024</a:t>
+              <a:t>13/02/2024</a:t>
             </a:fld>
             <a:endParaRPr lang="es-MX"/>
           </a:p>
@@ -37144,7 +39483,7 @@
             <a:fld id="{3109AF80-D803-4371-B9F1-B9ABBE55B9B4}" type="slidenum">
               <a:rPr lang="es-MX" smtClean="0"/>
               <a:pPr/>
-              <a:t>‹#›</a:t>
+              <a:t>‹Nº›</a:t>
             </a:fld>
             <a:endParaRPr lang="es-MX"/>
           </a:p>
@@ -37380,7 +39719,7 @@
             <a:fld id="{35CD4824-21C5-40F0-ACC2-517FBE4637A7}" type="datetimeFigureOut">
               <a:rPr lang="es-MX" smtClean="0"/>
               <a:pPr/>
-              <a:t>12/02/2024</a:t>
+              <a:t>13/02/2024</a:t>
             </a:fld>
             <a:endParaRPr lang="es-MX"/>
           </a:p>
@@ -37423,7 +39762,7 @@
             <a:fld id="{3109AF80-D803-4371-B9F1-B9ABBE55B9B4}" type="slidenum">
               <a:rPr lang="es-MX" smtClean="0"/>
               <a:pPr/>
-              <a:t>‹#›</a:t>
+              <a:t>‹Nº›</a:t>
             </a:fld>
             <a:endParaRPr lang="es-MX"/>
           </a:p>
@@ -37635,7 +39974,7 @@
             <a:fld id="{35CD4824-21C5-40F0-ACC2-517FBE4637A7}" type="datetimeFigureOut">
               <a:rPr lang="es-MX" smtClean="0"/>
               <a:pPr/>
-              <a:t>12/02/2024</a:t>
+              <a:t>13/02/2024</a:t>
             </a:fld>
             <a:endParaRPr lang="es-MX"/>
           </a:p>
@@ -37678,7 +40017,7 @@
             <a:fld id="{3109AF80-D803-4371-B9F1-B9ABBE55B9B4}" type="slidenum">
               <a:rPr lang="es-MX" smtClean="0"/>
               <a:pPr/>
-              <a:t>‹#›</a:t>
+              <a:t>‹Nº›</a:t>
             </a:fld>
             <a:endParaRPr lang="es-MX"/>
           </a:p>
@@ -37859,7 +40198,7 @@
             <a:fld id="{35CD4824-21C5-40F0-ACC2-517FBE4637A7}" type="datetimeFigureOut">
               <a:rPr lang="es-MX" smtClean="0"/>
               <a:pPr/>
-              <a:t>12/02/2024</a:t>
+              <a:t>13/02/2024</a:t>
             </a:fld>
             <a:endParaRPr lang="es-MX"/>
           </a:p>
@@ -37938,7 +40277,7 @@
             <a:fld id="{3109AF80-D803-4371-B9F1-B9ABBE55B9B4}" type="slidenum">
               <a:rPr lang="es-MX" smtClean="0"/>
               <a:pPr/>
-              <a:t>‹#›</a:t>
+              <a:t>‹Nº›</a:t>
             </a:fld>
             <a:endParaRPr lang="es-MX"/>
           </a:p>
@@ -38670,6 +41009,722 @@
   <p:cSld>
     <p:spTree>
       <p:nvGrpSpPr>
+        <p:cNvPr id="1" name="">
+          <a:extLst>
+            <a:ext uri="{FF2B5EF4-FFF2-40B4-BE49-F238E27FC236}">
+              <a16:creationId xmlns:a16="http://schemas.microsoft.com/office/drawing/2014/main" id="{78010ED4-63D4-0E44-7224-610BFD671414}"/>
+            </a:ext>
+          </a:extLst>
+        </p:cNvPr>
+        <p:cNvGrpSpPr/>
+        <p:nvPr/>
+      </p:nvGrpSpPr>
+      <p:grpSpPr>
+        <a:xfrm>
+          <a:off x="0" y="0"/>
+          <a:ext cx="0" cy="0"/>
+          <a:chOff x="0" y="0"/>
+          <a:chExt cx="0" cy="0"/>
+        </a:xfrm>
+      </p:grpSpPr>
+      <p:graphicFrame>
+        <p:nvGraphicFramePr>
+          <p:cNvPr id="2" name="1 Marcador de contenido">
+            <a:extLst>
+              <a:ext uri="{FF2B5EF4-FFF2-40B4-BE49-F238E27FC236}">
+                <a16:creationId xmlns:a16="http://schemas.microsoft.com/office/drawing/2014/main" id="{6B98C21D-8FBB-55FF-88C5-62131C6FA6DF}"/>
+              </a:ext>
+            </a:extLst>
+          </p:cNvPr>
+          <p:cNvGraphicFramePr>
+            <a:graphicFrameLocks noGrp="1"/>
+          </p:cNvGraphicFramePr>
+          <p:nvPr>
+            <p:ph idx="1"/>
+          </p:nvPr>
+        </p:nvGraphicFramePr>
+        <p:xfrm>
+          <a:off x="351235" y="1788584"/>
+          <a:ext cx="6172200" cy="6034616"/>
+        </p:xfrm>
+        <a:graphic>
+          <a:graphicData uri="http://schemas.openxmlformats.org/drawingml/2006/diagram">
+            <dgm:relIds xmlns:dgm="http://schemas.openxmlformats.org/drawingml/2006/diagram" xmlns:r="http://schemas.openxmlformats.org/officeDocument/2006/relationships" r:dm="rId2" r:lo="rId3" r:qs="rId4" r:cs="rId5"/>
+          </a:graphicData>
+        </a:graphic>
+      </p:graphicFrame>
+      <p:sp>
+        <p:nvSpPr>
+          <p:cNvPr id="7" name="6 Título">
+            <a:extLst>
+              <a:ext uri="{FF2B5EF4-FFF2-40B4-BE49-F238E27FC236}">
+                <a16:creationId xmlns:a16="http://schemas.microsoft.com/office/drawing/2014/main" id="{9FE105BE-2ED7-6207-70E9-D22447E77ABC}"/>
+              </a:ext>
+            </a:extLst>
+          </p:cNvPr>
+          <p:cNvSpPr>
+            <a:spLocks noGrp="1"/>
+          </p:cNvSpPr>
+          <p:nvPr>
+            <p:ph type="title"/>
+          </p:nvPr>
+        </p:nvSpPr>
+        <p:spPr>
+          <a:xfrm>
+            <a:off x="1710190" y="59499"/>
+            <a:ext cx="5535234" cy="864096"/>
+          </a:xfrm>
+        </p:spPr>
+        <p:txBody>
+          <a:bodyPr>
+            <a:normAutofit/>
+          </a:bodyPr>
+          <a:lstStyle/>
+          <a:p>
+            <a:r>
+              <a:rPr lang="es-MX" sz="2200" b="1" dirty="0">
+                <a:solidFill>
+                  <a:schemeClr val="bg1"/>
+                </a:solidFill>
+                <a:effectLst>
+                  <a:outerShdw blurRad="38100" dist="38100" dir="2700000" algn="tl">
+                    <a:srgbClr val="000000">
+                      <a:alpha val="43137"/>
+                    </a:srgbClr>
+                  </a:outerShdw>
+                </a:effectLst>
+              </a:rPr>
+              <a:t>Algoritmo y Diagrama de Flujo</a:t>
+            </a:r>
+          </a:p>
+        </p:txBody>
+      </p:sp>
+      <p:sp>
+        <p:nvSpPr>
+          <p:cNvPr id="12" name="11 Rectángulo redondeado">
+            <a:extLst>
+              <a:ext uri="{FF2B5EF4-FFF2-40B4-BE49-F238E27FC236}">
+                <a16:creationId xmlns:a16="http://schemas.microsoft.com/office/drawing/2014/main" id="{6B9A7416-3199-CAB4-1ACC-6286A06B6C87}"/>
+              </a:ext>
+            </a:extLst>
+          </p:cNvPr>
+          <p:cNvSpPr/>
+          <p:nvPr/>
+        </p:nvSpPr>
+        <p:spPr>
+          <a:xfrm>
+            <a:off x="415632" y="1381590"/>
+            <a:ext cx="2795374" cy="576064"/>
+          </a:xfrm>
+          <a:prstGeom prst="roundRect">
+            <a:avLst/>
+          </a:prstGeom>
+        </p:spPr>
+        <p:style>
+          <a:lnRef idx="0">
+            <a:schemeClr val="accent2"/>
+          </a:lnRef>
+          <a:fillRef idx="3">
+            <a:schemeClr val="accent2"/>
+          </a:fillRef>
+          <a:effectRef idx="3">
+            <a:schemeClr val="accent2"/>
+          </a:effectRef>
+          <a:fontRef idx="minor">
+            <a:schemeClr val="lt1"/>
+          </a:fontRef>
+        </p:style>
+        <p:txBody>
+          <a:bodyPr lIns="91435" tIns="45718" rIns="91435" bIns="45718" rtlCol="0" anchor="ctr"/>
+          <a:lstStyle/>
+          <a:p>
+            <a:pPr algn="ctr"/>
+            <a:r>
+              <a:rPr lang="es-MX" dirty="0">
+                <a:effectLst>
+                  <a:outerShdw blurRad="38100" dist="38100" dir="2700000" algn="tl">
+                    <a:srgbClr val="000000">
+                      <a:alpha val="43137"/>
+                    </a:srgbClr>
+                  </a:outerShdw>
+                </a:effectLst>
+              </a:rPr>
+              <a:t>Algoritmo</a:t>
+            </a:r>
+          </a:p>
+        </p:txBody>
+      </p:sp>
+      <p:sp>
+        <p:nvSpPr>
+          <p:cNvPr id="13" name="12 Rectángulo redondeado">
+            <a:extLst>
+              <a:ext uri="{FF2B5EF4-FFF2-40B4-BE49-F238E27FC236}">
+                <a16:creationId xmlns:a16="http://schemas.microsoft.com/office/drawing/2014/main" id="{AA6B5244-8580-4E8A-BEAC-9893D8A7263F}"/>
+              </a:ext>
+            </a:extLst>
+          </p:cNvPr>
+          <p:cNvSpPr/>
+          <p:nvPr/>
+        </p:nvSpPr>
+        <p:spPr>
+          <a:xfrm>
+            <a:off x="3879044" y="1317163"/>
+            <a:ext cx="2790316" cy="576064"/>
+          </a:xfrm>
+          <a:prstGeom prst="roundRect">
+            <a:avLst/>
+          </a:prstGeom>
+        </p:spPr>
+        <p:style>
+          <a:lnRef idx="0">
+            <a:schemeClr val="accent2"/>
+          </a:lnRef>
+          <a:fillRef idx="3">
+            <a:schemeClr val="accent2"/>
+          </a:fillRef>
+          <a:effectRef idx="3">
+            <a:schemeClr val="accent2"/>
+          </a:effectRef>
+          <a:fontRef idx="minor">
+            <a:schemeClr val="lt1"/>
+          </a:fontRef>
+        </p:style>
+        <p:txBody>
+          <a:bodyPr lIns="91435" tIns="45718" rIns="91435" bIns="45718" rtlCol="0" anchor="ctr"/>
+          <a:lstStyle/>
+          <a:p>
+            <a:pPr algn="ctr"/>
+            <a:r>
+              <a:rPr lang="es-MX" dirty="0">
+                <a:effectLst>
+                  <a:outerShdw blurRad="38100" dist="38100" dir="2700000" algn="tl">
+                    <a:srgbClr val="000000">
+                      <a:alpha val="43137"/>
+                    </a:srgbClr>
+                  </a:outerShdw>
+                </a:effectLst>
+              </a:rPr>
+              <a:t>Diagrama de Flujo</a:t>
+            </a:r>
+          </a:p>
+        </p:txBody>
+      </p:sp>
+      <p:sp>
+        <p:nvSpPr>
+          <p:cNvPr id="10" name="2 Marcador de texto">
+            <a:extLst>
+              <a:ext uri="{FF2B5EF4-FFF2-40B4-BE49-F238E27FC236}">
+                <a16:creationId xmlns:a16="http://schemas.microsoft.com/office/drawing/2014/main" id="{15CF04B3-DA36-E9AE-9752-48BA6ABC73B2}"/>
+              </a:ext>
+            </a:extLst>
+          </p:cNvPr>
+          <p:cNvSpPr txBox="1">
+            <a:spLocks/>
+          </p:cNvSpPr>
+          <p:nvPr/>
+        </p:nvSpPr>
+        <p:spPr>
+          <a:xfrm>
+            <a:off x="-2975" y="107504"/>
+            <a:ext cx="1065639" cy="1016944"/>
+          </a:xfrm>
+          <a:prstGeom prst="rect">
+            <a:avLst/>
+          </a:prstGeom>
+        </p:spPr>
+        <p:txBody>
+          <a:bodyPr vert="horz" lIns="91435" tIns="45718" rIns="91435" bIns="45718" rtlCol="0">
+            <a:noAutofit/>
+          </a:bodyPr>
+          <a:lstStyle>
+            <a:lvl1pPr marL="342900" indent="-342900" algn="l" defTabSz="914400" rtl="0" eaLnBrk="1" latinLnBrk="0" hangingPunct="1">
+              <a:spcBef>
+                <a:spcPct val="20000"/>
+              </a:spcBef>
+              <a:buFont typeface="Arial" pitchFamily="34" charset="0"/>
+              <a:buChar char="•"/>
+              <a:defRPr sz="3200" kern="1200">
+                <a:solidFill>
+                  <a:schemeClr val="tx1"/>
+                </a:solidFill>
+                <a:latin typeface="+mn-lt"/>
+                <a:ea typeface="+mn-ea"/>
+                <a:cs typeface="+mn-cs"/>
+              </a:defRPr>
+            </a:lvl1pPr>
+            <a:lvl2pPr marL="742950" indent="-285750" algn="l" defTabSz="914400" rtl="0" eaLnBrk="1" latinLnBrk="0" hangingPunct="1">
+              <a:spcBef>
+                <a:spcPct val="20000"/>
+              </a:spcBef>
+              <a:buFont typeface="Arial" pitchFamily="34" charset="0"/>
+              <a:buChar char="–"/>
+              <a:defRPr sz="2800" kern="1200">
+                <a:solidFill>
+                  <a:schemeClr val="tx1"/>
+                </a:solidFill>
+                <a:latin typeface="+mn-lt"/>
+                <a:ea typeface="+mn-ea"/>
+                <a:cs typeface="+mn-cs"/>
+              </a:defRPr>
+            </a:lvl2pPr>
+            <a:lvl3pPr marL="1143000" indent="-228600" algn="l" defTabSz="914400" rtl="0" eaLnBrk="1" latinLnBrk="0" hangingPunct="1">
+              <a:spcBef>
+                <a:spcPct val="20000"/>
+              </a:spcBef>
+              <a:buFont typeface="Arial" pitchFamily="34" charset="0"/>
+              <a:buChar char="•"/>
+              <a:defRPr sz="2400" kern="1200">
+                <a:solidFill>
+                  <a:schemeClr val="tx1"/>
+                </a:solidFill>
+                <a:latin typeface="+mn-lt"/>
+                <a:ea typeface="+mn-ea"/>
+                <a:cs typeface="+mn-cs"/>
+              </a:defRPr>
+            </a:lvl3pPr>
+            <a:lvl4pPr marL="1600200" indent="-228600" algn="l" defTabSz="914400" rtl="0" eaLnBrk="1" latinLnBrk="0" hangingPunct="1">
+              <a:spcBef>
+                <a:spcPct val="20000"/>
+              </a:spcBef>
+              <a:buFont typeface="Arial" pitchFamily="34" charset="0"/>
+              <a:buChar char="–"/>
+              <a:defRPr sz="2000" kern="1200">
+                <a:solidFill>
+                  <a:schemeClr val="tx1"/>
+                </a:solidFill>
+                <a:latin typeface="+mn-lt"/>
+                <a:ea typeface="+mn-ea"/>
+                <a:cs typeface="+mn-cs"/>
+              </a:defRPr>
+            </a:lvl4pPr>
+            <a:lvl5pPr marL="2057400" indent="-228600" algn="l" defTabSz="914400" rtl="0" eaLnBrk="1" latinLnBrk="0" hangingPunct="1">
+              <a:spcBef>
+                <a:spcPct val="20000"/>
+              </a:spcBef>
+              <a:buFont typeface="Arial" pitchFamily="34" charset="0"/>
+              <a:buChar char="»"/>
+              <a:defRPr sz="2000" kern="1200">
+                <a:solidFill>
+                  <a:schemeClr val="tx1"/>
+                </a:solidFill>
+                <a:latin typeface="+mn-lt"/>
+                <a:ea typeface="+mn-ea"/>
+                <a:cs typeface="+mn-cs"/>
+              </a:defRPr>
+            </a:lvl5pPr>
+            <a:lvl6pPr marL="2514600" indent="-228600" algn="l" defTabSz="914400" rtl="0" eaLnBrk="1" latinLnBrk="0" hangingPunct="1">
+              <a:spcBef>
+                <a:spcPct val="20000"/>
+              </a:spcBef>
+              <a:buFont typeface="Arial" pitchFamily="34" charset="0"/>
+              <a:buChar char="•"/>
+              <a:defRPr sz="2000" kern="1200">
+                <a:solidFill>
+                  <a:schemeClr val="tx1"/>
+                </a:solidFill>
+                <a:latin typeface="+mn-lt"/>
+                <a:ea typeface="+mn-ea"/>
+                <a:cs typeface="+mn-cs"/>
+              </a:defRPr>
+            </a:lvl6pPr>
+            <a:lvl7pPr marL="2971800" indent="-228600" algn="l" defTabSz="914400" rtl="0" eaLnBrk="1" latinLnBrk="0" hangingPunct="1">
+              <a:spcBef>
+                <a:spcPct val="20000"/>
+              </a:spcBef>
+              <a:buFont typeface="Arial" pitchFamily="34" charset="0"/>
+              <a:buChar char="•"/>
+              <a:defRPr sz="2000" kern="1200">
+                <a:solidFill>
+                  <a:schemeClr val="tx1"/>
+                </a:solidFill>
+                <a:latin typeface="+mn-lt"/>
+                <a:ea typeface="+mn-ea"/>
+                <a:cs typeface="+mn-cs"/>
+              </a:defRPr>
+            </a:lvl7pPr>
+            <a:lvl8pPr marL="3429000" indent="-228600" algn="l" defTabSz="914400" rtl="0" eaLnBrk="1" latinLnBrk="0" hangingPunct="1">
+              <a:spcBef>
+                <a:spcPct val="20000"/>
+              </a:spcBef>
+              <a:buFont typeface="Arial" pitchFamily="34" charset="0"/>
+              <a:buChar char="•"/>
+              <a:defRPr sz="2000" kern="1200">
+                <a:solidFill>
+                  <a:schemeClr val="tx1"/>
+                </a:solidFill>
+                <a:latin typeface="+mn-lt"/>
+                <a:ea typeface="+mn-ea"/>
+                <a:cs typeface="+mn-cs"/>
+              </a:defRPr>
+            </a:lvl8pPr>
+            <a:lvl9pPr marL="3886200" indent="-228600" algn="l" defTabSz="914400" rtl="0" eaLnBrk="1" latinLnBrk="0" hangingPunct="1">
+              <a:spcBef>
+                <a:spcPct val="20000"/>
+              </a:spcBef>
+              <a:buFont typeface="Arial" pitchFamily="34" charset="0"/>
+              <a:buChar char="•"/>
+              <a:defRPr sz="2000" kern="1200">
+                <a:solidFill>
+                  <a:schemeClr val="tx1"/>
+                </a:solidFill>
+                <a:latin typeface="+mn-lt"/>
+                <a:ea typeface="+mn-ea"/>
+                <a:cs typeface="+mn-cs"/>
+              </a:defRPr>
+            </a:lvl9pPr>
+          </a:lstStyle>
+          <a:p>
+            <a:pPr marL="0" indent="0" algn="ctr">
+              <a:buNone/>
+            </a:pPr>
+            <a:r>
+              <a:rPr lang="es-MX" sz="1400" b="1" dirty="0">
+                <a:solidFill>
+                  <a:schemeClr val="bg1">
+                    <a:lumMod val="75000"/>
+                  </a:schemeClr>
+                </a:solidFill>
+                <a:effectLst>
+                  <a:outerShdw blurRad="38100" dist="38100" dir="2700000" algn="tl">
+                    <a:srgbClr val="000000">
+                      <a:alpha val="43137"/>
+                    </a:srgbClr>
+                  </a:outerShdw>
+                </a:effectLst>
+              </a:rPr>
+              <a:t>Número del programa:</a:t>
+            </a:r>
+          </a:p>
+        </p:txBody>
+      </p:sp>
+      <p:sp>
+        <p:nvSpPr>
+          <p:cNvPr id="11" name="10 Elipse">
+            <a:extLst>
+              <a:ext uri="{FF2B5EF4-FFF2-40B4-BE49-F238E27FC236}">
+                <a16:creationId xmlns:a16="http://schemas.microsoft.com/office/drawing/2014/main" id="{1579C01B-AF4A-3C2C-12A9-CFE1F0620533}"/>
+              </a:ext>
+            </a:extLst>
+          </p:cNvPr>
+          <p:cNvSpPr/>
+          <p:nvPr/>
+        </p:nvSpPr>
+        <p:spPr>
+          <a:xfrm>
+            <a:off x="988532" y="0"/>
+            <a:ext cx="1000306" cy="1019605"/>
+          </a:xfrm>
+          <a:prstGeom prst="ellipse">
+            <a:avLst/>
+          </a:prstGeom>
+        </p:spPr>
+        <p:style>
+          <a:lnRef idx="2">
+            <a:schemeClr val="accent2"/>
+          </a:lnRef>
+          <a:fillRef idx="1">
+            <a:schemeClr val="lt1"/>
+          </a:fillRef>
+          <a:effectRef idx="0">
+            <a:schemeClr val="accent2"/>
+          </a:effectRef>
+          <a:fontRef idx="minor">
+            <a:schemeClr val="dk1"/>
+          </a:fontRef>
+        </p:style>
+        <p:txBody>
+          <a:bodyPr lIns="91435" tIns="45718" rIns="91435" bIns="45718" rtlCol="0" anchor="ctr"/>
+          <a:lstStyle/>
+          <a:p>
+            <a:pPr algn="ctr"/>
+            <a:r>
+              <a:rPr lang="es-MX" sz="1600" b="1" dirty="0">
+                <a:solidFill>
+                  <a:srgbClr val="FF0000"/>
+                </a:solidFill>
+                <a:effectLst>
+                  <a:outerShdw blurRad="38100" dist="38100" dir="2700000" algn="tl">
+                    <a:srgbClr val="000000">
+                      <a:alpha val="43137"/>
+                    </a:srgbClr>
+                  </a:outerShdw>
+                </a:effectLst>
+              </a:rPr>
+              <a:t>P13</a:t>
+            </a:r>
+          </a:p>
+        </p:txBody>
+      </p:sp>
+      <p:sp>
+        <p:nvSpPr>
+          <p:cNvPr id="4" name="2 Rectángulo redondeado">
+            <a:extLst>
+              <a:ext uri="{FF2B5EF4-FFF2-40B4-BE49-F238E27FC236}">
+                <a16:creationId xmlns:a16="http://schemas.microsoft.com/office/drawing/2014/main" id="{B7E9EC25-AF34-639A-58C2-50C954A0BEAE}"/>
+              </a:ext>
+            </a:extLst>
+          </p:cNvPr>
+          <p:cNvSpPr/>
+          <p:nvPr/>
+        </p:nvSpPr>
+        <p:spPr>
+          <a:xfrm>
+            <a:off x="269648" y="2171730"/>
+            <a:ext cx="3024337" cy="5472609"/>
+          </a:xfrm>
+          <a:prstGeom prst="roundRect">
+            <a:avLst/>
+          </a:prstGeom>
+          <a:effectLst>
+            <a:glow rad="228600">
+              <a:schemeClr val="accent5">
+                <a:satMod val="175000"/>
+                <a:alpha val="40000"/>
+              </a:schemeClr>
+            </a:glow>
+          </a:effectLst>
+        </p:spPr>
+        <p:style>
+          <a:lnRef idx="2">
+            <a:schemeClr val="accent5"/>
+          </a:lnRef>
+          <a:fillRef idx="1">
+            <a:schemeClr val="lt1"/>
+          </a:fillRef>
+          <a:effectRef idx="0">
+            <a:schemeClr val="accent5"/>
+          </a:effectRef>
+          <a:fontRef idx="minor">
+            <a:schemeClr val="dk1"/>
+          </a:fontRef>
+        </p:style>
+        <p:txBody>
+          <a:bodyPr lIns="91435" tIns="45718" rIns="91435" bIns="45718" rtlCol="0" anchor="t"/>
+          <a:lstStyle/>
+          <a:p>
+            <a:r>
+              <a:rPr lang="es-MX" sz="1200" dirty="0"/>
+              <a:t>Inicio</a:t>
+            </a:r>
+          </a:p>
+          <a:p>
+            <a:r>
+              <a:rPr lang="es-MX" sz="1200" dirty="0"/>
+              <a:t>     Imprime "El programa </a:t>
+            </a:r>
+            <a:r>
+              <a:rPr lang="es-MX" sz="1200" dirty="0" err="1"/>
+              <a:t>debera</a:t>
+            </a:r>
+            <a:r>
+              <a:rPr lang="es-MX" sz="1200" dirty="0"/>
+              <a:t> leer la masa de dos cuerpos y la distancia entre ellos y a </a:t>
+            </a:r>
+            <a:r>
+              <a:rPr lang="es-MX" sz="1200" dirty="0" err="1"/>
+              <a:t>continuacion</a:t>
+            </a:r>
+            <a:r>
+              <a:rPr lang="es-MX" sz="1200" dirty="0"/>
+              <a:t> obtenga la fuerza gravitacional entre ellas. La salida debe ser en dinas; un dina es igual a gr. cm/seg2." </a:t>
+            </a:r>
+          </a:p>
+          <a:p>
+            <a:r>
+              <a:rPr lang="es-MX" sz="1200" dirty="0"/>
+              <a:t>     Lee m1 eh imprime “Introduce la masa 1:”</a:t>
+            </a:r>
+          </a:p>
+          <a:p>
+            <a:r>
+              <a:rPr lang="es-MX" sz="1200" dirty="0"/>
+              <a:t>     Lee m2 eh imprime “Introduce la masa 2:”</a:t>
+            </a:r>
+          </a:p>
+          <a:p>
+            <a:r>
+              <a:rPr lang="es-MX" sz="1200" dirty="0"/>
+              <a:t>     Lee d eh imprime “Introduce la distancia:”</a:t>
+            </a:r>
+          </a:p>
+          <a:p>
+            <a:r>
+              <a:rPr lang="es-MX" sz="1200" dirty="0"/>
+              <a:t>     Proceso:</a:t>
+            </a:r>
+          </a:p>
+          <a:p>
+            <a:r>
+              <a:rPr lang="es-MX" sz="1200" dirty="0"/>
+              <a:t>     </a:t>
+            </a:r>
+            <a:r>
+              <a:rPr lang="es-MX" sz="1200" dirty="0" err="1"/>
+              <a:t>distance</a:t>
+            </a:r>
+            <a:r>
+              <a:rPr lang="es-MX" sz="1200" dirty="0"/>
+              <a:t> = d^2</a:t>
+            </a:r>
+          </a:p>
+          <a:p>
+            <a:r>
+              <a:rPr lang="es-MX" sz="1200" dirty="0"/>
+              <a:t>     fuerza = (6.673 * 10^-8 *m1*m2)/</a:t>
+            </a:r>
+            <a:r>
+              <a:rPr lang="es-MX" sz="1200" dirty="0" err="1"/>
+              <a:t>distance</a:t>
+            </a:r>
+            <a:endParaRPr lang="es-MX" sz="1200" dirty="0"/>
+          </a:p>
+          <a:p>
+            <a:r>
+              <a:rPr lang="es-MX" sz="1200" dirty="0"/>
+              <a:t>     Imprime "La fuerza entre las dos masas es de:  gr cm^3/g. seg^2“ + fuerza</a:t>
+            </a:r>
+          </a:p>
+          <a:p>
+            <a:r>
+              <a:rPr lang="es-MX" sz="1200" dirty="0"/>
+              <a:t>Fin</a:t>
+            </a:r>
+          </a:p>
+          <a:p>
+            <a:endParaRPr lang="es-MX" sz="1200" dirty="0"/>
+          </a:p>
+        </p:txBody>
+      </p:sp>
+      <p:pic>
+        <p:nvPicPr>
+          <p:cNvPr id="6" name="Imagen 5">
+            <a:extLst>
+              <a:ext uri="{FF2B5EF4-FFF2-40B4-BE49-F238E27FC236}">
+                <a16:creationId xmlns:a16="http://schemas.microsoft.com/office/drawing/2014/main" id="{A86077D0-3E84-D8B0-BF9A-D1B122231898}"/>
+              </a:ext>
+            </a:extLst>
+          </p:cNvPr>
+          <p:cNvPicPr>
+            <a:picLocks noChangeAspect="1"/>
+          </p:cNvPicPr>
+          <p:nvPr/>
+        </p:nvPicPr>
+        <p:blipFill>
+          <a:blip r:embed="rId7"/>
+          <a:stretch>
+            <a:fillRect/>
+          </a:stretch>
+        </p:blipFill>
+        <p:spPr>
+          <a:xfrm>
+            <a:off x="3583738" y="2300221"/>
+            <a:ext cx="3085622" cy="4036889"/>
+          </a:xfrm>
+          <a:prstGeom prst="rect">
+            <a:avLst/>
+          </a:prstGeom>
+        </p:spPr>
+      </p:pic>
+      <p:sp>
+        <p:nvSpPr>
+          <p:cNvPr id="14" name="13 Rectángulo redondeado">
+            <a:extLst>
+              <a:ext uri="{FF2B5EF4-FFF2-40B4-BE49-F238E27FC236}">
+                <a16:creationId xmlns:a16="http://schemas.microsoft.com/office/drawing/2014/main" id="{F6D03523-FA26-7186-79CB-9B17D7A58066}"/>
+              </a:ext>
+            </a:extLst>
+          </p:cNvPr>
+          <p:cNvSpPr/>
+          <p:nvPr/>
+        </p:nvSpPr>
+        <p:spPr>
+          <a:xfrm>
+            <a:off x="3645024" y="2171733"/>
+            <a:ext cx="3024336" cy="5472608"/>
+          </a:xfrm>
+          <a:prstGeom prst="roundRect">
+            <a:avLst/>
+          </a:prstGeom>
+          <a:noFill/>
+          <a:effectLst>
+            <a:glow rad="228600">
+              <a:schemeClr val="accent3">
+                <a:satMod val="175000"/>
+                <a:alpha val="40000"/>
+              </a:schemeClr>
+            </a:glow>
+          </a:effectLst>
+        </p:spPr>
+        <p:style>
+          <a:lnRef idx="2">
+            <a:schemeClr val="accent3"/>
+          </a:lnRef>
+          <a:fillRef idx="1">
+            <a:schemeClr val="lt1"/>
+          </a:fillRef>
+          <a:effectRef idx="0">
+            <a:schemeClr val="accent3"/>
+          </a:effectRef>
+          <a:fontRef idx="minor">
+            <a:schemeClr val="dk1"/>
+          </a:fontRef>
+        </p:style>
+        <p:txBody>
+          <a:bodyPr lIns="91435" tIns="45718" rIns="91435" bIns="45718" rtlCol="0" anchor="t"/>
+          <a:lstStyle/>
+          <a:p>
+            <a:endParaRPr lang="es-MX" sz="1200" dirty="0"/>
+          </a:p>
+        </p:txBody>
+      </p:sp>
+      <p:pic>
+        <p:nvPicPr>
+          <p:cNvPr id="9" name="Imagen 8">
+            <a:extLst>
+              <a:ext uri="{FF2B5EF4-FFF2-40B4-BE49-F238E27FC236}">
+                <a16:creationId xmlns:a16="http://schemas.microsoft.com/office/drawing/2014/main" id="{ED11CDF3-F374-4096-13D7-B728A06223F8}"/>
+              </a:ext>
+            </a:extLst>
+          </p:cNvPr>
+          <p:cNvPicPr>
+            <a:picLocks noChangeAspect="1"/>
+          </p:cNvPicPr>
+          <p:nvPr/>
+        </p:nvPicPr>
+        <p:blipFill>
+          <a:blip r:embed="rId8"/>
+          <a:stretch>
+            <a:fillRect/>
+          </a:stretch>
+        </p:blipFill>
+        <p:spPr>
+          <a:xfrm>
+            <a:off x="3879044" y="6509286"/>
+            <a:ext cx="2567882" cy="1028723"/>
+          </a:xfrm>
+          <a:prstGeom prst="rect">
+            <a:avLst/>
+          </a:prstGeom>
+        </p:spPr>
+      </p:pic>
+    </p:spTree>
+    <p:extLst>
+      <p:ext uri="{BB962C8B-B14F-4D97-AF65-F5344CB8AC3E}">
+        <p14:creationId xmlns:p14="http://schemas.microsoft.com/office/powerpoint/2010/main" val="3743430858"/>
+      </p:ext>
+    </p:extLst>
+  </p:cSld>
+  <p:clrMapOvr>
+    <a:masterClrMapping/>
+  </p:clrMapOvr>
+</p:sld>
+</file>
+
+<file path=ppt/slides/slide11.xml><?xml version="1.0" encoding="utf-8"?>
+<p:sld xmlns:a="http://schemas.openxmlformats.org/drawingml/2006/main" xmlns:r="http://schemas.openxmlformats.org/officeDocument/2006/relationships" xmlns:p="http://schemas.openxmlformats.org/presentationml/2006/main">
+  <p:cSld>
+    <p:spTree>
+      <p:nvGrpSpPr>
         <p:cNvPr id="1" name=""/>
         <p:cNvGrpSpPr/>
         <p:nvPr/>
@@ -38755,8 +41810,8 @@
         </p:nvSpPr>
         <p:spPr>
           <a:xfrm>
-            <a:off x="368659" y="1403648"/>
-            <a:ext cx="2985801" cy="6624736"/>
+            <a:off x="116633" y="1124447"/>
+            <a:ext cx="6624736" cy="7043771"/>
           </a:xfrm>
           <a:prstGeom prst="roundRect">
             <a:avLst/>
@@ -38788,6 +41843,118 @@
           <a:bodyPr lIns="91435" tIns="45718" rIns="91435" bIns="45718" rtlCol="0" anchor="t"/>
           <a:lstStyle/>
           <a:p>
+            <a:r>
+              <a:rPr lang="es-MX" sz="1200"/>
+              <a:t>#include &lt;stdio.h&gt;</a:t>
+            </a:r>
+          </a:p>
+          <a:p>
+            <a:r>
+              <a:rPr lang="es-MX" sz="1200"/>
+              <a:t>#include &lt;math.h&gt;</a:t>
+            </a:r>
+          </a:p>
+          <a:p>
+            <a:r>
+              <a:rPr lang="es-MX" sz="1200"/>
+              <a:t>#include &lt;process.h&gt;</a:t>
+            </a:r>
+          </a:p>
+          <a:p>
+            <a:endParaRPr lang="es-MX" sz="1200"/>
+          </a:p>
+          <a:p>
+            <a:r>
+              <a:rPr lang="es-MX" sz="1200"/>
+              <a:t>void main() {</a:t>
+            </a:r>
+          </a:p>
+          <a:p>
+            <a:r>
+              <a:rPr lang="es-MX" sz="1200"/>
+              <a:t>    float m1,m2,distance,fuerza,gravity,d;</a:t>
+            </a:r>
+          </a:p>
+          <a:p>
+            <a:endParaRPr lang="es-MX" sz="1200"/>
+          </a:p>
+          <a:p>
+            <a:r>
+              <a:rPr lang="es-MX" sz="1200"/>
+              <a:t>    printf("El programa debera leer la masa de dos cuerpos y la distancia entre ellos y a continuacion obtenga la fuerza gravitacional entre ellas. La salida debe ser en dinas; un dina es igual a gr. cm/seg2.\n");</a:t>
+            </a:r>
+          </a:p>
+          <a:p>
+            <a:r>
+              <a:rPr lang="es-MX" sz="1200"/>
+              <a:t>    printf("Introduce la masa 1:");</a:t>
+            </a:r>
+          </a:p>
+          <a:p>
+            <a:r>
+              <a:rPr lang="es-MX" sz="1200"/>
+              <a:t>    scanf("%f",&amp;m1);</a:t>
+            </a:r>
+          </a:p>
+          <a:p>
+            <a:r>
+              <a:rPr lang="es-MX" sz="1200"/>
+              <a:t>    printf("\nIntroduce la masa 2:");</a:t>
+            </a:r>
+          </a:p>
+          <a:p>
+            <a:r>
+              <a:rPr lang="es-MX" sz="1200"/>
+              <a:t>    scanf("%f",&amp;m2);</a:t>
+            </a:r>
+          </a:p>
+          <a:p>
+            <a:r>
+              <a:rPr lang="es-MX" sz="1200"/>
+              <a:t>    printf("\nIntroduce la distancia:");</a:t>
+            </a:r>
+          </a:p>
+          <a:p>
+            <a:r>
+              <a:rPr lang="es-MX" sz="1200"/>
+              <a:t>    scanf("%f",&amp;d);</a:t>
+            </a:r>
+          </a:p>
+          <a:p>
+            <a:r>
+              <a:rPr lang="es-MX" sz="1200"/>
+              <a:t>    distance = pow (d,2.0);</a:t>
+            </a:r>
+          </a:p>
+          <a:p>
+            <a:r>
+              <a:rPr lang="es-MX" sz="1200"/>
+              <a:t>    //printf("%f",distance);</a:t>
+            </a:r>
+          </a:p>
+          <a:p>
+            <a:r>
+              <a:rPr lang="es-MX" sz="1200"/>
+              <a:t>    fuerza = (6.673 * pow(10.0, -8.0) * m1 * m2) / distance;</a:t>
+            </a:r>
+          </a:p>
+          <a:p>
+            <a:r>
+              <a:rPr lang="es-MX" sz="1200"/>
+              <a:t>    printf("La fuerza entre las dos masas es de: %f gr cm^3/g. seg^2\n",fuerza );</a:t>
+            </a:r>
+          </a:p>
+          <a:p>
+            <a:r>
+              <a:rPr lang="es-MX" sz="1200"/>
+              <a:t>    system("PAUSE");</a:t>
+            </a:r>
+          </a:p>
+          <a:p>
+            <a:r>
+              <a:rPr lang="es-MX" sz="1200"/>
+              <a:t>}</a:t>
+            </a:r>
             <a:endParaRPr lang="es-MX" sz="1200" dirty="0"/>
           </a:p>
         </p:txBody>
@@ -39026,51 +42193,36 @@
           </a:p>
         </p:txBody>
       </p:sp>
-      <p:sp>
-        <p:nvSpPr>
-          <p:cNvPr id="14" name="13 Rectángulo redondeado"/>
-          <p:cNvSpPr/>
+      <p:pic>
+        <p:nvPicPr>
+          <p:cNvPr id="5" name="Imagen 4">
+            <a:extLst>
+              <a:ext uri="{FF2B5EF4-FFF2-40B4-BE49-F238E27FC236}">
+                <a16:creationId xmlns:a16="http://schemas.microsoft.com/office/drawing/2014/main" id="{E2731C45-7D92-0B06-3858-44E2A9C1C839}"/>
+              </a:ext>
+            </a:extLst>
+          </p:cNvPr>
+          <p:cNvPicPr>
+            <a:picLocks noChangeAspect="1"/>
+          </p:cNvPicPr>
           <p:nvPr/>
-        </p:nvSpPr>
+        </p:nvPicPr>
+        <p:blipFill>
+          <a:blip r:embed="rId7"/>
+          <a:stretch>
+            <a:fillRect/>
+          </a:stretch>
+        </p:blipFill>
         <p:spPr>
           <a:xfrm>
-            <a:off x="3645024" y="1403648"/>
-            <a:ext cx="2952328" cy="6624736"/>
+            <a:off x="573357" y="6080243"/>
+            <a:ext cx="5877272" cy="1784043"/>
           </a:xfrm>
-          <a:prstGeom prst="roundRect">
+          <a:prstGeom prst="rect">
             <a:avLst/>
           </a:prstGeom>
-          <a:effectLst>
-            <a:glow rad="228600">
-              <a:schemeClr val="accent4">
-                <a:satMod val="175000"/>
-                <a:alpha val="40000"/>
-              </a:schemeClr>
-            </a:glow>
-          </a:effectLst>
         </p:spPr>
-        <p:style>
-          <a:lnRef idx="2">
-            <a:schemeClr val="accent4"/>
-          </a:lnRef>
-          <a:fillRef idx="1">
-            <a:schemeClr val="lt1"/>
-          </a:fillRef>
-          <a:effectRef idx="0">
-            <a:schemeClr val="accent4"/>
-          </a:effectRef>
-          <a:fontRef idx="minor">
-            <a:schemeClr val="dk1"/>
-          </a:fontRef>
-        </p:style>
-        <p:txBody>
-          <a:bodyPr lIns="91435" tIns="45718" rIns="91435" bIns="45718" rtlCol="0" anchor="t"/>
-          <a:lstStyle/>
-          <a:p>
-            <a:endParaRPr lang="es-MX" sz="1200" dirty="0"/>
-          </a:p>
-        </p:txBody>
-      </p:sp>
+      </p:pic>
     </p:spTree>
     <p:extLst>
       <p:ext uri="{BB962C8B-B14F-4D97-AF65-F5344CB8AC3E}">
@@ -39084,7 +42236,7 @@
 </p:sld>
 </file>
 
-<file path=ppt/slides/slide11.xml><?xml version="1.0" encoding="utf-8"?>
+<file path=ppt/slides/slide12.xml><?xml version="1.0" encoding="utf-8"?>
 <p:sld xmlns:a="http://schemas.openxmlformats.org/drawingml/2006/main" xmlns:r="http://schemas.openxmlformats.org/officeDocument/2006/relationships" xmlns:p="http://schemas.openxmlformats.org/presentationml/2006/main">
   <p:cSld>
     <p:spTree>
@@ -39372,7 +42524,22 @@
           <a:bodyPr lIns="91435" tIns="45718" rIns="91435" bIns="45718" rtlCol="0" anchor="ctr"/>
           <a:lstStyle/>
           <a:p>
-            <a:endParaRPr lang="es-MX" dirty="0"/>
+            <a:r>
+              <a:rPr lang="es-MX" dirty="0" err="1"/>
+              <a:t>vol</a:t>
+            </a:r>
+            <a:r>
+              <a:rPr lang="es-MX" dirty="0"/>
+              <a:t>=</a:t>
+            </a:r>
+            <a:r>
+              <a:rPr lang="es-MX" dirty="0" err="1"/>
+              <a:t>areabase</a:t>
+            </a:r>
+            <a:r>
+              <a:rPr lang="es-MX" dirty="0"/>
+              <a:t>*altura*1/3</a:t>
+            </a:r>
           </a:p>
         </p:txBody>
       </p:sp>
@@ -39458,6 +42625,10 @@
           <a:bodyPr lIns="91435" tIns="45718" rIns="91435" bIns="45718" rtlCol="0" anchor="ctr"/>
           <a:lstStyle/>
           <a:p>
+            <a:r>
+              <a:rPr lang="es-MX" dirty="0" err="1"/>
+              <a:t>vol</a:t>
+            </a:r>
             <a:endParaRPr lang="es-MX" dirty="0"/>
           </a:p>
         </p:txBody>
@@ -40201,7 +43372,7 @@
 </p:sld>
 </file>
 
-<file path=ppt/slides/slide12.xml><?xml version="1.0" encoding="utf-8"?>
+<file path=ppt/slides/slide13.xml><?xml version="1.0" encoding="utf-8"?>
 <p:sld xmlns:a="http://schemas.openxmlformats.org/drawingml/2006/main" xmlns:r="http://schemas.openxmlformats.org/officeDocument/2006/relationships" xmlns:p="http://schemas.openxmlformats.org/presentationml/2006/main">
   <p:cSld>
     <p:spTree>
@@ -40324,7 +43495,121 @@
           <a:bodyPr lIns="91435" tIns="45718" rIns="91435" bIns="45718" rtlCol="0" anchor="t"/>
           <a:lstStyle/>
           <a:p>
+            <a:r>
+              <a:rPr lang="es-MX" sz="1200" dirty="0"/>
+              <a:t>Inicio</a:t>
+            </a:r>
+          </a:p>
+          <a:p>
+            <a:r>
+              <a:rPr lang="es-MX" sz="1200" dirty="0"/>
+              <a:t>     Imprime "Este programa calcula el volumen de la </a:t>
+            </a:r>
+            <a:r>
+              <a:rPr lang="es-MX" sz="1200" dirty="0" err="1"/>
+              <a:t>piramide</a:t>
+            </a:r>
+            <a:r>
+              <a:rPr lang="es-MX" sz="1200" dirty="0"/>
+              <a:t> de Keops, mide 230 metros de largo en su base y 146 metros de lato. Cual </a:t>
+            </a:r>
+            <a:r>
+              <a:rPr lang="es-MX" sz="1200" dirty="0" err="1"/>
+              <a:t>sera</a:t>
+            </a:r>
+            <a:r>
+              <a:rPr lang="es-MX" sz="1200" dirty="0"/>
+              <a:t> el volumen de la </a:t>
+            </a:r>
+            <a:r>
+              <a:rPr lang="es-MX" sz="1200" dirty="0" err="1"/>
+              <a:t>piramide</a:t>
+            </a:r>
+            <a:r>
+              <a:rPr lang="es-MX" sz="1200" dirty="0"/>
+              <a:t>?“</a:t>
+            </a:r>
+          </a:p>
+          <a:p>
+            <a:r>
+              <a:rPr lang="es-MX" sz="1200" dirty="0"/>
+              <a:t>     Proceso:</a:t>
+            </a:r>
+          </a:p>
+          <a:p>
+            <a:r>
+              <a:rPr lang="es-MX" sz="1200" dirty="0"/>
+              <a:t>     </a:t>
+            </a:r>
+            <a:r>
+              <a:rPr lang="es-MX" sz="1200" dirty="0" err="1"/>
+              <a:t>areabase</a:t>
+            </a:r>
+            <a:r>
+              <a:rPr lang="es-MX" sz="1200" dirty="0"/>
+              <a:t> =230 * 230</a:t>
+            </a:r>
+          </a:p>
+          <a:p>
+            <a:r>
+              <a:rPr lang="es-MX" sz="1200" dirty="0"/>
+              <a:t>     altura = 146</a:t>
+            </a:r>
+          </a:p>
+          <a:p>
+            <a:r>
+              <a:rPr lang="es-MX" sz="1200" dirty="0"/>
+              <a:t>     </a:t>
+            </a:r>
+            <a:r>
+              <a:rPr lang="es-MX" sz="1200" dirty="0" err="1"/>
+              <a:t>vol</a:t>
+            </a:r>
+            <a:r>
+              <a:rPr lang="es-MX" sz="1200" dirty="0"/>
+              <a:t>=</a:t>
+            </a:r>
+            <a:r>
+              <a:rPr lang="es-MX" sz="1200" dirty="0" err="1"/>
+              <a:t>areabase</a:t>
+            </a:r>
+            <a:r>
+              <a:rPr lang="es-MX" sz="1200" dirty="0"/>
+              <a:t>*altura*1/3 </a:t>
+            </a:r>
+          </a:p>
+          <a:p>
+            <a:r>
+              <a:rPr lang="es-MX" sz="1200" dirty="0"/>
+              <a:t>     Imprime "El </a:t>
+            </a:r>
+            <a:r>
+              <a:rPr lang="es-MX" sz="1200" dirty="0" err="1"/>
+              <a:t>volumend</a:t>
+            </a:r>
+            <a:r>
+              <a:rPr lang="es-MX" sz="1200" dirty="0"/>
+              <a:t> de la </a:t>
+            </a:r>
+            <a:r>
+              <a:rPr lang="es-MX" sz="1200" dirty="0" err="1"/>
+              <a:t>piramide</a:t>
+            </a:r>
+            <a:r>
+              <a:rPr lang="es-MX" sz="1200" dirty="0"/>
+              <a:t> de Keops es de:  cm^3“ + </a:t>
+            </a:r>
+            <a:r>
+              <a:rPr lang="es-MX" sz="1200" dirty="0" err="1"/>
+              <a:t>vol</a:t>
+            </a:r>
             <a:endParaRPr lang="es-MX" sz="1200" dirty="0"/>
+          </a:p>
+          <a:p>
+            <a:r>
+              <a:rPr lang="es-MX" sz="1200" dirty="0"/>
+              <a:t>Fin  </a:t>
+            </a:r>
           </a:p>
         </p:txBody>
       </p:sp>
@@ -40423,51 +43708,6 @@
               </a:rPr>
               <a:t>Diagrama de Flujo</a:t>
             </a:r>
-          </a:p>
-        </p:txBody>
-      </p:sp>
-      <p:sp>
-        <p:nvSpPr>
-          <p:cNvPr id="14" name="13 Rectángulo redondeado"/>
-          <p:cNvSpPr/>
-          <p:nvPr/>
-        </p:nvSpPr>
-        <p:spPr>
-          <a:xfrm>
-            <a:off x="3645024" y="2171733"/>
-            <a:ext cx="3024336" cy="5472608"/>
-          </a:xfrm>
-          <a:prstGeom prst="roundRect">
-            <a:avLst/>
-          </a:prstGeom>
-          <a:effectLst>
-            <a:glow rad="228600">
-              <a:schemeClr val="accent3">
-                <a:satMod val="175000"/>
-                <a:alpha val="40000"/>
-              </a:schemeClr>
-            </a:glow>
-          </a:effectLst>
-        </p:spPr>
-        <p:style>
-          <a:lnRef idx="2">
-            <a:schemeClr val="accent3"/>
-          </a:lnRef>
-          <a:fillRef idx="1">
-            <a:schemeClr val="lt1"/>
-          </a:fillRef>
-          <a:effectRef idx="0">
-            <a:schemeClr val="accent3"/>
-          </a:effectRef>
-          <a:fontRef idx="minor">
-            <a:schemeClr val="dk1"/>
-          </a:fontRef>
-        </p:style>
-        <p:txBody>
-          <a:bodyPr lIns="91435" tIns="45718" rIns="91435" bIns="45718" rtlCol="0" anchor="t"/>
-          <a:lstStyle/>
-          <a:p>
-            <a:endParaRPr lang="es-MX" sz="1200" dirty="0"/>
           </a:p>
         </p:txBody>
       </p:sp>
@@ -40705,6 +43945,112 @@
           </a:p>
         </p:txBody>
       </p:sp>
+      <p:pic>
+        <p:nvPicPr>
+          <p:cNvPr id="5" name="Imagen 4">
+            <a:extLst>
+              <a:ext uri="{FF2B5EF4-FFF2-40B4-BE49-F238E27FC236}">
+                <a16:creationId xmlns:a16="http://schemas.microsoft.com/office/drawing/2014/main" id="{4B962DD6-FE0F-BD1D-E9A4-E10357C625EB}"/>
+              </a:ext>
+            </a:extLst>
+          </p:cNvPr>
+          <p:cNvPicPr>
+            <a:picLocks noChangeAspect="1"/>
+          </p:cNvPicPr>
+          <p:nvPr/>
+        </p:nvPicPr>
+        <p:blipFill>
+          <a:blip r:embed="rId7"/>
+          <a:stretch>
+            <a:fillRect/>
+          </a:stretch>
+        </p:blipFill>
+        <p:spPr>
+          <a:xfrm>
+            <a:off x="3716959" y="2171733"/>
+            <a:ext cx="2916755" cy="3472327"/>
+          </a:xfrm>
+          <a:prstGeom prst="rect">
+            <a:avLst/>
+          </a:prstGeom>
+        </p:spPr>
+      </p:pic>
+      <p:sp>
+        <p:nvSpPr>
+          <p:cNvPr id="14" name="13 Rectángulo redondeado"/>
+          <p:cNvSpPr/>
+          <p:nvPr/>
+        </p:nvSpPr>
+        <p:spPr>
+          <a:xfrm>
+            <a:off x="3645024" y="2171733"/>
+            <a:ext cx="3024336" cy="5472608"/>
+          </a:xfrm>
+          <a:prstGeom prst="roundRect">
+            <a:avLst/>
+          </a:prstGeom>
+          <a:noFill/>
+          <a:effectLst>
+            <a:glow rad="228600">
+              <a:schemeClr val="accent3">
+                <a:satMod val="175000"/>
+                <a:alpha val="40000"/>
+              </a:schemeClr>
+            </a:glow>
+          </a:effectLst>
+        </p:spPr>
+        <p:style>
+          <a:lnRef idx="2">
+            <a:schemeClr val="accent3"/>
+          </a:lnRef>
+          <a:fillRef idx="1">
+            <a:schemeClr val="lt1"/>
+          </a:fillRef>
+          <a:effectRef idx="0">
+            <a:schemeClr val="accent3"/>
+          </a:effectRef>
+          <a:fontRef idx="minor">
+            <a:schemeClr val="dk1"/>
+          </a:fontRef>
+        </p:style>
+        <p:txBody>
+          <a:bodyPr lIns="91435" tIns="45718" rIns="91435" bIns="45718" rtlCol="0" anchor="t"/>
+          <a:lstStyle/>
+          <a:p>
+            <a:endParaRPr lang="es-MX" sz="1200" dirty="0"/>
+          </a:p>
+        </p:txBody>
+      </p:sp>
+      <p:pic>
+        <p:nvPicPr>
+          <p:cNvPr id="8" name="Imagen 7">
+            <a:extLst>
+              <a:ext uri="{FF2B5EF4-FFF2-40B4-BE49-F238E27FC236}">
+                <a16:creationId xmlns:a16="http://schemas.microsoft.com/office/drawing/2014/main" id="{0D6FF39F-9F8F-6C6A-457F-E1D72AF20753}"/>
+              </a:ext>
+            </a:extLst>
+          </p:cNvPr>
+          <p:cNvPicPr>
+            <a:picLocks noChangeAspect="1"/>
+          </p:cNvPicPr>
+          <p:nvPr/>
+        </p:nvPicPr>
+        <p:blipFill>
+          <a:blip r:embed="rId8"/>
+          <a:stretch>
+            <a:fillRect/>
+          </a:stretch>
+        </p:blipFill>
+        <p:spPr>
+          <a:xfrm>
+            <a:off x="3756353" y="5955375"/>
+            <a:ext cx="2822222" cy="1076343"/>
+          </a:xfrm>
+          <a:prstGeom prst="rect">
+            <a:avLst/>
+          </a:prstGeom>
+        </p:spPr>
+      </p:pic>
     </p:spTree>
     <p:extLst>
       <p:ext uri="{BB962C8B-B14F-4D97-AF65-F5344CB8AC3E}">
@@ -40718,7 +44064,7 @@
 </p:sld>
 </file>
 
-<file path=ppt/slides/slide13.xml><?xml version="1.0" encoding="utf-8"?>
+<file path=ppt/slides/slide14.xml><?xml version="1.0" encoding="utf-8"?>
 <p:sld xmlns:a="http://schemas.openxmlformats.org/drawingml/2006/main" xmlns:r="http://schemas.openxmlformats.org/officeDocument/2006/relationships" xmlns:p="http://schemas.openxmlformats.org/presentationml/2006/main">
   <p:cSld>
     <p:spTree>
@@ -40808,8 +44154,8 @@
         </p:nvSpPr>
         <p:spPr>
           <a:xfrm>
-            <a:off x="368659" y="1403648"/>
-            <a:ext cx="2985801" cy="6624736"/>
+            <a:off x="116633" y="1231953"/>
+            <a:ext cx="6552728" cy="6936266"/>
           </a:xfrm>
           <a:prstGeom prst="roundRect">
             <a:avLst/>
@@ -40841,7 +44187,225 @@
           <a:bodyPr lIns="91435" tIns="45718" rIns="91435" bIns="45718" rtlCol="0" anchor="t"/>
           <a:lstStyle/>
           <a:p>
+            <a:r>
+              <a:rPr lang="es-MX" sz="1200" dirty="0"/>
+              <a:t>#include &lt;</a:t>
+            </a:r>
+            <a:r>
+              <a:rPr lang="es-MX" sz="1200" dirty="0" err="1"/>
+              <a:t>stdio.h</a:t>
+            </a:r>
+            <a:r>
+              <a:rPr lang="es-MX" sz="1200" dirty="0"/>
+              <a:t>&gt;</a:t>
+            </a:r>
+          </a:p>
+          <a:p>
+            <a:r>
+              <a:rPr lang="es-MX" sz="1200" dirty="0"/>
+              <a:t>#include &lt;</a:t>
+            </a:r>
+            <a:r>
+              <a:rPr lang="es-MX" sz="1200" dirty="0" err="1"/>
+              <a:t>process.h</a:t>
+            </a:r>
+            <a:r>
+              <a:rPr lang="es-MX" sz="1200" dirty="0"/>
+              <a:t>&gt;</a:t>
+            </a:r>
+          </a:p>
+          <a:p>
             <a:endParaRPr lang="es-MX" sz="1200" dirty="0"/>
+          </a:p>
+          <a:p>
+            <a:r>
+              <a:rPr lang="es-MX" sz="1200" dirty="0" err="1"/>
+              <a:t>void</a:t>
+            </a:r>
+            <a:r>
+              <a:rPr lang="es-MX" sz="1200" dirty="0"/>
+              <a:t> </a:t>
+            </a:r>
+            <a:r>
+              <a:rPr lang="es-MX" sz="1200" dirty="0" err="1"/>
+              <a:t>main</a:t>
+            </a:r>
+            <a:r>
+              <a:rPr lang="es-MX" sz="1200" dirty="0"/>
+              <a:t>() {</a:t>
+            </a:r>
+          </a:p>
+          <a:p>
+            <a:endParaRPr lang="es-MX" sz="1200" dirty="0"/>
+          </a:p>
+          <a:p>
+            <a:r>
+              <a:rPr lang="es-MX" sz="1200" dirty="0"/>
+              <a:t>    </a:t>
+            </a:r>
+            <a:r>
+              <a:rPr lang="es-MX" sz="1200" dirty="0" err="1"/>
+              <a:t>float</a:t>
+            </a:r>
+            <a:r>
+              <a:rPr lang="es-MX" sz="1200" dirty="0"/>
+              <a:t> </a:t>
+            </a:r>
+            <a:r>
+              <a:rPr lang="es-MX" sz="1200" dirty="0" err="1"/>
+              <a:t>vol,areabase,altura</a:t>
+            </a:r>
+            <a:r>
+              <a:rPr lang="es-MX" sz="1200" dirty="0"/>
+              <a:t>;</a:t>
+            </a:r>
+          </a:p>
+          <a:p>
+            <a:endParaRPr lang="es-MX" sz="1200" dirty="0"/>
+          </a:p>
+          <a:p>
+            <a:r>
+              <a:rPr lang="es-MX" sz="1200" dirty="0"/>
+              <a:t>    </a:t>
+            </a:r>
+            <a:r>
+              <a:rPr lang="es-MX" sz="1200" dirty="0" err="1"/>
+              <a:t>printf</a:t>
+            </a:r>
+            <a:r>
+              <a:rPr lang="es-MX" sz="1200" dirty="0"/>
+              <a:t>("Este programa calcula el volumen de la </a:t>
+            </a:r>
+            <a:r>
+              <a:rPr lang="es-MX" sz="1200" dirty="0" err="1"/>
+              <a:t>piramide</a:t>
+            </a:r>
+            <a:r>
+              <a:rPr lang="es-MX" sz="1200" dirty="0"/>
+              <a:t> de Keops, mide 230 metros de largo en su base y 146 metros de lato. Cual </a:t>
+            </a:r>
+            <a:r>
+              <a:rPr lang="es-MX" sz="1200" dirty="0" err="1"/>
+              <a:t>sera</a:t>
+            </a:r>
+            <a:r>
+              <a:rPr lang="es-MX" sz="1200" dirty="0"/>
+              <a:t> el volumen de la </a:t>
+            </a:r>
+            <a:r>
+              <a:rPr lang="es-MX" sz="1200" dirty="0" err="1"/>
+              <a:t>piramide</a:t>
+            </a:r>
+            <a:r>
+              <a:rPr lang="es-MX" sz="1200" dirty="0"/>
+              <a:t>?\n");</a:t>
+            </a:r>
+          </a:p>
+          <a:p>
+            <a:endParaRPr lang="es-MX" sz="1200" dirty="0"/>
+          </a:p>
+          <a:p>
+            <a:r>
+              <a:rPr lang="es-MX" sz="1200" dirty="0"/>
+              <a:t>    </a:t>
+            </a:r>
+            <a:r>
+              <a:rPr lang="es-MX" sz="1200" dirty="0" err="1"/>
+              <a:t>areabase</a:t>
+            </a:r>
+            <a:r>
+              <a:rPr lang="es-MX" sz="1200" dirty="0"/>
+              <a:t> = 230*230;</a:t>
+            </a:r>
+          </a:p>
+          <a:p>
+            <a:r>
+              <a:rPr lang="es-MX" sz="1200" dirty="0"/>
+              <a:t>    altura = 146;</a:t>
+            </a:r>
+          </a:p>
+          <a:p>
+            <a:r>
+              <a:rPr lang="es-MX" sz="1200" dirty="0"/>
+              <a:t>    </a:t>
+            </a:r>
+            <a:r>
+              <a:rPr lang="es-MX" sz="1200" dirty="0" err="1"/>
+              <a:t>vol</a:t>
+            </a:r>
+            <a:r>
+              <a:rPr lang="es-MX" sz="1200" dirty="0"/>
+              <a:t>=</a:t>
+            </a:r>
+            <a:r>
+              <a:rPr lang="es-MX" sz="1200" dirty="0" err="1"/>
+              <a:t>areabase</a:t>
+            </a:r>
+            <a:r>
+              <a:rPr lang="es-MX" sz="1200" dirty="0"/>
+              <a:t>*altura*1/3;</a:t>
+            </a:r>
+          </a:p>
+          <a:p>
+            <a:r>
+              <a:rPr lang="es-MX" sz="1200" dirty="0"/>
+              <a:t>    </a:t>
+            </a:r>
+            <a:r>
+              <a:rPr lang="es-MX" sz="1200" dirty="0" err="1"/>
+              <a:t>printf</a:t>
+            </a:r>
+            <a:r>
+              <a:rPr lang="es-MX" sz="1200" dirty="0"/>
+              <a:t>("El </a:t>
+            </a:r>
+            <a:r>
+              <a:rPr lang="es-MX" sz="1200" dirty="0" err="1"/>
+              <a:t>volumend</a:t>
+            </a:r>
+            <a:r>
+              <a:rPr lang="es-MX" sz="1200" dirty="0"/>
+              <a:t> de la </a:t>
+            </a:r>
+            <a:r>
+              <a:rPr lang="es-MX" sz="1200" dirty="0" err="1"/>
+              <a:t>piramide</a:t>
+            </a:r>
+            <a:r>
+              <a:rPr lang="es-MX" sz="1200" dirty="0"/>
+              <a:t> de Keops es de: %.2f cm^3\n",</a:t>
+            </a:r>
+            <a:r>
+              <a:rPr lang="es-MX" sz="1200" dirty="0" err="1"/>
+              <a:t>vol</a:t>
+            </a:r>
+            <a:r>
+              <a:rPr lang="es-MX" sz="1200" dirty="0"/>
+              <a:t>);</a:t>
+            </a:r>
+          </a:p>
+          <a:p>
+            <a:r>
+              <a:rPr lang="es-MX" sz="1200" dirty="0"/>
+              <a:t>    </a:t>
+            </a:r>
+            <a:r>
+              <a:rPr lang="es-MX" sz="1200" dirty="0" err="1"/>
+              <a:t>system</a:t>
+            </a:r>
+            <a:r>
+              <a:rPr lang="es-MX" sz="1200" dirty="0"/>
+              <a:t>("PAUSE");</a:t>
+            </a:r>
+          </a:p>
+          <a:p>
+            <a:endParaRPr lang="es-MX" sz="1200" dirty="0"/>
+          </a:p>
+          <a:p>
+            <a:r>
+              <a:rPr lang="es-MX" sz="1200" dirty="0"/>
+              <a:t>}</a:t>
+            </a:r>
           </a:p>
         </p:txBody>
       </p:sp>
@@ -41079,51 +44643,36 @@
           </a:p>
         </p:txBody>
       </p:sp>
-      <p:sp>
-        <p:nvSpPr>
-          <p:cNvPr id="14" name="13 Rectángulo redondeado"/>
-          <p:cNvSpPr/>
+      <p:pic>
+        <p:nvPicPr>
+          <p:cNvPr id="6" name="Imagen 5">
+            <a:extLst>
+              <a:ext uri="{FF2B5EF4-FFF2-40B4-BE49-F238E27FC236}">
+                <a16:creationId xmlns:a16="http://schemas.microsoft.com/office/drawing/2014/main" id="{084B97FC-82CD-95FF-06E6-3C5417FA0E3F}"/>
+              </a:ext>
+            </a:extLst>
+          </p:cNvPr>
+          <p:cNvPicPr>
+            <a:picLocks noChangeAspect="1"/>
+          </p:cNvPicPr>
           <p:nvPr/>
-        </p:nvSpPr>
+        </p:nvPicPr>
+        <p:blipFill>
+          <a:blip r:embed="rId7"/>
+          <a:stretch>
+            <a:fillRect/>
+          </a:stretch>
+        </p:blipFill>
         <p:spPr>
           <a:xfrm>
-            <a:off x="3645024" y="1403648"/>
-            <a:ext cx="2952328" cy="6624736"/>
+            <a:off x="432049" y="5364088"/>
+            <a:ext cx="6237312" cy="938469"/>
           </a:xfrm>
-          <a:prstGeom prst="roundRect">
+          <a:prstGeom prst="rect">
             <a:avLst/>
           </a:prstGeom>
-          <a:effectLst>
-            <a:glow rad="228600">
-              <a:schemeClr val="accent4">
-                <a:satMod val="175000"/>
-                <a:alpha val="40000"/>
-              </a:schemeClr>
-            </a:glow>
-          </a:effectLst>
         </p:spPr>
-        <p:style>
-          <a:lnRef idx="2">
-            <a:schemeClr val="accent4"/>
-          </a:lnRef>
-          <a:fillRef idx="1">
-            <a:schemeClr val="lt1"/>
-          </a:fillRef>
-          <a:effectRef idx="0">
-            <a:schemeClr val="accent4"/>
-          </a:effectRef>
-          <a:fontRef idx="minor">
-            <a:schemeClr val="dk1"/>
-          </a:fontRef>
-        </p:style>
-        <p:txBody>
-          <a:bodyPr lIns="91435" tIns="45718" rIns="91435" bIns="45718" rtlCol="0" anchor="t"/>
-          <a:lstStyle/>
-          <a:p>
-            <a:endParaRPr lang="es-MX" sz="1200" dirty="0"/>
-          </a:p>
-        </p:txBody>
-      </p:sp>
+      </p:pic>
     </p:spTree>
     <p:extLst>
       <p:ext uri="{BB962C8B-B14F-4D97-AF65-F5344CB8AC3E}">
@@ -41137,7 +44686,7 @@
 </p:sld>
 </file>
 
-<file path=ppt/slides/slide14.xml><?xml version="1.0" encoding="utf-8"?>
+<file path=ppt/slides/slide15.xml><?xml version="1.0" encoding="utf-8"?>
 <p:sld xmlns:a="http://schemas.openxmlformats.org/drawingml/2006/main" xmlns:r="http://schemas.openxmlformats.org/officeDocument/2006/relationships" xmlns:p="http://schemas.openxmlformats.org/presentationml/2006/main">
   <p:cSld>
     <p:spTree>
@@ -41425,7 +44974,32 @@
           <a:bodyPr lIns="91435" tIns="45718" rIns="91435" bIns="45718" rtlCol="0" anchor="ctr"/>
           <a:lstStyle/>
           <a:p>
-            <a:endParaRPr lang="es-MX" dirty="0"/>
+            <a:r>
+              <a:rPr lang="es-MX" dirty="0" err="1"/>
+              <a:t>areaxPersona</a:t>
+            </a:r>
+            <a:r>
+              <a:rPr lang="es-MX" dirty="0"/>
+              <a:t> = 44160 /100</a:t>
+            </a:r>
+          </a:p>
+          <a:p>
+            <a:r>
+              <a:rPr lang="es-MX" dirty="0" err="1"/>
+              <a:t>numPersona</a:t>
+            </a:r>
+            <a:r>
+              <a:rPr lang="es-MX" dirty="0"/>
+              <a:t> = </a:t>
+            </a:r>
+            <a:r>
+              <a:rPr lang="es-MX" dirty="0" err="1"/>
+              <a:t>areaxPersona</a:t>
+            </a:r>
+            <a:r>
+              <a:rPr lang="es-MX" dirty="0"/>
+              <a:t> *230</a:t>
+            </a:r>
           </a:p>
         </p:txBody>
       </p:sp>
@@ -41511,6 +45085,10 @@
           <a:bodyPr lIns="91435" tIns="45718" rIns="91435" bIns="45718" rtlCol="0" anchor="ctr"/>
           <a:lstStyle/>
           <a:p>
+            <a:r>
+              <a:rPr lang="es-MX" dirty="0" err="1"/>
+              <a:t>numPersona</a:t>
+            </a:r>
             <a:endParaRPr lang="es-MX" dirty="0"/>
           </a:p>
         </p:txBody>
@@ -41938,7 +45516,7 @@
 </p:sld>
 </file>
 
-<file path=ppt/slides/slide15.xml><?xml version="1.0" encoding="utf-8"?>
+<file path=ppt/slides/slide16.xml><?xml version="1.0" encoding="utf-8"?>
 <p:sld xmlns:a="http://schemas.openxmlformats.org/drawingml/2006/main" xmlns:r="http://schemas.openxmlformats.org/officeDocument/2006/relationships" xmlns:p="http://schemas.openxmlformats.org/presentationml/2006/main">
   <p:cSld>
     <p:spTree>
@@ -42029,7 +45607,7 @@
         <p:spPr>
           <a:xfrm>
             <a:off x="269649" y="2171733"/>
-            <a:ext cx="2941358" cy="5472608"/>
+            <a:ext cx="3024336" cy="5472608"/>
           </a:xfrm>
           <a:prstGeom prst="roundRect">
             <a:avLst/>
@@ -42061,7 +45639,99 @@
           <a:bodyPr lIns="91435" tIns="45718" rIns="91435" bIns="45718" rtlCol="0" anchor="t"/>
           <a:lstStyle/>
           <a:p>
+            <a:r>
+              <a:rPr lang="es-MX" sz="1200" dirty="0"/>
+              <a:t>Inicio</a:t>
+            </a:r>
+          </a:p>
+          <a:p>
+            <a:r>
+              <a:rPr lang="es-MX" sz="1200" dirty="0"/>
+              <a:t>     Imprime "Este programa calcula la cantidad de gente que cabe en el </a:t>
+            </a:r>
+            <a:r>
+              <a:rPr lang="es-MX" sz="1200" dirty="0" err="1"/>
+              <a:t>zocalo</a:t>
+            </a:r>
+            <a:r>
+              <a:rPr lang="es-MX" sz="1200" dirty="0"/>
+              <a:t> que tiene un </a:t>
+            </a:r>
+            <a:r>
+              <a:rPr lang="es-MX" sz="1200" dirty="0" err="1"/>
+              <a:t>area</a:t>
+            </a:r>
+            <a:r>
+              <a:rPr lang="es-MX" sz="1200" dirty="0"/>
+              <a:t> de 44160 m cuadrado, sabiendo que en 100 m cuadrados cabe 230 personas“</a:t>
+            </a:r>
+          </a:p>
+          <a:p>
+            <a:r>
+              <a:rPr lang="es-MX" sz="1200" dirty="0"/>
+              <a:t>     Proceso:</a:t>
+            </a:r>
+          </a:p>
+          <a:p>
+            <a:r>
+              <a:rPr lang="es-MX" sz="1200" dirty="0"/>
+              <a:t>     </a:t>
+            </a:r>
+            <a:r>
+              <a:rPr lang="es-MX" sz="1200" dirty="0" err="1"/>
+              <a:t>areaxPersona</a:t>
+            </a:r>
+            <a:r>
+              <a:rPr lang="es-MX" sz="1200" dirty="0"/>
+              <a:t> = 44160/100</a:t>
+            </a:r>
+          </a:p>
+          <a:p>
+            <a:r>
+              <a:rPr lang="es-MX" sz="1200" dirty="0"/>
+              <a:t>     </a:t>
+            </a:r>
+            <a:r>
+              <a:rPr lang="es-MX" sz="1200" dirty="0" err="1"/>
+              <a:t>numPersona</a:t>
+            </a:r>
+            <a:r>
+              <a:rPr lang="es-MX" sz="1200" dirty="0"/>
+              <a:t> = </a:t>
+            </a:r>
+            <a:r>
+              <a:rPr lang="es-MX" sz="1200" dirty="0" err="1"/>
+              <a:t>areaxPersona</a:t>
+            </a:r>
+            <a:r>
+              <a:rPr lang="es-MX" sz="1200" dirty="0"/>
+              <a:t>*230</a:t>
+            </a:r>
+          </a:p>
+          <a:p>
+            <a:r>
+              <a:rPr lang="es-MX" sz="1200" dirty="0"/>
+              <a:t>     Imprime  "El numero de personas que caben en el </a:t>
+            </a:r>
+            <a:r>
+              <a:rPr lang="es-MX" sz="1200" dirty="0" err="1"/>
+              <a:t>zocale</a:t>
+            </a:r>
+            <a:r>
+              <a:rPr lang="es-MX" sz="1200" dirty="0"/>
+              <a:t> es de:  personas“ + </a:t>
+            </a:r>
+            <a:r>
+              <a:rPr lang="es-MX" sz="1200" dirty="0" err="1"/>
+              <a:t>numPersona</a:t>
+            </a:r>
             <a:endParaRPr lang="es-MX" sz="1200" dirty="0"/>
+          </a:p>
+          <a:p>
+            <a:r>
+              <a:rPr lang="es-MX" sz="1200" dirty="0"/>
+              <a:t>Fin</a:t>
+            </a:r>
           </a:p>
         </p:txBody>
       </p:sp>
@@ -42160,51 +45830,6 @@
               </a:rPr>
               <a:t>Diagrama de Flujo</a:t>
             </a:r>
-          </a:p>
-        </p:txBody>
-      </p:sp>
-      <p:sp>
-        <p:nvSpPr>
-          <p:cNvPr id="14" name="13 Rectángulo redondeado"/>
-          <p:cNvSpPr/>
-          <p:nvPr/>
-        </p:nvSpPr>
-        <p:spPr>
-          <a:xfrm>
-            <a:off x="3645024" y="2171733"/>
-            <a:ext cx="3024336" cy="5472608"/>
-          </a:xfrm>
-          <a:prstGeom prst="roundRect">
-            <a:avLst/>
-          </a:prstGeom>
-          <a:effectLst>
-            <a:glow rad="228600">
-              <a:schemeClr val="accent3">
-                <a:satMod val="175000"/>
-                <a:alpha val="40000"/>
-              </a:schemeClr>
-            </a:glow>
-          </a:effectLst>
-        </p:spPr>
-        <p:style>
-          <a:lnRef idx="2">
-            <a:schemeClr val="accent3"/>
-          </a:lnRef>
-          <a:fillRef idx="1">
-            <a:schemeClr val="lt1"/>
-          </a:fillRef>
-          <a:effectRef idx="0">
-            <a:schemeClr val="accent3"/>
-          </a:effectRef>
-          <a:fontRef idx="minor">
-            <a:schemeClr val="dk1"/>
-          </a:fontRef>
-        </p:style>
-        <p:txBody>
-          <a:bodyPr lIns="91435" tIns="45718" rIns="91435" bIns="45718" rtlCol="0" anchor="t"/>
-          <a:lstStyle/>
-          <a:p>
-            <a:endParaRPr lang="es-MX" sz="1200" dirty="0"/>
           </a:p>
         </p:txBody>
       </p:sp>
@@ -42442,6 +46067,112 @@
           </a:p>
         </p:txBody>
       </p:sp>
+      <p:pic>
+        <p:nvPicPr>
+          <p:cNvPr id="9" name="Imagen 8">
+            <a:extLst>
+              <a:ext uri="{FF2B5EF4-FFF2-40B4-BE49-F238E27FC236}">
+                <a16:creationId xmlns:a16="http://schemas.microsoft.com/office/drawing/2014/main" id="{0CF3F79D-EE23-3DBE-AF6B-C96A08277E43}"/>
+              </a:ext>
+            </a:extLst>
+          </p:cNvPr>
+          <p:cNvPicPr>
+            <a:picLocks noChangeAspect="1"/>
+          </p:cNvPicPr>
+          <p:nvPr/>
+        </p:nvPicPr>
+        <p:blipFill>
+          <a:blip r:embed="rId7"/>
+          <a:stretch>
+            <a:fillRect/>
+          </a:stretch>
+        </p:blipFill>
+        <p:spPr>
+          <a:xfrm>
+            <a:off x="3725769" y="2246355"/>
+            <a:ext cx="2781673" cy="2933862"/>
+          </a:xfrm>
+          <a:prstGeom prst="rect">
+            <a:avLst/>
+          </a:prstGeom>
+        </p:spPr>
+      </p:pic>
+      <p:sp>
+        <p:nvSpPr>
+          <p:cNvPr id="14" name="13 Rectángulo redondeado"/>
+          <p:cNvSpPr/>
+          <p:nvPr/>
+        </p:nvSpPr>
+        <p:spPr>
+          <a:xfrm>
+            <a:off x="3645024" y="2171733"/>
+            <a:ext cx="3024336" cy="5472608"/>
+          </a:xfrm>
+          <a:prstGeom prst="roundRect">
+            <a:avLst/>
+          </a:prstGeom>
+          <a:noFill/>
+          <a:effectLst>
+            <a:glow rad="228600">
+              <a:schemeClr val="accent3">
+                <a:satMod val="175000"/>
+                <a:alpha val="40000"/>
+              </a:schemeClr>
+            </a:glow>
+          </a:effectLst>
+        </p:spPr>
+        <p:style>
+          <a:lnRef idx="2">
+            <a:schemeClr val="accent3"/>
+          </a:lnRef>
+          <a:fillRef idx="1">
+            <a:schemeClr val="lt1"/>
+          </a:fillRef>
+          <a:effectRef idx="0">
+            <a:schemeClr val="accent3"/>
+          </a:effectRef>
+          <a:fontRef idx="minor">
+            <a:schemeClr val="dk1"/>
+          </a:fontRef>
+        </p:style>
+        <p:txBody>
+          <a:bodyPr lIns="91435" tIns="45718" rIns="91435" bIns="45718" rtlCol="0" anchor="t"/>
+          <a:lstStyle/>
+          <a:p>
+            <a:endParaRPr lang="es-MX" sz="1200" dirty="0"/>
+          </a:p>
+        </p:txBody>
+      </p:sp>
+      <p:pic>
+        <p:nvPicPr>
+          <p:cNvPr id="16" name="Imagen 15">
+            <a:extLst>
+              <a:ext uri="{FF2B5EF4-FFF2-40B4-BE49-F238E27FC236}">
+                <a16:creationId xmlns:a16="http://schemas.microsoft.com/office/drawing/2014/main" id="{E68FBC16-C92C-BB59-EAAF-75F7E2D6B8B9}"/>
+              </a:ext>
+            </a:extLst>
+          </p:cNvPr>
+          <p:cNvPicPr>
+            <a:picLocks noChangeAspect="1"/>
+          </p:cNvPicPr>
+          <p:nvPr/>
+        </p:nvPicPr>
+        <p:blipFill>
+          <a:blip r:embed="rId8"/>
+          <a:stretch>
+            <a:fillRect/>
+          </a:stretch>
+        </p:blipFill>
+        <p:spPr>
+          <a:xfrm>
+            <a:off x="3801897" y="5458723"/>
+            <a:ext cx="2795484" cy="1147083"/>
+          </a:xfrm>
+          <a:prstGeom prst="rect">
+            <a:avLst/>
+          </a:prstGeom>
+        </p:spPr>
+      </p:pic>
     </p:spTree>
     <p:extLst>
       <p:ext uri="{BB962C8B-B14F-4D97-AF65-F5344CB8AC3E}">
@@ -42455,7 +46186,7 @@
 </p:sld>
 </file>
 
-<file path=ppt/slides/slide16.xml><?xml version="1.0" encoding="utf-8"?>
+<file path=ppt/slides/slide17.xml><?xml version="1.0" encoding="utf-8"?>
 <p:sld xmlns:a="http://schemas.openxmlformats.org/drawingml/2006/main" xmlns:r="http://schemas.openxmlformats.org/officeDocument/2006/relationships" xmlns:p="http://schemas.openxmlformats.org/presentationml/2006/main">
   <p:cSld>
     <p:spTree>
@@ -42545,8 +46276,8 @@
         </p:nvSpPr>
         <p:spPr>
           <a:xfrm>
-            <a:off x="368659" y="1403648"/>
-            <a:ext cx="2985801" cy="6624736"/>
+            <a:off x="116633" y="1231953"/>
+            <a:ext cx="6624736" cy="6936266"/>
           </a:xfrm>
           <a:prstGeom prst="roundRect">
             <a:avLst/>
@@ -42578,7 +46309,194 @@
           <a:bodyPr lIns="91435" tIns="45718" rIns="91435" bIns="45718" rtlCol="0" anchor="t"/>
           <a:lstStyle/>
           <a:p>
+            <a:r>
+              <a:rPr lang="es-MX" sz="1200" dirty="0"/>
+              <a:t>#include &lt;</a:t>
+            </a:r>
+            <a:r>
+              <a:rPr lang="es-MX" sz="1200" dirty="0" err="1"/>
+              <a:t>process.h</a:t>
+            </a:r>
+            <a:r>
+              <a:rPr lang="es-MX" sz="1200" dirty="0"/>
+              <a:t>&gt;</a:t>
+            </a:r>
+          </a:p>
+          <a:p>
             <a:endParaRPr lang="es-MX" sz="1200" dirty="0"/>
+          </a:p>
+          <a:p>
+            <a:r>
+              <a:rPr lang="es-MX" sz="1200" dirty="0" err="1"/>
+              <a:t>void</a:t>
+            </a:r>
+            <a:r>
+              <a:rPr lang="es-MX" sz="1200" dirty="0"/>
+              <a:t> </a:t>
+            </a:r>
+            <a:r>
+              <a:rPr lang="es-MX" sz="1200" dirty="0" err="1"/>
+              <a:t>main</a:t>
+            </a:r>
+            <a:r>
+              <a:rPr lang="es-MX" sz="1200" dirty="0"/>
+              <a:t>() {</a:t>
+            </a:r>
+          </a:p>
+          <a:p>
+            <a:endParaRPr lang="es-MX" sz="1200" dirty="0"/>
+          </a:p>
+          <a:p>
+            <a:r>
+              <a:rPr lang="es-MX" sz="1200" dirty="0"/>
+              <a:t>    </a:t>
+            </a:r>
+            <a:r>
+              <a:rPr lang="es-MX" sz="1200" dirty="0" err="1"/>
+              <a:t>float</a:t>
+            </a:r>
+            <a:r>
+              <a:rPr lang="es-MX" sz="1200" dirty="0"/>
+              <a:t> </a:t>
+            </a:r>
+            <a:r>
+              <a:rPr lang="es-MX" sz="1200" dirty="0" err="1"/>
+              <a:t>areaxPersona,numPersona</a:t>
+            </a:r>
+            <a:r>
+              <a:rPr lang="es-MX" sz="1200" dirty="0"/>
+              <a:t>;</a:t>
+            </a:r>
+          </a:p>
+          <a:p>
+            <a:r>
+              <a:rPr lang="es-MX" sz="1200" dirty="0"/>
+              <a:t>    </a:t>
+            </a:r>
+            <a:r>
+              <a:rPr lang="es-MX" sz="1200" dirty="0" err="1"/>
+              <a:t>printf</a:t>
+            </a:r>
+            <a:r>
+              <a:rPr lang="es-MX" sz="1200" dirty="0"/>
+              <a:t>("Este programa calcula la cantidad de gente que cabe en el </a:t>
+            </a:r>
+            <a:r>
+              <a:rPr lang="es-MX" sz="1200" dirty="0" err="1"/>
+              <a:t>zocalo</a:t>
+            </a:r>
+            <a:r>
+              <a:rPr lang="es-MX" sz="1200" dirty="0"/>
+              <a:t> que tiene un </a:t>
+            </a:r>
+            <a:r>
+              <a:rPr lang="es-MX" sz="1200" dirty="0" err="1"/>
+              <a:t>area</a:t>
+            </a:r>
+            <a:r>
+              <a:rPr lang="es-MX" sz="1200" dirty="0"/>
+              <a:t> de 44160 m cuadrado, sabiendo que en 100 m cuadrados cabe 230 personas \n");</a:t>
+            </a:r>
+          </a:p>
+          <a:p>
+            <a:endParaRPr lang="es-MX" sz="1200" dirty="0"/>
+          </a:p>
+          <a:p>
+            <a:r>
+              <a:rPr lang="es-MX" sz="1200" dirty="0"/>
+              <a:t>    </a:t>
+            </a:r>
+            <a:r>
+              <a:rPr lang="es-MX" sz="1200" dirty="0" err="1"/>
+              <a:t>areaxPersona</a:t>
+            </a:r>
+            <a:r>
+              <a:rPr lang="es-MX" sz="1200" dirty="0"/>
+              <a:t> = 44160/100;</a:t>
+            </a:r>
+          </a:p>
+          <a:p>
+            <a:r>
+              <a:rPr lang="es-MX" sz="1200" dirty="0"/>
+              <a:t>    </a:t>
+            </a:r>
+            <a:r>
+              <a:rPr lang="es-MX" sz="1200" dirty="0" err="1"/>
+              <a:t>numPersona</a:t>
+            </a:r>
+            <a:r>
+              <a:rPr lang="es-MX" sz="1200" dirty="0"/>
+              <a:t> = </a:t>
+            </a:r>
+            <a:r>
+              <a:rPr lang="es-MX" sz="1200" dirty="0" err="1"/>
+              <a:t>areaxPersona</a:t>
+            </a:r>
+            <a:r>
+              <a:rPr lang="es-MX" sz="1200" dirty="0"/>
+              <a:t> *230;</a:t>
+            </a:r>
+          </a:p>
+          <a:p>
+            <a:endParaRPr lang="es-MX" sz="1200" dirty="0"/>
+          </a:p>
+          <a:p>
+            <a:r>
+              <a:rPr lang="es-MX" sz="1200" dirty="0"/>
+              <a:t>    </a:t>
+            </a:r>
+            <a:r>
+              <a:rPr lang="es-MX" sz="1200" dirty="0" err="1"/>
+              <a:t>printf</a:t>
+            </a:r>
+            <a:r>
+              <a:rPr lang="es-MX" sz="1200" dirty="0"/>
+              <a:t>("\</a:t>
+            </a:r>
+            <a:r>
+              <a:rPr lang="es-MX" sz="1200" dirty="0" err="1"/>
+              <a:t>nEl</a:t>
+            </a:r>
+            <a:r>
+              <a:rPr lang="es-MX" sz="1200" dirty="0"/>
+              <a:t> numero de personas que caben en el </a:t>
+            </a:r>
+            <a:r>
+              <a:rPr lang="es-MX" sz="1200" dirty="0" err="1"/>
+              <a:t>zocale</a:t>
+            </a:r>
+            <a:r>
+              <a:rPr lang="es-MX" sz="1200" dirty="0"/>
+              <a:t> es de: %.1f personas\n",</a:t>
+            </a:r>
+            <a:r>
+              <a:rPr lang="es-MX" sz="1200" dirty="0" err="1"/>
+              <a:t>numPersona</a:t>
+            </a:r>
+            <a:r>
+              <a:rPr lang="es-MX" sz="1200" dirty="0"/>
+              <a:t>);</a:t>
+            </a:r>
+          </a:p>
+          <a:p>
+            <a:r>
+              <a:rPr lang="es-MX" sz="1200" dirty="0"/>
+              <a:t>    </a:t>
+            </a:r>
+            <a:r>
+              <a:rPr lang="es-MX" sz="1200" dirty="0" err="1"/>
+              <a:t>system</a:t>
+            </a:r>
+            <a:r>
+              <a:rPr lang="es-MX" sz="1200" dirty="0"/>
+              <a:t>("PAUSE");</a:t>
+            </a:r>
+          </a:p>
+          <a:p>
+            <a:r>
+              <a:rPr lang="es-MX" sz="1200" dirty="0"/>
+              <a:t>}</a:t>
+            </a:r>
           </a:p>
         </p:txBody>
       </p:sp>
@@ -42816,51 +46734,36 @@
           </a:p>
         </p:txBody>
       </p:sp>
-      <p:sp>
-        <p:nvSpPr>
-          <p:cNvPr id="14" name="13 Rectángulo redondeado"/>
-          <p:cNvSpPr/>
+      <p:pic>
+        <p:nvPicPr>
+          <p:cNvPr id="6" name="Imagen 5">
+            <a:extLst>
+              <a:ext uri="{FF2B5EF4-FFF2-40B4-BE49-F238E27FC236}">
+                <a16:creationId xmlns:a16="http://schemas.microsoft.com/office/drawing/2014/main" id="{2FD6942C-5AE0-01FC-0276-FB2C7571069A}"/>
+              </a:ext>
+            </a:extLst>
+          </p:cNvPr>
+          <p:cNvPicPr>
+            <a:picLocks noChangeAspect="1"/>
+          </p:cNvPicPr>
           <p:nvPr/>
-        </p:nvSpPr>
+        </p:nvPicPr>
+        <p:blipFill>
+          <a:blip r:embed="rId7"/>
+          <a:stretch>
+            <a:fillRect/>
+          </a:stretch>
+        </p:blipFill>
         <p:spPr>
           <a:xfrm>
-            <a:off x="3645024" y="1403648"/>
-            <a:ext cx="2952328" cy="6624736"/>
+            <a:off x="255585" y="5004048"/>
+            <a:ext cx="6093296" cy="846993"/>
           </a:xfrm>
-          <a:prstGeom prst="roundRect">
+          <a:prstGeom prst="rect">
             <a:avLst/>
           </a:prstGeom>
-          <a:effectLst>
-            <a:glow rad="228600">
-              <a:schemeClr val="accent4">
-                <a:satMod val="175000"/>
-                <a:alpha val="40000"/>
-              </a:schemeClr>
-            </a:glow>
-          </a:effectLst>
         </p:spPr>
-        <p:style>
-          <a:lnRef idx="2">
-            <a:schemeClr val="accent4"/>
-          </a:lnRef>
-          <a:fillRef idx="1">
-            <a:schemeClr val="lt1"/>
-          </a:fillRef>
-          <a:effectRef idx="0">
-            <a:schemeClr val="accent4"/>
-          </a:effectRef>
-          <a:fontRef idx="minor">
-            <a:schemeClr val="dk1"/>
-          </a:fontRef>
-        </p:style>
-        <p:txBody>
-          <a:bodyPr lIns="91435" tIns="45718" rIns="91435" bIns="45718" rtlCol="0" anchor="t"/>
-          <a:lstStyle/>
-          <a:p>
-            <a:endParaRPr lang="es-MX" sz="1200" dirty="0"/>
-          </a:p>
-        </p:txBody>
-      </p:sp>
+      </p:pic>
     </p:spTree>
     <p:extLst>
       <p:ext uri="{BB962C8B-B14F-4D97-AF65-F5344CB8AC3E}">
@@ -43229,29 +47132,53 @@
           <a:lstStyle/>
           <a:p>
             <a:r>
-              <a:rPr lang="es-MX" dirty="0"/>
+              <a:rPr lang="es-MX" dirty="0">
+                <a:solidFill>
+                  <a:schemeClr val="tx1"/>
+                </a:solidFill>
+              </a:rPr>
               <a:t>minutos = </a:t>
             </a:r>
             <a:r>
-              <a:rPr lang="es-MX" dirty="0" err="1"/>
+              <a:rPr lang="es-MX" dirty="0" err="1">
+                <a:solidFill>
+                  <a:schemeClr val="tx1"/>
+                </a:solidFill>
+              </a:rPr>
               <a:t>sec</a:t>
             </a:r>
             <a:r>
-              <a:rPr lang="es-MX" dirty="0"/>
+              <a:rPr lang="es-MX" dirty="0">
+                <a:solidFill>
+                  <a:schemeClr val="tx1"/>
+                </a:solidFill>
+              </a:rPr>
               <a:t>/60</a:t>
             </a:r>
           </a:p>
           <a:p>
             <a:r>
-              <a:rPr lang="es-MX" dirty="0"/>
+              <a:rPr lang="es-MX" dirty="0">
+                <a:solidFill>
+                  <a:schemeClr val="tx1"/>
+                </a:solidFill>
+              </a:rPr>
               <a:t>horas = </a:t>
             </a:r>
             <a:r>
-              <a:rPr lang="es-MX" dirty="0" err="1"/>
+              <a:rPr lang="es-MX" dirty="0" err="1">
+                <a:solidFill>
+                  <a:schemeClr val="tx1"/>
+                </a:solidFill>
+              </a:rPr>
               <a:t>sec</a:t>
             </a:r>
             <a:r>
-              <a:rPr lang="es-MX" dirty="0"/>
+              <a:rPr lang="es-MX" dirty="0">
+                <a:solidFill>
+                  <a:schemeClr val="tx1"/>
+                </a:solidFill>
+              </a:rPr>
               <a:t>/3600</a:t>
             </a:r>
           </a:p>
@@ -43340,10 +47267,18 @@
           <a:lstStyle/>
           <a:p>
             <a:r>
-              <a:rPr lang="es-MX" dirty="0" err="1"/>
+              <a:rPr lang="es-MX" dirty="0" err="1">
+                <a:solidFill>
+                  <a:schemeClr val="tx1"/>
+                </a:solidFill>
+              </a:rPr>
               <a:t>minutos,horas</a:t>
             </a:r>
-            <a:endParaRPr lang="es-MX" dirty="0"/>
+            <a:endParaRPr lang="es-MX" dirty="0">
+              <a:solidFill>
+                <a:schemeClr val="tx1"/>
+              </a:solidFill>
+            </a:endParaRPr>
           </a:p>
         </p:txBody>
       </p:sp>
@@ -43684,8 +47619,8 @@
         </p:nvSpPr>
         <p:spPr>
           <a:xfrm>
-            <a:off x="269649" y="2171733"/>
-            <a:ext cx="2941358" cy="5472608"/>
+            <a:off x="188640" y="1788584"/>
+            <a:ext cx="6552727" cy="6417764"/>
           </a:xfrm>
           <a:prstGeom prst="roundRect">
             <a:avLst/>
@@ -43717,6 +47652,223 @@
           <a:bodyPr lIns="91435" tIns="45718" rIns="91435" bIns="45718" rtlCol="0" anchor="t"/>
           <a:lstStyle/>
           <a:p>
+            <a:r>
+              <a:rPr lang="es-MX" sz="1200" dirty="0"/>
+              <a:t>(En este programa se reinscriben)</a:t>
+            </a:r>
+          </a:p>
+          <a:p>
+            <a:r>
+              <a:rPr lang="es-MX" sz="1200" dirty="0"/>
+              <a:t>Inicio</a:t>
+            </a:r>
+          </a:p>
+          <a:p>
+            <a:r>
+              <a:rPr lang="es-MX" sz="1200" dirty="0"/>
+              <a:t>     Se declaran las variables</a:t>
+            </a:r>
+          </a:p>
+          <a:p>
+            <a:r>
+              <a:rPr lang="es-MX" sz="1200" dirty="0"/>
+              <a:t>     Imprime "Este programa convierte de segundos a minutos y horas. a)3700 b)12320 c)22710“</a:t>
+            </a:r>
+          </a:p>
+          <a:p>
+            <a:r>
+              <a:rPr lang="es-MX" sz="1200" dirty="0"/>
+              <a:t>     Proceso:</a:t>
+            </a:r>
+          </a:p>
+          <a:p>
+            <a:r>
+              <a:rPr lang="es-MX" sz="1200" dirty="0"/>
+              <a:t>     </a:t>
+            </a:r>
+            <a:r>
+              <a:rPr lang="es-MX" sz="1200" dirty="0" err="1"/>
+              <a:t>sec</a:t>
+            </a:r>
+            <a:r>
+              <a:rPr lang="es-MX" sz="1200" dirty="0"/>
+              <a:t> = 3700</a:t>
+            </a:r>
+          </a:p>
+          <a:p>
+            <a:r>
+              <a:rPr lang="es-MX" sz="1200" dirty="0"/>
+              <a:t>     minutos = </a:t>
+            </a:r>
+            <a:r>
+              <a:rPr lang="es-MX" sz="1200" dirty="0" err="1"/>
+              <a:t>sec</a:t>
+            </a:r>
+            <a:r>
+              <a:rPr lang="es-MX" sz="1200" dirty="0"/>
+              <a:t>/60</a:t>
+            </a:r>
+          </a:p>
+          <a:p>
+            <a:r>
+              <a:rPr lang="es-MX" sz="1200" dirty="0"/>
+              <a:t>     horas = </a:t>
+            </a:r>
+            <a:r>
+              <a:rPr lang="es-MX" sz="1200" dirty="0" err="1"/>
+              <a:t>sec</a:t>
+            </a:r>
+            <a:r>
+              <a:rPr lang="es-MX" sz="1200" dirty="0"/>
+              <a:t> /3600</a:t>
+            </a:r>
+          </a:p>
+          <a:p>
+            <a:r>
+              <a:rPr lang="es-MX" sz="1200" dirty="0"/>
+              <a:t>     Imprime “La opción a en minutos es: “ + minutos</a:t>
+            </a:r>
+          </a:p>
+          <a:p>
+            <a:r>
+              <a:rPr lang="es-MX" sz="1200" dirty="0"/>
+              <a:t>     Imprime “La opción a en horas es: “ + horas</a:t>
+            </a:r>
+          </a:p>
+          <a:p>
+            <a:r>
+              <a:rPr lang="es-MX" sz="1200" dirty="0"/>
+              <a:t>     Proceso:</a:t>
+            </a:r>
+          </a:p>
+          <a:p>
+            <a:r>
+              <a:rPr lang="es-MX" sz="1200" dirty="0"/>
+              <a:t>     </a:t>
+            </a:r>
+            <a:r>
+              <a:rPr lang="pt-BR" sz="1200" dirty="0" err="1"/>
+              <a:t>sec</a:t>
+            </a:r>
+            <a:r>
+              <a:rPr lang="pt-BR" sz="1200" dirty="0"/>
+              <a:t> =12320</a:t>
+            </a:r>
+          </a:p>
+          <a:p>
+            <a:r>
+              <a:rPr lang="pt-BR" sz="1200" dirty="0"/>
+              <a:t>     minutos = </a:t>
+            </a:r>
+            <a:r>
+              <a:rPr lang="pt-BR" sz="1200" dirty="0" err="1"/>
+              <a:t>sec</a:t>
+            </a:r>
+            <a:r>
+              <a:rPr lang="pt-BR" sz="1200" dirty="0"/>
+              <a:t>/60</a:t>
+            </a:r>
+          </a:p>
+          <a:p>
+            <a:r>
+              <a:rPr lang="pt-BR" sz="1200" dirty="0"/>
+              <a:t>     horas = </a:t>
+            </a:r>
+            <a:r>
+              <a:rPr lang="pt-BR" sz="1200" dirty="0" err="1"/>
+              <a:t>sec</a:t>
+            </a:r>
+            <a:r>
+              <a:rPr lang="pt-BR" sz="1200" dirty="0"/>
+              <a:t>/3600</a:t>
+            </a:r>
+          </a:p>
+          <a:p>
+            <a:r>
+              <a:rPr lang="pt-BR" sz="1200" dirty="0"/>
+              <a:t>     </a:t>
+            </a:r>
+            <a:r>
+              <a:rPr lang="es-MX" sz="1200" dirty="0"/>
+              <a:t>Imprime “La opción b en minutos es: “ + minutos</a:t>
+            </a:r>
+          </a:p>
+          <a:p>
+            <a:r>
+              <a:rPr lang="es-MX" sz="1200" dirty="0"/>
+              <a:t>     Imprime “La opción b en horas es: “ + horas</a:t>
+            </a:r>
+          </a:p>
+          <a:p>
+            <a:r>
+              <a:rPr lang="es-MX" sz="1200" dirty="0"/>
+              <a:t>     Proceso:</a:t>
+            </a:r>
+          </a:p>
+          <a:p>
+            <a:r>
+              <a:rPr lang="es-MX" sz="1200" dirty="0"/>
+              <a:t>     </a:t>
+            </a:r>
+            <a:r>
+              <a:rPr lang="es-MX" sz="1200" dirty="0" err="1"/>
+              <a:t>sec</a:t>
+            </a:r>
+            <a:r>
+              <a:rPr lang="es-MX" sz="1200" dirty="0"/>
+              <a:t> =22710</a:t>
+            </a:r>
+          </a:p>
+          <a:p>
+            <a:r>
+              <a:rPr lang="es-MX" sz="1200" dirty="0"/>
+              <a:t>     minutos = </a:t>
+            </a:r>
+            <a:r>
+              <a:rPr lang="es-MX" sz="1200" dirty="0" err="1"/>
+              <a:t>sec</a:t>
+            </a:r>
+            <a:r>
+              <a:rPr lang="es-MX" sz="1200" dirty="0"/>
+              <a:t>/60</a:t>
+            </a:r>
+          </a:p>
+          <a:p>
+            <a:r>
+              <a:rPr lang="es-MX" sz="1200" dirty="0"/>
+              <a:t>     horas = </a:t>
+            </a:r>
+            <a:r>
+              <a:rPr lang="es-MX" sz="1200" dirty="0" err="1"/>
+              <a:t>sec</a:t>
+            </a:r>
+            <a:r>
+              <a:rPr lang="es-MX" sz="1200" dirty="0"/>
+              <a:t>/3600</a:t>
+            </a:r>
+          </a:p>
+          <a:p>
+            <a:r>
+              <a:rPr lang="es-MX" sz="1200" dirty="0"/>
+              <a:t>     Imprime “La opción b en minutos es: “ + minutos</a:t>
+            </a:r>
+          </a:p>
+          <a:p>
+            <a:r>
+              <a:rPr lang="es-MX" sz="1200" dirty="0"/>
+              <a:t>     Imprime “La opción b en horas es: “ + horas</a:t>
+            </a:r>
+          </a:p>
+          <a:p>
+            <a:r>
+              <a:rPr lang="es-MX" sz="1200" dirty="0"/>
+              <a:t>Fin</a:t>
+            </a:r>
+          </a:p>
+          <a:p>
+            <a:endParaRPr lang="es-MX" sz="1200" dirty="0"/>
+          </a:p>
+          <a:p>
             <a:endParaRPr lang="es-MX" sz="1200" dirty="0"/>
           </a:p>
         </p:txBody>
@@ -43729,7 +47881,7 @@
         </p:nvSpPr>
         <p:spPr>
           <a:xfrm>
-            <a:off x="415632" y="1381590"/>
+            <a:off x="2067316" y="1068057"/>
             <a:ext cx="2795374" cy="576064"/>
           </a:xfrm>
           <a:prstGeom prst="roundRect">
@@ -43767,100 +47919,6 @@
               </a:rPr>
               <a:t>Algoritmo</a:t>
             </a:r>
-          </a:p>
-        </p:txBody>
-      </p:sp>
-      <p:sp>
-        <p:nvSpPr>
-          <p:cNvPr id="13" name="12 Rectángulo redondeado"/>
-          <p:cNvSpPr/>
-          <p:nvPr/>
-        </p:nvSpPr>
-        <p:spPr>
-          <a:xfrm>
-            <a:off x="3879044" y="1317163"/>
-            <a:ext cx="2790316" cy="576064"/>
-          </a:xfrm>
-          <a:prstGeom prst="roundRect">
-            <a:avLst/>
-          </a:prstGeom>
-        </p:spPr>
-        <p:style>
-          <a:lnRef idx="0">
-            <a:schemeClr val="accent2"/>
-          </a:lnRef>
-          <a:fillRef idx="3">
-            <a:schemeClr val="accent2"/>
-          </a:fillRef>
-          <a:effectRef idx="3">
-            <a:schemeClr val="accent2"/>
-          </a:effectRef>
-          <a:fontRef idx="minor">
-            <a:schemeClr val="lt1"/>
-          </a:fontRef>
-        </p:style>
-        <p:txBody>
-          <a:bodyPr lIns="91435" tIns="45718" rIns="91435" bIns="45718" rtlCol="0" anchor="ctr"/>
-          <a:lstStyle/>
-          <a:p>
-            <a:pPr algn="ctr"/>
-            <a:r>
-              <a:rPr lang="es-MX" dirty="0">
-                <a:effectLst>
-                  <a:outerShdw blurRad="38100" dist="38100" dir="2700000" algn="tl">
-                    <a:srgbClr val="000000">
-                      <a:alpha val="43137"/>
-                    </a:srgbClr>
-                  </a:outerShdw>
-                </a:effectLst>
-              </a:rPr>
-              <a:t>Diagrama de Flujo</a:t>
-            </a:r>
-          </a:p>
-        </p:txBody>
-      </p:sp>
-      <p:sp>
-        <p:nvSpPr>
-          <p:cNvPr id="14" name="13 Rectángulo redondeado"/>
-          <p:cNvSpPr/>
-          <p:nvPr/>
-        </p:nvSpPr>
-        <p:spPr>
-          <a:xfrm>
-            <a:off x="3645024" y="2171733"/>
-            <a:ext cx="3024336" cy="5472608"/>
-          </a:xfrm>
-          <a:prstGeom prst="roundRect">
-            <a:avLst/>
-          </a:prstGeom>
-          <a:effectLst>
-            <a:glow rad="228600">
-              <a:schemeClr val="accent3">
-                <a:satMod val="175000"/>
-                <a:alpha val="40000"/>
-              </a:schemeClr>
-            </a:glow>
-          </a:effectLst>
-        </p:spPr>
-        <p:style>
-          <a:lnRef idx="2">
-            <a:schemeClr val="accent3"/>
-          </a:lnRef>
-          <a:fillRef idx="1">
-            <a:schemeClr val="lt1"/>
-          </a:fillRef>
-          <a:effectRef idx="0">
-            <a:schemeClr val="accent3"/>
-          </a:effectRef>
-          <a:fontRef idx="minor">
-            <a:schemeClr val="dk1"/>
-          </a:fontRef>
-        </p:style>
-        <p:txBody>
-          <a:bodyPr lIns="91435" tIns="45718" rIns="91435" bIns="45718" rtlCol="0" anchor="t"/>
-          <a:lstStyle/>
-          <a:p>
-            <a:endParaRPr lang="es-MX" sz="1200" dirty="0"/>
           </a:p>
         </p:txBody>
       </p:sp>
@@ -44112,6 +48170,607 @@
 </file>
 
 <file path=ppt/slides/slide4.xml><?xml version="1.0" encoding="utf-8"?>
+<p:sld xmlns:a="http://schemas.openxmlformats.org/drawingml/2006/main" xmlns:r="http://schemas.openxmlformats.org/officeDocument/2006/relationships" xmlns:p="http://schemas.openxmlformats.org/presentationml/2006/main">
+  <p:cSld>
+    <p:spTree>
+      <p:nvGrpSpPr>
+        <p:cNvPr id="1" name="">
+          <a:extLst>
+            <a:ext uri="{FF2B5EF4-FFF2-40B4-BE49-F238E27FC236}">
+              <a16:creationId xmlns:a16="http://schemas.microsoft.com/office/drawing/2014/main" id="{0985919F-68FE-88AF-6F6E-87B4766706E8}"/>
+            </a:ext>
+          </a:extLst>
+        </p:cNvPr>
+        <p:cNvGrpSpPr/>
+        <p:nvPr/>
+      </p:nvGrpSpPr>
+      <p:grpSpPr>
+        <a:xfrm>
+          <a:off x="0" y="0"/>
+          <a:ext cx="0" cy="0"/>
+          <a:chOff x="0" y="0"/>
+          <a:chExt cx="0" cy="0"/>
+        </a:xfrm>
+      </p:grpSpPr>
+      <p:graphicFrame>
+        <p:nvGraphicFramePr>
+          <p:cNvPr id="2" name="1 Marcador de contenido">
+            <a:extLst>
+              <a:ext uri="{FF2B5EF4-FFF2-40B4-BE49-F238E27FC236}">
+                <a16:creationId xmlns:a16="http://schemas.microsoft.com/office/drawing/2014/main" id="{05A101F6-B7CA-3A67-66B3-4552D0684197}"/>
+              </a:ext>
+            </a:extLst>
+          </p:cNvPr>
+          <p:cNvGraphicFramePr>
+            <a:graphicFrameLocks noGrp="1"/>
+          </p:cNvGraphicFramePr>
+          <p:nvPr>
+            <p:ph idx="1"/>
+          </p:nvPr>
+        </p:nvGraphicFramePr>
+        <p:xfrm>
+          <a:off x="351235" y="1788584"/>
+          <a:ext cx="6172200" cy="6034616"/>
+        </p:xfrm>
+        <a:graphic>
+          <a:graphicData uri="http://schemas.openxmlformats.org/drawingml/2006/diagram">
+            <dgm:relIds xmlns:dgm="http://schemas.openxmlformats.org/drawingml/2006/diagram" xmlns:r="http://schemas.openxmlformats.org/officeDocument/2006/relationships" r:dm="rId2" r:lo="rId3" r:qs="rId4" r:cs="rId5"/>
+          </a:graphicData>
+        </a:graphic>
+      </p:graphicFrame>
+      <p:sp>
+        <p:nvSpPr>
+          <p:cNvPr id="7" name="6 Título">
+            <a:extLst>
+              <a:ext uri="{FF2B5EF4-FFF2-40B4-BE49-F238E27FC236}">
+                <a16:creationId xmlns:a16="http://schemas.microsoft.com/office/drawing/2014/main" id="{DE6CFB18-1CEE-67B3-9A2E-B438EB5BBA5D}"/>
+              </a:ext>
+            </a:extLst>
+          </p:cNvPr>
+          <p:cNvSpPr>
+            <a:spLocks noGrp="1"/>
+          </p:cNvSpPr>
+          <p:nvPr>
+            <p:ph type="title"/>
+          </p:nvPr>
+        </p:nvSpPr>
+        <p:spPr>
+          <a:xfrm>
+            <a:off x="1710190" y="59499"/>
+            <a:ext cx="5535234" cy="864096"/>
+          </a:xfrm>
+        </p:spPr>
+        <p:txBody>
+          <a:bodyPr>
+            <a:normAutofit/>
+          </a:bodyPr>
+          <a:lstStyle/>
+          <a:p>
+            <a:r>
+              <a:rPr lang="es-MX" sz="2200" b="1" dirty="0">
+                <a:solidFill>
+                  <a:schemeClr val="bg1"/>
+                </a:solidFill>
+                <a:effectLst>
+                  <a:outerShdw blurRad="38100" dist="38100" dir="2700000" algn="tl">
+                    <a:srgbClr val="000000">
+                      <a:alpha val="43137"/>
+                    </a:srgbClr>
+                  </a:outerShdw>
+                </a:effectLst>
+              </a:rPr>
+              <a:t>Algoritmo y Diagrama de Flujo</a:t>
+            </a:r>
+          </a:p>
+        </p:txBody>
+      </p:sp>
+      <p:sp>
+        <p:nvSpPr>
+          <p:cNvPr id="13" name="12 Rectángulo redondeado">
+            <a:extLst>
+              <a:ext uri="{FF2B5EF4-FFF2-40B4-BE49-F238E27FC236}">
+                <a16:creationId xmlns:a16="http://schemas.microsoft.com/office/drawing/2014/main" id="{1E34DE2D-F1B2-D9E6-399B-5C48857A38C5}"/>
+              </a:ext>
+            </a:extLst>
+          </p:cNvPr>
+          <p:cNvSpPr/>
+          <p:nvPr/>
+        </p:nvSpPr>
+        <p:spPr>
+          <a:xfrm>
+            <a:off x="1988838" y="1032768"/>
+            <a:ext cx="2790316" cy="576064"/>
+          </a:xfrm>
+          <a:prstGeom prst="roundRect">
+            <a:avLst/>
+          </a:prstGeom>
+        </p:spPr>
+        <p:style>
+          <a:lnRef idx="0">
+            <a:schemeClr val="accent2"/>
+          </a:lnRef>
+          <a:fillRef idx="3">
+            <a:schemeClr val="accent2"/>
+          </a:fillRef>
+          <a:effectRef idx="3">
+            <a:schemeClr val="accent2"/>
+          </a:effectRef>
+          <a:fontRef idx="minor">
+            <a:schemeClr val="lt1"/>
+          </a:fontRef>
+        </p:style>
+        <p:txBody>
+          <a:bodyPr lIns="91435" tIns="45718" rIns="91435" bIns="45718" rtlCol="0" anchor="ctr"/>
+          <a:lstStyle/>
+          <a:p>
+            <a:pPr algn="ctr"/>
+            <a:r>
+              <a:rPr lang="es-MX" dirty="0">
+                <a:effectLst>
+                  <a:outerShdw blurRad="38100" dist="38100" dir="2700000" algn="tl">
+                    <a:srgbClr val="000000">
+                      <a:alpha val="43137"/>
+                    </a:srgbClr>
+                  </a:outerShdw>
+                </a:effectLst>
+              </a:rPr>
+              <a:t>Diagrama de Flujo</a:t>
+            </a:r>
+          </a:p>
+        </p:txBody>
+      </p:sp>
+      <p:sp>
+        <p:nvSpPr>
+          <p:cNvPr id="14" name="13 Rectángulo redondeado">
+            <a:extLst>
+              <a:ext uri="{FF2B5EF4-FFF2-40B4-BE49-F238E27FC236}">
+                <a16:creationId xmlns:a16="http://schemas.microsoft.com/office/drawing/2014/main" id="{0944135B-F435-137D-FC63-12CF9335B7C8}"/>
+              </a:ext>
+            </a:extLst>
+          </p:cNvPr>
+          <p:cNvSpPr/>
+          <p:nvPr/>
+        </p:nvSpPr>
+        <p:spPr>
+          <a:xfrm>
+            <a:off x="116632" y="1718006"/>
+            <a:ext cx="3240360" cy="6488342"/>
+          </a:xfrm>
+          <a:prstGeom prst="roundRect">
+            <a:avLst/>
+          </a:prstGeom>
+          <a:effectLst>
+            <a:glow rad="228600">
+              <a:schemeClr val="accent3">
+                <a:satMod val="175000"/>
+                <a:alpha val="40000"/>
+              </a:schemeClr>
+            </a:glow>
+          </a:effectLst>
+        </p:spPr>
+        <p:style>
+          <a:lnRef idx="2">
+            <a:schemeClr val="accent3"/>
+          </a:lnRef>
+          <a:fillRef idx="1">
+            <a:schemeClr val="lt1"/>
+          </a:fillRef>
+          <a:effectRef idx="0">
+            <a:schemeClr val="accent3"/>
+          </a:effectRef>
+          <a:fontRef idx="minor">
+            <a:schemeClr val="dk1"/>
+          </a:fontRef>
+        </p:style>
+        <p:txBody>
+          <a:bodyPr lIns="91435" tIns="45718" rIns="91435" bIns="45718" rtlCol="0" anchor="t"/>
+          <a:lstStyle/>
+          <a:p>
+            <a:endParaRPr lang="es-MX" sz="1200" dirty="0"/>
+          </a:p>
+        </p:txBody>
+      </p:sp>
+      <p:sp>
+        <p:nvSpPr>
+          <p:cNvPr id="10" name="2 Marcador de texto">
+            <a:extLst>
+              <a:ext uri="{FF2B5EF4-FFF2-40B4-BE49-F238E27FC236}">
+                <a16:creationId xmlns:a16="http://schemas.microsoft.com/office/drawing/2014/main" id="{2FACAE61-9E72-831C-3898-CD6BABBCFE62}"/>
+              </a:ext>
+            </a:extLst>
+          </p:cNvPr>
+          <p:cNvSpPr txBox="1">
+            <a:spLocks/>
+          </p:cNvSpPr>
+          <p:nvPr/>
+        </p:nvSpPr>
+        <p:spPr>
+          <a:xfrm>
+            <a:off x="-2975" y="107504"/>
+            <a:ext cx="1065639" cy="1016944"/>
+          </a:xfrm>
+          <a:prstGeom prst="rect">
+            <a:avLst/>
+          </a:prstGeom>
+        </p:spPr>
+        <p:txBody>
+          <a:bodyPr vert="horz" lIns="91435" tIns="45718" rIns="91435" bIns="45718" rtlCol="0">
+            <a:noAutofit/>
+          </a:bodyPr>
+          <a:lstStyle>
+            <a:lvl1pPr marL="342900" indent="-342900" algn="l" defTabSz="914400" rtl="0" eaLnBrk="1" latinLnBrk="0" hangingPunct="1">
+              <a:spcBef>
+                <a:spcPct val="20000"/>
+              </a:spcBef>
+              <a:buFont typeface="Arial" pitchFamily="34" charset="0"/>
+              <a:buChar char="•"/>
+              <a:defRPr sz="3200" kern="1200">
+                <a:solidFill>
+                  <a:schemeClr val="tx1"/>
+                </a:solidFill>
+                <a:latin typeface="+mn-lt"/>
+                <a:ea typeface="+mn-ea"/>
+                <a:cs typeface="+mn-cs"/>
+              </a:defRPr>
+            </a:lvl1pPr>
+            <a:lvl2pPr marL="742950" indent="-285750" algn="l" defTabSz="914400" rtl="0" eaLnBrk="1" latinLnBrk="0" hangingPunct="1">
+              <a:spcBef>
+                <a:spcPct val="20000"/>
+              </a:spcBef>
+              <a:buFont typeface="Arial" pitchFamily="34" charset="0"/>
+              <a:buChar char="–"/>
+              <a:defRPr sz="2800" kern="1200">
+                <a:solidFill>
+                  <a:schemeClr val="tx1"/>
+                </a:solidFill>
+                <a:latin typeface="+mn-lt"/>
+                <a:ea typeface="+mn-ea"/>
+                <a:cs typeface="+mn-cs"/>
+              </a:defRPr>
+            </a:lvl2pPr>
+            <a:lvl3pPr marL="1143000" indent="-228600" algn="l" defTabSz="914400" rtl="0" eaLnBrk="1" latinLnBrk="0" hangingPunct="1">
+              <a:spcBef>
+                <a:spcPct val="20000"/>
+              </a:spcBef>
+              <a:buFont typeface="Arial" pitchFamily="34" charset="0"/>
+              <a:buChar char="•"/>
+              <a:defRPr sz="2400" kern="1200">
+                <a:solidFill>
+                  <a:schemeClr val="tx1"/>
+                </a:solidFill>
+                <a:latin typeface="+mn-lt"/>
+                <a:ea typeface="+mn-ea"/>
+                <a:cs typeface="+mn-cs"/>
+              </a:defRPr>
+            </a:lvl3pPr>
+            <a:lvl4pPr marL="1600200" indent="-228600" algn="l" defTabSz="914400" rtl="0" eaLnBrk="1" latinLnBrk="0" hangingPunct="1">
+              <a:spcBef>
+                <a:spcPct val="20000"/>
+              </a:spcBef>
+              <a:buFont typeface="Arial" pitchFamily="34" charset="0"/>
+              <a:buChar char="–"/>
+              <a:defRPr sz="2000" kern="1200">
+                <a:solidFill>
+                  <a:schemeClr val="tx1"/>
+                </a:solidFill>
+                <a:latin typeface="+mn-lt"/>
+                <a:ea typeface="+mn-ea"/>
+                <a:cs typeface="+mn-cs"/>
+              </a:defRPr>
+            </a:lvl4pPr>
+            <a:lvl5pPr marL="2057400" indent="-228600" algn="l" defTabSz="914400" rtl="0" eaLnBrk="1" latinLnBrk="0" hangingPunct="1">
+              <a:spcBef>
+                <a:spcPct val="20000"/>
+              </a:spcBef>
+              <a:buFont typeface="Arial" pitchFamily="34" charset="0"/>
+              <a:buChar char="»"/>
+              <a:defRPr sz="2000" kern="1200">
+                <a:solidFill>
+                  <a:schemeClr val="tx1"/>
+                </a:solidFill>
+                <a:latin typeface="+mn-lt"/>
+                <a:ea typeface="+mn-ea"/>
+                <a:cs typeface="+mn-cs"/>
+              </a:defRPr>
+            </a:lvl5pPr>
+            <a:lvl6pPr marL="2514600" indent="-228600" algn="l" defTabSz="914400" rtl="0" eaLnBrk="1" latinLnBrk="0" hangingPunct="1">
+              <a:spcBef>
+                <a:spcPct val="20000"/>
+              </a:spcBef>
+              <a:buFont typeface="Arial" pitchFamily="34" charset="0"/>
+              <a:buChar char="•"/>
+              <a:defRPr sz="2000" kern="1200">
+                <a:solidFill>
+                  <a:schemeClr val="tx1"/>
+                </a:solidFill>
+                <a:latin typeface="+mn-lt"/>
+                <a:ea typeface="+mn-ea"/>
+                <a:cs typeface="+mn-cs"/>
+              </a:defRPr>
+            </a:lvl6pPr>
+            <a:lvl7pPr marL="2971800" indent="-228600" algn="l" defTabSz="914400" rtl="0" eaLnBrk="1" latinLnBrk="0" hangingPunct="1">
+              <a:spcBef>
+                <a:spcPct val="20000"/>
+              </a:spcBef>
+              <a:buFont typeface="Arial" pitchFamily="34" charset="0"/>
+              <a:buChar char="•"/>
+              <a:defRPr sz="2000" kern="1200">
+                <a:solidFill>
+                  <a:schemeClr val="tx1"/>
+                </a:solidFill>
+                <a:latin typeface="+mn-lt"/>
+                <a:ea typeface="+mn-ea"/>
+                <a:cs typeface="+mn-cs"/>
+              </a:defRPr>
+            </a:lvl7pPr>
+            <a:lvl8pPr marL="3429000" indent="-228600" algn="l" defTabSz="914400" rtl="0" eaLnBrk="1" latinLnBrk="0" hangingPunct="1">
+              <a:spcBef>
+                <a:spcPct val="20000"/>
+              </a:spcBef>
+              <a:buFont typeface="Arial" pitchFamily="34" charset="0"/>
+              <a:buChar char="•"/>
+              <a:defRPr sz="2000" kern="1200">
+                <a:solidFill>
+                  <a:schemeClr val="tx1"/>
+                </a:solidFill>
+                <a:latin typeface="+mn-lt"/>
+                <a:ea typeface="+mn-ea"/>
+                <a:cs typeface="+mn-cs"/>
+              </a:defRPr>
+            </a:lvl8pPr>
+            <a:lvl9pPr marL="3886200" indent="-228600" algn="l" defTabSz="914400" rtl="0" eaLnBrk="1" latinLnBrk="0" hangingPunct="1">
+              <a:spcBef>
+                <a:spcPct val="20000"/>
+              </a:spcBef>
+              <a:buFont typeface="Arial" pitchFamily="34" charset="0"/>
+              <a:buChar char="•"/>
+              <a:defRPr sz="2000" kern="1200">
+                <a:solidFill>
+                  <a:schemeClr val="tx1"/>
+                </a:solidFill>
+                <a:latin typeface="+mn-lt"/>
+                <a:ea typeface="+mn-ea"/>
+                <a:cs typeface="+mn-cs"/>
+              </a:defRPr>
+            </a:lvl9pPr>
+          </a:lstStyle>
+          <a:p>
+            <a:pPr marL="0" indent="0" algn="ctr">
+              <a:buNone/>
+            </a:pPr>
+            <a:r>
+              <a:rPr lang="es-MX" sz="1400" b="1" dirty="0">
+                <a:solidFill>
+                  <a:schemeClr val="bg1">
+                    <a:lumMod val="75000"/>
+                  </a:schemeClr>
+                </a:solidFill>
+                <a:effectLst>
+                  <a:outerShdw blurRad="38100" dist="38100" dir="2700000" algn="tl">
+                    <a:srgbClr val="000000">
+                      <a:alpha val="43137"/>
+                    </a:srgbClr>
+                  </a:outerShdw>
+                </a:effectLst>
+              </a:rPr>
+              <a:t>Número del programa:</a:t>
+            </a:r>
+          </a:p>
+        </p:txBody>
+      </p:sp>
+      <p:sp>
+        <p:nvSpPr>
+          <p:cNvPr id="11" name="10 Elipse">
+            <a:extLst>
+              <a:ext uri="{FF2B5EF4-FFF2-40B4-BE49-F238E27FC236}">
+                <a16:creationId xmlns:a16="http://schemas.microsoft.com/office/drawing/2014/main" id="{22646580-1E49-FFFB-9295-57004E6C741A}"/>
+              </a:ext>
+            </a:extLst>
+          </p:cNvPr>
+          <p:cNvSpPr/>
+          <p:nvPr/>
+        </p:nvSpPr>
+        <p:spPr>
+          <a:xfrm>
+            <a:off x="988532" y="0"/>
+            <a:ext cx="1000306" cy="1019605"/>
+          </a:xfrm>
+          <a:prstGeom prst="ellipse">
+            <a:avLst/>
+          </a:prstGeom>
+        </p:spPr>
+        <p:style>
+          <a:lnRef idx="2">
+            <a:schemeClr val="accent2"/>
+          </a:lnRef>
+          <a:fillRef idx="1">
+            <a:schemeClr val="lt1"/>
+          </a:fillRef>
+          <a:effectRef idx="0">
+            <a:schemeClr val="accent2"/>
+          </a:effectRef>
+          <a:fontRef idx="minor">
+            <a:schemeClr val="dk1"/>
+          </a:fontRef>
+        </p:style>
+        <p:txBody>
+          <a:bodyPr lIns="91435" tIns="45718" rIns="91435" bIns="45718" rtlCol="0" anchor="ctr"/>
+          <a:lstStyle/>
+          <a:p>
+            <a:pPr algn="ctr"/>
+            <a:r>
+              <a:rPr lang="es-MX" sz="1600" b="1" dirty="0">
+                <a:solidFill>
+                  <a:srgbClr val="FF0000"/>
+                </a:solidFill>
+                <a:effectLst>
+                  <a:outerShdw blurRad="38100" dist="38100" dir="2700000" algn="tl">
+                    <a:srgbClr val="000000">
+                      <a:alpha val="43137"/>
+                    </a:srgbClr>
+                  </a:outerShdw>
+                </a:effectLst>
+              </a:rPr>
+              <a:t>P11</a:t>
+            </a:r>
+          </a:p>
+        </p:txBody>
+      </p:sp>
+      <p:sp>
+        <p:nvSpPr>
+          <p:cNvPr id="9" name="13 Rectángulo redondeado">
+            <a:extLst>
+              <a:ext uri="{FF2B5EF4-FFF2-40B4-BE49-F238E27FC236}">
+                <a16:creationId xmlns:a16="http://schemas.microsoft.com/office/drawing/2014/main" id="{17805041-E72B-B5FF-CA70-45DD8C2AD569}"/>
+              </a:ext>
+            </a:extLst>
+          </p:cNvPr>
+          <p:cNvSpPr/>
+          <p:nvPr/>
+        </p:nvSpPr>
+        <p:spPr>
+          <a:xfrm>
+            <a:off x="3464818" y="1718005"/>
+            <a:ext cx="3240360" cy="6488342"/>
+          </a:xfrm>
+          <a:prstGeom prst="roundRect">
+            <a:avLst/>
+          </a:prstGeom>
+          <a:effectLst>
+            <a:glow rad="228600">
+              <a:schemeClr val="accent3">
+                <a:satMod val="175000"/>
+                <a:alpha val="40000"/>
+              </a:schemeClr>
+            </a:glow>
+          </a:effectLst>
+        </p:spPr>
+        <p:style>
+          <a:lnRef idx="2">
+            <a:schemeClr val="accent3"/>
+          </a:lnRef>
+          <a:fillRef idx="1">
+            <a:schemeClr val="lt1"/>
+          </a:fillRef>
+          <a:effectRef idx="0">
+            <a:schemeClr val="accent3"/>
+          </a:effectRef>
+          <a:fontRef idx="minor">
+            <a:schemeClr val="dk1"/>
+          </a:fontRef>
+        </p:style>
+        <p:txBody>
+          <a:bodyPr lIns="91435" tIns="45718" rIns="91435" bIns="45718" rtlCol="0" anchor="t"/>
+          <a:lstStyle/>
+          <a:p>
+            <a:endParaRPr lang="es-MX" sz="1200" dirty="0"/>
+          </a:p>
+        </p:txBody>
+      </p:sp>
+      <p:pic>
+        <p:nvPicPr>
+          <p:cNvPr id="16" name="Imagen 15">
+            <a:extLst>
+              <a:ext uri="{FF2B5EF4-FFF2-40B4-BE49-F238E27FC236}">
+                <a16:creationId xmlns:a16="http://schemas.microsoft.com/office/drawing/2014/main" id="{A5CAE6F6-D0CE-2B20-9234-DB0379BC7C53}"/>
+              </a:ext>
+            </a:extLst>
+          </p:cNvPr>
+          <p:cNvPicPr>
+            <a:picLocks noChangeAspect="1"/>
+          </p:cNvPicPr>
+          <p:nvPr/>
+        </p:nvPicPr>
+        <p:blipFill>
+          <a:blip r:embed="rId7"/>
+          <a:stretch>
+            <a:fillRect/>
+          </a:stretch>
+        </p:blipFill>
+        <p:spPr>
+          <a:xfrm>
+            <a:off x="762700" y="1801185"/>
+            <a:ext cx="1948224" cy="6348358"/>
+          </a:xfrm>
+          <a:prstGeom prst="rect">
+            <a:avLst/>
+          </a:prstGeom>
+        </p:spPr>
+      </p:pic>
+      <p:pic>
+        <p:nvPicPr>
+          <p:cNvPr id="18" name="Imagen 17">
+            <a:extLst>
+              <a:ext uri="{FF2B5EF4-FFF2-40B4-BE49-F238E27FC236}">
+                <a16:creationId xmlns:a16="http://schemas.microsoft.com/office/drawing/2014/main" id="{17E17A21-B2F6-1A99-5719-D537F834F40F}"/>
+              </a:ext>
+            </a:extLst>
+          </p:cNvPr>
+          <p:cNvPicPr>
+            <a:picLocks noChangeAspect="1"/>
+          </p:cNvPicPr>
+          <p:nvPr/>
+        </p:nvPicPr>
+        <p:blipFill>
+          <a:blip r:embed="rId8"/>
+          <a:stretch>
+            <a:fillRect/>
+          </a:stretch>
+        </p:blipFill>
+        <p:spPr>
+          <a:xfrm>
+            <a:off x="4349704" y="1907704"/>
+            <a:ext cx="1714739" cy="3229426"/>
+          </a:xfrm>
+          <a:prstGeom prst="rect">
+            <a:avLst/>
+          </a:prstGeom>
+        </p:spPr>
+      </p:pic>
+      <p:pic>
+        <p:nvPicPr>
+          <p:cNvPr id="20" name="Imagen 19">
+            <a:extLst>
+              <a:ext uri="{FF2B5EF4-FFF2-40B4-BE49-F238E27FC236}">
+                <a16:creationId xmlns:a16="http://schemas.microsoft.com/office/drawing/2014/main" id="{26C50FFA-42CE-0B5F-9D01-E7A045C2D9B5}"/>
+              </a:ext>
+            </a:extLst>
+          </p:cNvPr>
+          <p:cNvPicPr>
+            <a:picLocks noChangeAspect="1"/>
+          </p:cNvPicPr>
+          <p:nvPr/>
+        </p:nvPicPr>
+        <p:blipFill>
+          <a:blip r:embed="rId9"/>
+          <a:stretch>
+            <a:fillRect/>
+          </a:stretch>
+        </p:blipFill>
+        <p:spPr>
+          <a:xfrm>
+            <a:off x="3705852" y="5675457"/>
+            <a:ext cx="2902142" cy="1693651"/>
+          </a:xfrm>
+          <a:prstGeom prst="rect">
+            <a:avLst/>
+          </a:prstGeom>
+        </p:spPr>
+      </p:pic>
+    </p:spTree>
+    <p:extLst>
+      <p:ext uri="{BB962C8B-B14F-4D97-AF65-F5344CB8AC3E}">
+        <p14:creationId xmlns:p14="http://schemas.microsoft.com/office/powerpoint/2010/main" val="521576405"/>
+      </p:ext>
+    </p:extLst>
+  </p:cSld>
+  <p:clrMapOvr>
+    <a:masterClrMapping/>
+  </p:clrMapOvr>
+</p:sld>
+</file>
+
+<file path=ppt/slides/slide5.xml><?xml version="1.0" encoding="utf-8"?>
 <p:sld xmlns:a="http://schemas.openxmlformats.org/drawingml/2006/main" xmlns:r="http://schemas.openxmlformats.org/officeDocument/2006/relationships" xmlns:p="http://schemas.openxmlformats.org/presentationml/2006/main">
   <p:cSld>
     <p:spTree>
@@ -44947,7 +49606,7 @@
 </p:sld>
 </file>
 
-<file path=ppt/slides/slide5.xml><?xml version="1.0" encoding="utf-8"?>
+<file path=ppt/slides/slide6.xml><?xml version="1.0" encoding="utf-8"?>
 <p:sld xmlns:a="http://schemas.openxmlformats.org/drawingml/2006/main" xmlns:r="http://schemas.openxmlformats.org/officeDocument/2006/relationships" xmlns:p="http://schemas.openxmlformats.org/presentationml/2006/main">
   <p:cSld>
     <p:spTree>
@@ -45279,7 +49938,29 @@
           <a:bodyPr lIns="91435" tIns="45718" rIns="91435" bIns="45718" rtlCol="0" anchor="ctr"/>
           <a:lstStyle/>
           <a:p>
-            <a:endParaRPr lang="es-MX" dirty="0"/>
+            <a:r>
+              <a:rPr lang="es-MX" dirty="0" err="1">
+                <a:solidFill>
+                  <a:schemeClr val="tx1"/>
+                </a:solidFill>
+              </a:rPr>
+              <a:t>precioOriginal</a:t>
+            </a:r>
+            <a:r>
+              <a:rPr lang="es-MX" dirty="0">
+                <a:solidFill>
+                  <a:schemeClr val="tx1"/>
+                </a:solidFill>
+              </a:rPr>
+              <a:t> = 15115/(1-0.25)</a:t>
+            </a:r>
+          </a:p>
+          <a:p>
+            <a:endParaRPr lang="es-MX" dirty="0">
+              <a:solidFill>
+                <a:schemeClr val="tx1"/>
+              </a:solidFill>
+            </a:endParaRPr>
           </a:p>
         </p:txBody>
       </p:sp>
@@ -45365,7 +50046,22 @@
           <a:bodyPr lIns="91435" tIns="45718" rIns="91435" bIns="45718" rtlCol="0" anchor="ctr"/>
           <a:lstStyle/>
           <a:p>
-            <a:endParaRPr lang="es-MX" dirty="0"/>
+            <a:r>
+              <a:rPr lang="es-MX" dirty="0" err="1">
+                <a:solidFill>
+                  <a:schemeClr val="tx1"/>
+                </a:solidFill>
+              </a:rPr>
+              <a:t>precioOriginal</a:t>
+            </a:r>
+            <a:r>
+              <a:rPr lang="es-MX" dirty="0">
+                <a:solidFill>
+                  <a:schemeClr val="tx1"/>
+                </a:solidFill>
+              </a:rPr>
+              <a:t> </a:t>
+            </a:r>
           </a:p>
         </p:txBody>
       </p:sp>
@@ -45616,12 +50312,18 @@
 </p:sld>
 </file>
 
-<file path=ppt/slides/slide6.xml><?xml version="1.0" encoding="utf-8"?>
+<file path=ppt/slides/slide7.xml><?xml version="1.0" encoding="utf-8"?>
 <p:sld xmlns:a="http://schemas.openxmlformats.org/drawingml/2006/main" xmlns:r="http://schemas.openxmlformats.org/officeDocument/2006/relationships" xmlns:p="http://schemas.openxmlformats.org/presentationml/2006/main">
   <p:cSld>
     <p:spTree>
       <p:nvGrpSpPr>
-        <p:cNvPr id="1" name=""/>
+        <p:cNvPr id="1" name="">
+          <a:extLst>
+            <a:ext uri="{FF2B5EF4-FFF2-40B4-BE49-F238E27FC236}">
+              <a16:creationId xmlns:a16="http://schemas.microsoft.com/office/drawing/2014/main" id="{11129EB4-EDF1-3F06-50AC-889667986561}"/>
+            </a:ext>
+          </a:extLst>
+        </p:cNvPr>
         <p:cNvGrpSpPr/>
         <p:nvPr/>
       </p:nvGrpSpPr>
@@ -45635,17 +50337,18 @@
       </p:grpSpPr>
       <p:graphicFrame>
         <p:nvGraphicFramePr>
-          <p:cNvPr id="2" name="1 Marcador de contenido"/>
+          <p:cNvPr id="2" name="1 Marcador de contenido">
+            <a:extLst>
+              <a:ext uri="{FF2B5EF4-FFF2-40B4-BE49-F238E27FC236}">
+                <a16:creationId xmlns:a16="http://schemas.microsoft.com/office/drawing/2014/main" id="{730EC4FE-A681-97A9-078F-21B4A7410DBD}"/>
+              </a:ext>
+            </a:extLst>
+          </p:cNvPr>
           <p:cNvGraphicFramePr>
             <a:graphicFrameLocks noGrp="1"/>
           </p:cNvGraphicFramePr>
           <p:nvPr>
             <p:ph idx="1"/>
-            <p:extLst>
-              <p:ext uri="{D42A27DB-BD31-4B8C-83A1-F6EECF244321}">
-                <p14:modId xmlns:p14="http://schemas.microsoft.com/office/powerpoint/2010/main" val="2582742663"/>
-              </p:ext>
-            </p:extLst>
           </p:nvPr>
         </p:nvGraphicFramePr>
         <p:xfrm>
@@ -45660,7 +50363,13 @@
       </p:graphicFrame>
       <p:sp>
         <p:nvSpPr>
-          <p:cNvPr id="7" name="6 Título"/>
+          <p:cNvPr id="7" name="6 Título">
+            <a:extLst>
+              <a:ext uri="{FF2B5EF4-FFF2-40B4-BE49-F238E27FC236}">
+                <a16:creationId xmlns:a16="http://schemas.microsoft.com/office/drawing/2014/main" id="{2E106793-8CFF-87C3-5C8F-271CF807E7D9}"/>
+              </a:ext>
+            </a:extLst>
+          </p:cNvPr>
           <p:cNvSpPr>
             <a:spLocks noGrp="1"/>
           </p:cNvSpPr>
@@ -45700,52 +50409,13 @@
       </p:sp>
       <p:sp>
         <p:nvSpPr>
-          <p:cNvPr id="3" name="2 Rectángulo redondeado"/>
-          <p:cNvSpPr/>
-          <p:nvPr/>
-        </p:nvSpPr>
-        <p:spPr>
-          <a:xfrm>
-            <a:off x="269649" y="2171733"/>
-            <a:ext cx="2941358" cy="5472608"/>
-          </a:xfrm>
-          <a:prstGeom prst="roundRect">
-            <a:avLst/>
-          </a:prstGeom>
-          <a:effectLst>
-            <a:glow rad="228600">
-              <a:schemeClr val="accent5">
-                <a:satMod val="175000"/>
-                <a:alpha val="40000"/>
-              </a:schemeClr>
-            </a:glow>
-          </a:effectLst>
-        </p:spPr>
-        <p:style>
-          <a:lnRef idx="2">
-            <a:schemeClr val="accent5"/>
-          </a:lnRef>
-          <a:fillRef idx="1">
-            <a:schemeClr val="lt1"/>
-          </a:fillRef>
-          <a:effectRef idx="0">
-            <a:schemeClr val="accent5"/>
-          </a:effectRef>
-          <a:fontRef idx="minor">
-            <a:schemeClr val="dk1"/>
-          </a:fontRef>
-        </p:style>
-        <p:txBody>
-          <a:bodyPr lIns="91435" tIns="45718" rIns="91435" bIns="45718" rtlCol="0" anchor="t"/>
-          <a:lstStyle/>
-          <a:p>
-            <a:endParaRPr lang="es-MX" sz="1200" dirty="0"/>
-          </a:p>
-        </p:txBody>
-      </p:sp>
-      <p:sp>
-        <p:nvSpPr>
-          <p:cNvPr id="12" name="11 Rectángulo redondeado"/>
+          <p:cNvPr id="12" name="11 Rectángulo redondeado">
+            <a:extLst>
+              <a:ext uri="{FF2B5EF4-FFF2-40B4-BE49-F238E27FC236}">
+                <a16:creationId xmlns:a16="http://schemas.microsoft.com/office/drawing/2014/main" id="{758733D3-F9F4-84ED-5AD1-CB5AB50EB070}"/>
+              </a:ext>
+            </a:extLst>
+          </p:cNvPr>
           <p:cNvSpPr/>
           <p:nvPr/>
         </p:nvSpPr>
@@ -45794,7 +50464,13 @@
       </p:sp>
       <p:sp>
         <p:nvSpPr>
-          <p:cNvPr id="13" name="12 Rectángulo redondeado"/>
+          <p:cNvPr id="13" name="12 Rectángulo redondeado">
+            <a:extLst>
+              <a:ext uri="{FF2B5EF4-FFF2-40B4-BE49-F238E27FC236}">
+                <a16:creationId xmlns:a16="http://schemas.microsoft.com/office/drawing/2014/main" id="{845A8E6C-D6D7-06AA-56FE-485683420619}"/>
+              </a:ext>
+            </a:extLst>
+          </p:cNvPr>
           <p:cNvSpPr/>
           <p:nvPr/>
         </p:nvSpPr>
@@ -45843,7 +50519,13 @@
       </p:sp>
       <p:sp>
         <p:nvSpPr>
-          <p:cNvPr id="14" name="13 Rectángulo redondeado"/>
+          <p:cNvPr id="14" name="13 Rectángulo redondeado">
+            <a:extLst>
+              <a:ext uri="{FF2B5EF4-FFF2-40B4-BE49-F238E27FC236}">
+                <a16:creationId xmlns:a16="http://schemas.microsoft.com/office/drawing/2014/main" id="{D6A4FD5F-7C61-D834-D107-2D58AD108FF3}"/>
+              </a:ext>
+            </a:extLst>
+          </p:cNvPr>
           <p:cNvSpPr/>
           <p:nvPr/>
         </p:nvSpPr>
@@ -45888,7 +50570,13 @@
       </p:sp>
       <p:sp>
         <p:nvSpPr>
-          <p:cNvPr id="10" name="2 Marcador de texto"/>
+          <p:cNvPr id="10" name="2 Marcador de texto">
+            <a:extLst>
+              <a:ext uri="{FF2B5EF4-FFF2-40B4-BE49-F238E27FC236}">
+                <a16:creationId xmlns:a16="http://schemas.microsoft.com/office/drawing/2014/main" id="{04401DF3-E87D-0A7F-D9BC-53C99A8A24D5}"/>
+              </a:ext>
+            </a:extLst>
+          </p:cNvPr>
           <p:cNvSpPr txBox="1">
             <a:spLocks/>
           </p:cNvSpPr>
@@ -46070,7 +50758,13 @@
       </p:sp>
       <p:sp>
         <p:nvSpPr>
-          <p:cNvPr id="11" name="10 Elipse"/>
+          <p:cNvPr id="11" name="10 Elipse">
+            <a:extLst>
+              <a:ext uri="{FF2B5EF4-FFF2-40B4-BE49-F238E27FC236}">
+                <a16:creationId xmlns:a16="http://schemas.microsoft.com/office/drawing/2014/main" id="{734D0DFB-5333-0E90-C3C3-658528CD70D9}"/>
+              </a:ext>
+            </a:extLst>
+          </p:cNvPr>
           <p:cNvSpPr/>
           <p:nvPr/>
         </p:nvSpPr>
@@ -46120,10 +50814,170 @@
           </a:p>
         </p:txBody>
       </p:sp>
+      <p:pic>
+        <p:nvPicPr>
+          <p:cNvPr id="5" name="Imagen 4">
+            <a:extLst>
+              <a:ext uri="{FF2B5EF4-FFF2-40B4-BE49-F238E27FC236}">
+                <a16:creationId xmlns:a16="http://schemas.microsoft.com/office/drawing/2014/main" id="{8072AEA6-F9E5-357B-EBC2-74E71B4C3B38}"/>
+              </a:ext>
+            </a:extLst>
+          </p:cNvPr>
+          <p:cNvPicPr>
+            <a:picLocks noChangeAspect="1"/>
+          </p:cNvPicPr>
+          <p:nvPr/>
+        </p:nvPicPr>
+        <p:blipFill>
+          <a:blip r:embed="rId7"/>
+          <a:stretch>
+            <a:fillRect/>
+          </a:stretch>
+        </p:blipFill>
+        <p:spPr>
+          <a:xfrm>
+            <a:off x="3982935" y="2591023"/>
+            <a:ext cx="2686425" cy="2686425"/>
+          </a:xfrm>
+          <a:prstGeom prst="rect">
+            <a:avLst/>
+          </a:prstGeom>
+        </p:spPr>
+      </p:pic>
+      <p:pic>
+        <p:nvPicPr>
+          <p:cNvPr id="8" name="Imagen 7">
+            <a:extLst>
+              <a:ext uri="{FF2B5EF4-FFF2-40B4-BE49-F238E27FC236}">
+                <a16:creationId xmlns:a16="http://schemas.microsoft.com/office/drawing/2014/main" id="{5F0347B4-2523-F761-9645-9ABB219DE944}"/>
+              </a:ext>
+            </a:extLst>
+          </p:cNvPr>
+          <p:cNvPicPr>
+            <a:picLocks noChangeAspect="1"/>
+          </p:cNvPicPr>
+          <p:nvPr/>
+        </p:nvPicPr>
+        <p:blipFill>
+          <a:blip r:embed="rId8"/>
+          <a:stretch>
+            <a:fillRect/>
+          </a:stretch>
+        </p:blipFill>
+        <p:spPr>
+          <a:xfrm>
+            <a:off x="3711758" y="5631626"/>
+            <a:ext cx="2894849" cy="1112046"/>
+          </a:xfrm>
+          <a:prstGeom prst="rect">
+            <a:avLst/>
+          </a:prstGeom>
+        </p:spPr>
+      </p:pic>
+      <p:sp>
+        <p:nvSpPr>
+          <p:cNvPr id="15" name="2 Rectángulo redondeado">
+            <a:extLst>
+              <a:ext uri="{FF2B5EF4-FFF2-40B4-BE49-F238E27FC236}">
+                <a16:creationId xmlns:a16="http://schemas.microsoft.com/office/drawing/2014/main" id="{41074A77-64C2-635E-BFC1-F61E0B5EA3FE}"/>
+              </a:ext>
+            </a:extLst>
+          </p:cNvPr>
+          <p:cNvSpPr/>
+          <p:nvPr/>
+        </p:nvSpPr>
+        <p:spPr>
+          <a:xfrm>
+            <a:off x="269649" y="2171734"/>
+            <a:ext cx="3024336" cy="5472608"/>
+          </a:xfrm>
+          <a:prstGeom prst="roundRect">
+            <a:avLst/>
+          </a:prstGeom>
+          <a:effectLst>
+            <a:glow rad="228600">
+              <a:schemeClr val="accent5">
+                <a:satMod val="175000"/>
+                <a:alpha val="40000"/>
+              </a:schemeClr>
+            </a:glow>
+          </a:effectLst>
+        </p:spPr>
+        <p:style>
+          <a:lnRef idx="2">
+            <a:schemeClr val="accent5"/>
+          </a:lnRef>
+          <a:fillRef idx="1">
+            <a:schemeClr val="lt1"/>
+          </a:fillRef>
+          <a:effectRef idx="0">
+            <a:schemeClr val="accent5"/>
+          </a:effectRef>
+          <a:fontRef idx="minor">
+            <a:schemeClr val="dk1"/>
+          </a:fontRef>
+        </p:style>
+        <p:txBody>
+          <a:bodyPr lIns="91435" tIns="45718" rIns="91435" bIns="45718" rtlCol="0" anchor="t"/>
+          <a:lstStyle/>
+          <a:p>
+            <a:r>
+              <a:rPr lang="es-MX" sz="1200" dirty="0"/>
+              <a:t>Inicio</a:t>
+            </a:r>
+          </a:p>
+          <a:p>
+            <a:r>
+              <a:rPr lang="es-MX" sz="1200" dirty="0"/>
+              <a:t>     Imprime "Por la Laptop que tenia un descuento del 25 porciento se terminaron pagando $15115 pesos. Que precio tenia originalmente?“</a:t>
+            </a:r>
+          </a:p>
+          <a:p>
+            <a:r>
+              <a:rPr lang="es-MX" sz="1200" dirty="0"/>
+              <a:t>     Proceso:</a:t>
+            </a:r>
+          </a:p>
+          <a:p>
+            <a:r>
+              <a:rPr lang="es-MX" sz="1200" dirty="0"/>
+              <a:t>     </a:t>
+            </a:r>
+            <a:r>
+              <a:rPr lang="es-MX" sz="1200" dirty="0" err="1"/>
+              <a:t>precioOriginal</a:t>
+            </a:r>
+            <a:r>
+              <a:rPr lang="es-MX" sz="1200" dirty="0"/>
+              <a:t> = 15115/(1-0.25)</a:t>
+            </a:r>
+          </a:p>
+          <a:p>
+            <a:r>
+              <a:rPr lang="es-MX" sz="1200" dirty="0"/>
+              <a:t>     Imprime "El precio original de la Laptop es de “ + </a:t>
+            </a:r>
+            <a:r>
+              <a:rPr lang="es-MX" sz="1200" dirty="0" err="1"/>
+              <a:t>precioOriginal</a:t>
+            </a:r>
+            <a:r>
+              <a:rPr lang="es-MX" sz="1200" dirty="0"/>
+              <a:t> +”pesos”</a:t>
+            </a:r>
+          </a:p>
+          <a:p>
+            <a:r>
+              <a:rPr lang="es-MX" sz="1200" dirty="0"/>
+              <a:t>Fin </a:t>
+            </a:r>
+          </a:p>
+        </p:txBody>
+      </p:sp>
     </p:spTree>
     <p:extLst>
       <p:ext uri="{BB962C8B-B14F-4D97-AF65-F5344CB8AC3E}">
-        <p14:creationId xmlns:p14="http://schemas.microsoft.com/office/powerpoint/2010/main" val="2515154602"/>
+        <p14:creationId xmlns:p14="http://schemas.microsoft.com/office/powerpoint/2010/main" val="4023880134"/>
       </p:ext>
     </p:extLst>
   </p:cSld>
@@ -46133,7 +50987,7 @@
 </p:sld>
 </file>
 
-<file path=ppt/slides/slide7.xml><?xml version="1.0" encoding="utf-8"?>
+<file path=ppt/slides/slide8.xml><?xml version="1.0" encoding="utf-8"?>
 <p:sld xmlns:a="http://schemas.openxmlformats.org/drawingml/2006/main" xmlns:r="http://schemas.openxmlformats.org/officeDocument/2006/relationships" xmlns:p="http://schemas.openxmlformats.org/presentationml/2006/main">
   <p:cSld>
     <p:spTree>
@@ -46223,8 +51077,8 @@
         </p:nvSpPr>
         <p:spPr>
           <a:xfrm>
-            <a:off x="368659" y="1403648"/>
-            <a:ext cx="2985801" cy="6624736"/>
+            <a:off x="116633" y="1231952"/>
+            <a:ext cx="6624736" cy="6796432"/>
           </a:xfrm>
           <a:prstGeom prst="roundRect">
             <a:avLst/>
@@ -46255,6 +51109,150 @@
         <p:txBody>
           <a:bodyPr lIns="91435" tIns="45718" rIns="91435" bIns="45718" rtlCol="0" anchor="t"/>
           <a:lstStyle/>
+          <a:p>
+            <a:r>
+              <a:rPr lang="es-MX" sz="1200" dirty="0"/>
+              <a:t>#include &lt;</a:t>
+            </a:r>
+            <a:r>
+              <a:rPr lang="es-MX" sz="1200" dirty="0" err="1"/>
+              <a:t>stdio.h</a:t>
+            </a:r>
+            <a:r>
+              <a:rPr lang="es-MX" sz="1200" dirty="0"/>
+              <a:t>&gt;</a:t>
+            </a:r>
+          </a:p>
+          <a:p>
+            <a:r>
+              <a:rPr lang="es-MX" sz="1200" dirty="0"/>
+              <a:t>#include &lt;</a:t>
+            </a:r>
+            <a:r>
+              <a:rPr lang="es-MX" sz="1200" dirty="0" err="1"/>
+              <a:t>process.h</a:t>
+            </a:r>
+            <a:r>
+              <a:rPr lang="es-MX" sz="1200" dirty="0"/>
+              <a:t>&gt;</a:t>
+            </a:r>
+          </a:p>
+          <a:p>
+            <a:endParaRPr lang="es-MX" sz="1200" dirty="0"/>
+          </a:p>
+          <a:p>
+            <a:r>
+              <a:rPr lang="es-MX" sz="1200" dirty="0" err="1"/>
+              <a:t>void</a:t>
+            </a:r>
+            <a:r>
+              <a:rPr lang="es-MX" sz="1200" dirty="0"/>
+              <a:t> </a:t>
+            </a:r>
+            <a:r>
+              <a:rPr lang="es-MX" sz="1200" dirty="0" err="1"/>
+              <a:t>main</a:t>
+            </a:r>
+            <a:r>
+              <a:rPr lang="es-MX" sz="1200" dirty="0"/>
+              <a:t>() {</a:t>
+            </a:r>
+          </a:p>
+          <a:p>
+            <a:endParaRPr lang="es-MX" sz="1200" dirty="0"/>
+          </a:p>
+          <a:p>
+            <a:r>
+              <a:rPr lang="es-MX" sz="1200" dirty="0"/>
+              <a:t>    </a:t>
+            </a:r>
+            <a:r>
+              <a:rPr lang="es-MX" sz="1200" dirty="0" err="1"/>
+              <a:t>float</a:t>
+            </a:r>
+            <a:r>
+              <a:rPr lang="es-MX" sz="1200" dirty="0"/>
+              <a:t> </a:t>
+            </a:r>
+            <a:r>
+              <a:rPr lang="es-MX" sz="1200" dirty="0" err="1"/>
+              <a:t>precioOriginal</a:t>
+            </a:r>
+            <a:r>
+              <a:rPr lang="es-MX" sz="1200" dirty="0"/>
+              <a:t>;</a:t>
+            </a:r>
+          </a:p>
+          <a:p>
+            <a:r>
+              <a:rPr lang="es-MX" sz="1200" dirty="0"/>
+              <a:t>    </a:t>
+            </a:r>
+            <a:r>
+              <a:rPr lang="es-MX" sz="1200" dirty="0" err="1"/>
+              <a:t>printf</a:t>
+            </a:r>
+            <a:r>
+              <a:rPr lang="es-MX" sz="1200" dirty="0"/>
+              <a:t>("Por la Laptop que tenia un descuento del 25 porciento se terminaron pagando $15115 pesos. Que precio tenia originalmente?\n");</a:t>
+            </a:r>
+          </a:p>
+          <a:p>
+            <a:r>
+              <a:rPr lang="es-MX" sz="1200" dirty="0"/>
+              <a:t>    </a:t>
+            </a:r>
+            <a:r>
+              <a:rPr lang="es-MX" sz="1200" dirty="0" err="1"/>
+              <a:t>precioOriginal</a:t>
+            </a:r>
+            <a:r>
+              <a:rPr lang="es-MX" sz="1200" dirty="0"/>
+              <a:t> = 15115/(1-0.25);</a:t>
+            </a:r>
+          </a:p>
+          <a:p>
+            <a:r>
+              <a:rPr lang="es-MX" sz="1200" dirty="0"/>
+              <a:t>    </a:t>
+            </a:r>
+            <a:r>
+              <a:rPr lang="es-MX" sz="1200" dirty="0" err="1"/>
+              <a:t>printf</a:t>
+            </a:r>
+            <a:r>
+              <a:rPr lang="es-MX" sz="1200" dirty="0"/>
+              <a:t>("El precio original de la Laptop es de %.2f pesos\n",</a:t>
+            </a:r>
+            <a:r>
+              <a:rPr lang="es-MX" sz="1200" dirty="0" err="1"/>
+              <a:t>precioOriginal</a:t>
+            </a:r>
+            <a:r>
+              <a:rPr lang="es-MX" sz="1200" dirty="0"/>
+              <a:t>);</a:t>
+            </a:r>
+          </a:p>
+          <a:p>
+            <a:r>
+              <a:rPr lang="es-MX" sz="1200" dirty="0"/>
+              <a:t>    </a:t>
+            </a:r>
+            <a:r>
+              <a:rPr lang="es-MX" sz="1200" dirty="0" err="1"/>
+              <a:t>system</a:t>
+            </a:r>
+            <a:r>
+              <a:rPr lang="es-MX" sz="1200" dirty="0"/>
+              <a:t>("PAUSE");</a:t>
+            </a:r>
+          </a:p>
+          <a:p>
+            <a:r>
+              <a:rPr lang="es-MX" sz="1200" dirty="0"/>
+              <a:t>}</a:t>
+            </a:r>
+          </a:p>
           <a:p>
             <a:endParaRPr lang="es-MX" sz="1200" dirty="0"/>
           </a:p>
@@ -46494,51 +51492,36 @@
           </a:p>
         </p:txBody>
       </p:sp>
-      <p:sp>
-        <p:nvSpPr>
-          <p:cNvPr id="14" name="13 Rectángulo redondeado"/>
-          <p:cNvSpPr/>
+      <p:pic>
+        <p:nvPicPr>
+          <p:cNvPr id="6" name="Imagen 5">
+            <a:extLst>
+              <a:ext uri="{FF2B5EF4-FFF2-40B4-BE49-F238E27FC236}">
+                <a16:creationId xmlns:a16="http://schemas.microsoft.com/office/drawing/2014/main" id="{CC744E97-433C-35E9-C34C-01F5ED97A8C4}"/>
+              </a:ext>
+            </a:extLst>
+          </p:cNvPr>
+          <p:cNvPicPr>
+            <a:picLocks noChangeAspect="1"/>
+          </p:cNvPicPr>
           <p:nvPr/>
-        </p:nvSpPr>
+        </p:nvPicPr>
+        <p:blipFill>
+          <a:blip r:embed="rId7"/>
+          <a:stretch>
+            <a:fillRect/>
+          </a:stretch>
+        </p:blipFill>
         <p:spPr>
           <a:xfrm>
-            <a:off x="3645024" y="1403648"/>
-            <a:ext cx="2952328" cy="6624736"/>
+            <a:off x="342900" y="4269763"/>
+            <a:ext cx="6172200" cy="929806"/>
           </a:xfrm>
-          <a:prstGeom prst="roundRect">
+          <a:prstGeom prst="rect">
             <a:avLst/>
           </a:prstGeom>
-          <a:effectLst>
-            <a:glow rad="228600">
-              <a:schemeClr val="accent4">
-                <a:satMod val="175000"/>
-                <a:alpha val="40000"/>
-              </a:schemeClr>
-            </a:glow>
-          </a:effectLst>
         </p:spPr>
-        <p:style>
-          <a:lnRef idx="2">
-            <a:schemeClr val="accent4"/>
-          </a:lnRef>
-          <a:fillRef idx="1">
-            <a:schemeClr val="lt1"/>
-          </a:fillRef>
-          <a:effectRef idx="0">
-            <a:schemeClr val="accent4"/>
-          </a:effectRef>
-          <a:fontRef idx="minor">
-            <a:schemeClr val="dk1"/>
-          </a:fontRef>
-        </p:style>
-        <p:txBody>
-          <a:bodyPr lIns="91435" tIns="45718" rIns="91435" bIns="45718" rtlCol="0" anchor="t"/>
-          <a:lstStyle/>
-          <a:p>
-            <a:endParaRPr lang="es-MX" sz="1200" dirty="0"/>
-          </a:p>
-        </p:txBody>
-      </p:sp>
+      </p:pic>
     </p:spTree>
     <p:extLst>
       <p:ext uri="{BB962C8B-B14F-4D97-AF65-F5344CB8AC3E}">
@@ -46552,7 +51535,7 @@
 </p:sld>
 </file>
 
-<file path=ppt/slides/slide8.xml><?xml version="1.0" encoding="utf-8"?>
+<file path=ppt/slides/slide9.xml><?xml version="1.0" encoding="utf-8"?>
 <p:sld xmlns:a="http://schemas.openxmlformats.org/drawingml/2006/main" xmlns:r="http://schemas.openxmlformats.org/officeDocument/2006/relationships" xmlns:p="http://schemas.openxmlformats.org/presentationml/2006/main">
   <p:cSld>
     <p:spTree>
@@ -46754,7 +51737,14 @@
           <a:bodyPr lIns="91435" tIns="45718" rIns="91435" bIns="45718" rtlCol="0" anchor="ctr"/>
           <a:lstStyle/>
           <a:p>
-            <a:endParaRPr lang="es-MX" dirty="0"/>
+            <a:r>
+              <a:rPr lang="es-MX" dirty="0">
+                <a:solidFill>
+                  <a:schemeClr val="tx1"/>
+                </a:solidFill>
+              </a:rPr>
+              <a:t>m1,m2,distance</a:t>
+            </a:r>
           </a:p>
         </p:txBody>
       </p:sp>
@@ -46926,7 +51916,14 @@
           <a:bodyPr lIns="91435" tIns="45718" rIns="91435" bIns="45718" rtlCol="0" anchor="ctr"/>
           <a:lstStyle/>
           <a:p>
-            <a:endParaRPr lang="es-MX" dirty="0"/>
+            <a:r>
+              <a:rPr lang="es-MX" dirty="0">
+                <a:solidFill>
+                  <a:schemeClr val="tx1"/>
+                </a:solidFill>
+              </a:rPr>
+              <a:t>fuerza</a:t>
+            </a:r>
           </a:p>
         </p:txBody>
       </p:sp>
@@ -47983,527 +52980,224 @@
           </a:p>
         </p:txBody>
       </p:sp>
+      <mc:AlternateContent xmlns:mc="http://schemas.openxmlformats.org/markup-compatibility/2006" xmlns:a14="http://schemas.microsoft.com/office/drawing/2010/main">
+        <mc:Choice Requires="a14">
+          <p:sp>
+            <p:nvSpPr>
+              <p:cNvPr id="17" name="13 Objeto">
+                <a:extLst>
+                  <a:ext uri="{FF2B5EF4-FFF2-40B4-BE49-F238E27FC236}">
+                    <a16:creationId xmlns:a16="http://schemas.microsoft.com/office/drawing/2014/main" id="{C22CB480-3DA3-2802-82F4-1A5C4B912592}"/>
+                  </a:ext>
+                </a:extLst>
+              </p:cNvPr>
+              <p:cNvSpPr txBox="1"/>
+              <p:nvPr/>
+            </p:nvSpPr>
+            <p:spPr bwMode="auto">
+              <a:xfrm>
+                <a:off x="2027298" y="5692383"/>
+                <a:ext cx="2409814" cy="665204"/>
+              </a:xfrm>
+              <a:prstGeom prst="rect">
+                <a:avLst/>
+              </a:prstGeom>
+              <a:noFill/>
+            </p:spPr>
+            <p:txBody>
+              <a:bodyPr>
+                <a:normAutofit/>
+              </a:bodyPr>
+              <a:lstStyle/>
+              <a:p>
+                <a:r>
+                  <a:rPr lang="es-MX" dirty="0">
+                    <a:solidFill>
+                      <a:srgbClr val="000000"/>
+                    </a:solidFill>
+                  </a:rPr>
+                  <a:t>fuerza</a:t>
+                </a:r>
+                <a14:m>
+                  <m:oMath xmlns:m="http://schemas.openxmlformats.org/officeDocument/2006/math">
+                    <m:r>
+                      <a:rPr lang="es-MX" i="1" smtClean="0">
+                        <a:solidFill>
+                          <a:srgbClr val="000000"/>
+                        </a:solidFill>
+                        <a:latin typeface="Cambria Math" panose="02040503050406030204" pitchFamily="18" charset="0"/>
+                      </a:rPr>
+                      <m:t>=</m:t>
+                    </m:r>
+                    <m:f>
+                      <m:fPr>
+                        <m:ctrlPr>
+                          <a:rPr lang="es-MX" i="1">
+                            <a:solidFill>
+                              <a:srgbClr val="000000"/>
+                            </a:solidFill>
+                            <a:latin typeface="Cambria Math" panose="02040503050406030204" pitchFamily="18" charset="0"/>
+                          </a:rPr>
+                        </m:ctrlPr>
+                      </m:fPr>
+                      <m:num>
+                        <m:r>
+                          <a:rPr lang="es-MX" b="0" i="1" smtClean="0">
+                            <a:solidFill>
+                              <a:srgbClr val="000000"/>
+                            </a:solidFill>
+                            <a:latin typeface="Cambria Math" panose="02040503050406030204" pitchFamily="18" charset="0"/>
+                          </a:rPr>
+                          <m:t>𝑔𝑟𝑎𝑣𝑖𝑡𝑦</m:t>
+                        </m:r>
+                        <m:r>
+                          <a:rPr lang="es-MX" i="1">
+                            <a:solidFill>
+                              <a:srgbClr val="000000"/>
+                            </a:solidFill>
+                            <a:latin typeface="Cambria Math" panose="02040503050406030204" pitchFamily="18" charset="0"/>
+                          </a:rPr>
+                          <m:t>∗</m:t>
+                        </m:r>
+                        <m:r>
+                          <a:rPr lang="es-MX" b="0" i="1" smtClean="0">
+                            <a:solidFill>
+                              <a:srgbClr val="000000"/>
+                            </a:solidFill>
+                            <a:latin typeface="Cambria Math" panose="02040503050406030204" pitchFamily="18" charset="0"/>
+                          </a:rPr>
+                          <m:t>𝑚</m:t>
+                        </m:r>
+                        <m:r>
+                          <a:rPr lang="es-MX" b="0" i="1" smtClean="0">
+                            <a:solidFill>
+                              <a:srgbClr val="000000"/>
+                            </a:solidFill>
+                            <a:latin typeface="Cambria Math" panose="02040503050406030204" pitchFamily="18" charset="0"/>
+                          </a:rPr>
+                          <m:t>1∗</m:t>
+                        </m:r>
+                        <m:r>
+                          <a:rPr lang="es-MX" b="0" i="1" smtClean="0">
+                            <a:solidFill>
+                              <a:srgbClr val="000000"/>
+                            </a:solidFill>
+                            <a:latin typeface="Cambria Math" panose="02040503050406030204" pitchFamily="18" charset="0"/>
+                          </a:rPr>
+                          <m:t>𝑚</m:t>
+                        </m:r>
+                        <m:r>
+                          <a:rPr lang="es-MX" b="0" i="1" smtClean="0">
+                            <a:solidFill>
+                              <a:srgbClr val="000000"/>
+                            </a:solidFill>
+                            <a:latin typeface="Cambria Math" panose="02040503050406030204" pitchFamily="18" charset="0"/>
+                          </a:rPr>
+                          <m:t>2</m:t>
+                        </m:r>
+                      </m:num>
+                      <m:den>
+                        <m:sSup>
+                          <m:sSupPr>
+                            <m:ctrlPr>
+                              <a:rPr lang="es-MX" i="1">
+                                <a:solidFill>
+                                  <a:srgbClr val="000000"/>
+                                </a:solidFill>
+                                <a:latin typeface="Cambria Math" panose="02040503050406030204" pitchFamily="18" charset="0"/>
+                              </a:rPr>
+                            </m:ctrlPr>
+                          </m:sSupPr>
+                          <m:e>
+                            <m:r>
+                              <a:rPr lang="es-MX" i="1">
+                                <a:solidFill>
+                                  <a:srgbClr val="000000"/>
+                                </a:solidFill>
+                                <a:latin typeface="Cambria Math" panose="02040503050406030204" pitchFamily="18" charset="0"/>
+                              </a:rPr>
+                              <m:t>𝑑</m:t>
+                            </m:r>
+                            <m:r>
+                              <a:rPr lang="es-MX" b="0" i="1" smtClean="0">
+                                <a:solidFill>
+                                  <a:srgbClr val="000000"/>
+                                </a:solidFill>
+                                <a:latin typeface="Cambria Math" panose="02040503050406030204" pitchFamily="18" charset="0"/>
+                              </a:rPr>
+                              <m:t>𝑖𝑠𝑡𝑎𝑛𝑐𝑒</m:t>
+                            </m:r>
+                          </m:e>
+                          <m:sup>
+                            <m:r>
+                              <a:rPr lang="es-MX" i="1">
+                                <a:solidFill>
+                                  <a:srgbClr val="000000"/>
+                                </a:solidFill>
+                                <a:latin typeface="Cambria Math" panose="02040503050406030204" pitchFamily="18" charset="0"/>
+                              </a:rPr>
+                              <m:t>2</m:t>
+                            </m:r>
+                          </m:sup>
+                        </m:sSup>
+                      </m:den>
+                    </m:f>
+                  </m:oMath>
+                </a14:m>
+                <a:endParaRPr lang="es-MX" dirty="0"/>
+              </a:p>
+            </p:txBody>
+          </p:sp>
+        </mc:Choice>
+        <mc:Fallback xmlns="">
+          <p:sp>
+            <p:nvSpPr>
+              <p:cNvPr id="17" name="13 Objeto">
+                <a:extLst>
+                  <a:ext uri="{FF2B5EF4-FFF2-40B4-BE49-F238E27FC236}">
+                    <a16:creationId xmlns:a16="http://schemas.microsoft.com/office/drawing/2014/main" id="{C22CB480-3DA3-2802-82F4-1A5C4B912592}"/>
+                  </a:ext>
+                </a:extLst>
+              </p:cNvPr>
+              <p:cNvSpPr txBox="1">
+                <a:spLocks noRot="1" noChangeAspect="1" noMove="1" noResize="1" noEditPoints="1" noAdjustHandles="1" noChangeArrowheads="1" noChangeShapeType="1" noTextEdit="1"/>
+              </p:cNvSpPr>
+              <p:nvPr/>
+            </p:nvSpPr>
+            <p:spPr bwMode="auto">
+              <a:xfrm>
+                <a:off x="2027298" y="5692383"/>
+                <a:ext cx="2409814" cy="665204"/>
+              </a:xfrm>
+              <a:prstGeom prst="rect">
+                <a:avLst/>
+              </a:prstGeom>
+              <a:blipFill>
+                <a:blip r:embed="rId9"/>
+                <a:stretch>
+                  <a:fillRect l="-2278"/>
+                </a:stretch>
+              </a:blipFill>
+            </p:spPr>
+            <p:txBody>
+              <a:bodyPr/>
+              <a:lstStyle/>
+              <a:p>
+                <a:r>
+                  <a:rPr lang="es-MX">
+                    <a:noFill/>
+                  </a:rPr>
+                  <a:t> </a:t>
+                </a:r>
+              </a:p>
+            </p:txBody>
+          </p:sp>
+        </mc:Fallback>
+      </mc:AlternateContent>
     </p:spTree>
     <p:extLst>
       <p:ext uri="{BB962C8B-B14F-4D97-AF65-F5344CB8AC3E}">
         <p14:creationId xmlns:p14="http://schemas.microsoft.com/office/powerpoint/2010/main" val="1499740753"/>
-      </p:ext>
-    </p:extLst>
-  </p:cSld>
-  <p:clrMapOvr>
-    <a:masterClrMapping/>
-  </p:clrMapOvr>
-</p:sld>
-</file>
-
-<file path=ppt/slides/slide9.xml><?xml version="1.0" encoding="utf-8"?>
-<p:sld xmlns:a="http://schemas.openxmlformats.org/drawingml/2006/main" xmlns:r="http://schemas.openxmlformats.org/officeDocument/2006/relationships" xmlns:p="http://schemas.openxmlformats.org/presentationml/2006/main">
-  <p:cSld>
-    <p:spTree>
-      <p:nvGrpSpPr>
-        <p:cNvPr id="1" name=""/>
-        <p:cNvGrpSpPr/>
-        <p:nvPr/>
-      </p:nvGrpSpPr>
-      <p:grpSpPr>
-        <a:xfrm>
-          <a:off x="0" y="0"/>
-          <a:ext cx="0" cy="0"/>
-          <a:chOff x="0" y="0"/>
-          <a:chExt cx="0" cy="0"/>
-        </a:xfrm>
-      </p:grpSpPr>
-      <p:graphicFrame>
-        <p:nvGraphicFramePr>
-          <p:cNvPr id="2" name="1 Marcador de contenido"/>
-          <p:cNvGraphicFramePr>
-            <a:graphicFrameLocks noGrp="1"/>
-          </p:cNvGraphicFramePr>
-          <p:nvPr>
-            <p:ph idx="1"/>
-            <p:extLst>
-              <p:ext uri="{D42A27DB-BD31-4B8C-83A1-F6EECF244321}">
-                <p14:modId xmlns:p14="http://schemas.microsoft.com/office/powerpoint/2010/main" val="2582742663"/>
-              </p:ext>
-            </p:extLst>
-          </p:nvPr>
-        </p:nvGraphicFramePr>
-        <p:xfrm>
-          <a:off x="351235" y="1788584"/>
-          <a:ext cx="6172200" cy="6034616"/>
-        </p:xfrm>
-        <a:graphic>
-          <a:graphicData uri="http://schemas.openxmlformats.org/drawingml/2006/diagram">
-            <dgm:relIds xmlns:dgm="http://schemas.openxmlformats.org/drawingml/2006/diagram" xmlns:r="http://schemas.openxmlformats.org/officeDocument/2006/relationships" r:dm="rId2" r:lo="rId3" r:qs="rId4" r:cs="rId5"/>
-          </a:graphicData>
-        </a:graphic>
-      </p:graphicFrame>
-      <p:sp>
-        <p:nvSpPr>
-          <p:cNvPr id="7" name="6 Título"/>
-          <p:cNvSpPr>
-            <a:spLocks noGrp="1"/>
-          </p:cNvSpPr>
-          <p:nvPr>
-            <p:ph type="title"/>
-          </p:nvPr>
-        </p:nvSpPr>
-        <p:spPr>
-          <a:xfrm>
-            <a:off x="1710190" y="59499"/>
-            <a:ext cx="5535234" cy="864096"/>
-          </a:xfrm>
-        </p:spPr>
-        <p:txBody>
-          <a:bodyPr>
-            <a:normAutofit/>
-          </a:bodyPr>
-          <a:lstStyle/>
-          <a:p>
-            <a:r>
-              <a:rPr lang="es-MX" sz="2200" b="1" dirty="0">
-                <a:solidFill>
-                  <a:schemeClr val="bg1"/>
-                </a:solidFill>
-                <a:effectLst>
-                  <a:outerShdw blurRad="38100" dist="38100" dir="2700000" algn="tl">
-                    <a:srgbClr val="000000">
-                      <a:alpha val="43137"/>
-                    </a:srgbClr>
-                  </a:outerShdw>
-                </a:effectLst>
-              </a:rPr>
-              <a:t>Algoritmo y Diagrama de Flujo</a:t>
-            </a:r>
-          </a:p>
-        </p:txBody>
-      </p:sp>
-      <p:sp>
-        <p:nvSpPr>
-          <p:cNvPr id="3" name="2 Rectángulo redondeado"/>
-          <p:cNvSpPr/>
-          <p:nvPr/>
-        </p:nvSpPr>
-        <p:spPr>
-          <a:xfrm>
-            <a:off x="269649" y="2171733"/>
-            <a:ext cx="2941358" cy="5472608"/>
-          </a:xfrm>
-          <a:prstGeom prst="roundRect">
-            <a:avLst/>
-          </a:prstGeom>
-          <a:effectLst>
-            <a:glow rad="228600">
-              <a:schemeClr val="accent5">
-                <a:satMod val="175000"/>
-                <a:alpha val="40000"/>
-              </a:schemeClr>
-            </a:glow>
-          </a:effectLst>
-        </p:spPr>
-        <p:style>
-          <a:lnRef idx="2">
-            <a:schemeClr val="accent5"/>
-          </a:lnRef>
-          <a:fillRef idx="1">
-            <a:schemeClr val="lt1"/>
-          </a:fillRef>
-          <a:effectRef idx="0">
-            <a:schemeClr val="accent5"/>
-          </a:effectRef>
-          <a:fontRef idx="minor">
-            <a:schemeClr val="dk1"/>
-          </a:fontRef>
-        </p:style>
-        <p:txBody>
-          <a:bodyPr lIns="91435" tIns="45718" rIns="91435" bIns="45718" rtlCol="0" anchor="t"/>
-          <a:lstStyle/>
-          <a:p>
-            <a:endParaRPr lang="es-MX" sz="1200" dirty="0"/>
-          </a:p>
-        </p:txBody>
-      </p:sp>
-      <p:sp>
-        <p:nvSpPr>
-          <p:cNvPr id="12" name="11 Rectángulo redondeado"/>
-          <p:cNvSpPr/>
-          <p:nvPr/>
-        </p:nvSpPr>
-        <p:spPr>
-          <a:xfrm>
-            <a:off x="415632" y="1381590"/>
-            <a:ext cx="2795374" cy="576064"/>
-          </a:xfrm>
-          <a:prstGeom prst="roundRect">
-            <a:avLst/>
-          </a:prstGeom>
-        </p:spPr>
-        <p:style>
-          <a:lnRef idx="0">
-            <a:schemeClr val="accent2"/>
-          </a:lnRef>
-          <a:fillRef idx="3">
-            <a:schemeClr val="accent2"/>
-          </a:fillRef>
-          <a:effectRef idx="3">
-            <a:schemeClr val="accent2"/>
-          </a:effectRef>
-          <a:fontRef idx="minor">
-            <a:schemeClr val="lt1"/>
-          </a:fontRef>
-        </p:style>
-        <p:txBody>
-          <a:bodyPr lIns="91435" tIns="45718" rIns="91435" bIns="45718" rtlCol="0" anchor="ctr"/>
-          <a:lstStyle/>
-          <a:p>
-            <a:pPr algn="ctr"/>
-            <a:r>
-              <a:rPr lang="es-MX" dirty="0">
-                <a:effectLst>
-                  <a:outerShdw blurRad="38100" dist="38100" dir="2700000" algn="tl">
-                    <a:srgbClr val="000000">
-                      <a:alpha val="43137"/>
-                    </a:srgbClr>
-                  </a:outerShdw>
-                </a:effectLst>
-              </a:rPr>
-              <a:t>Algoritmo</a:t>
-            </a:r>
-          </a:p>
-        </p:txBody>
-      </p:sp>
-      <p:sp>
-        <p:nvSpPr>
-          <p:cNvPr id="13" name="12 Rectángulo redondeado"/>
-          <p:cNvSpPr/>
-          <p:nvPr/>
-        </p:nvSpPr>
-        <p:spPr>
-          <a:xfrm>
-            <a:off x="3879044" y="1317163"/>
-            <a:ext cx="2790316" cy="576064"/>
-          </a:xfrm>
-          <a:prstGeom prst="roundRect">
-            <a:avLst/>
-          </a:prstGeom>
-        </p:spPr>
-        <p:style>
-          <a:lnRef idx="0">
-            <a:schemeClr val="accent2"/>
-          </a:lnRef>
-          <a:fillRef idx="3">
-            <a:schemeClr val="accent2"/>
-          </a:fillRef>
-          <a:effectRef idx="3">
-            <a:schemeClr val="accent2"/>
-          </a:effectRef>
-          <a:fontRef idx="minor">
-            <a:schemeClr val="lt1"/>
-          </a:fontRef>
-        </p:style>
-        <p:txBody>
-          <a:bodyPr lIns="91435" tIns="45718" rIns="91435" bIns="45718" rtlCol="0" anchor="ctr"/>
-          <a:lstStyle/>
-          <a:p>
-            <a:pPr algn="ctr"/>
-            <a:r>
-              <a:rPr lang="es-MX" dirty="0">
-                <a:effectLst>
-                  <a:outerShdw blurRad="38100" dist="38100" dir="2700000" algn="tl">
-                    <a:srgbClr val="000000">
-                      <a:alpha val="43137"/>
-                    </a:srgbClr>
-                  </a:outerShdw>
-                </a:effectLst>
-              </a:rPr>
-              <a:t>Diagrama de Flujo</a:t>
-            </a:r>
-          </a:p>
-        </p:txBody>
-      </p:sp>
-      <p:sp>
-        <p:nvSpPr>
-          <p:cNvPr id="14" name="13 Rectángulo redondeado"/>
-          <p:cNvSpPr/>
-          <p:nvPr/>
-        </p:nvSpPr>
-        <p:spPr>
-          <a:xfrm>
-            <a:off x="3645024" y="2171733"/>
-            <a:ext cx="3024336" cy="5472608"/>
-          </a:xfrm>
-          <a:prstGeom prst="roundRect">
-            <a:avLst/>
-          </a:prstGeom>
-          <a:effectLst>
-            <a:glow rad="228600">
-              <a:schemeClr val="accent3">
-                <a:satMod val="175000"/>
-                <a:alpha val="40000"/>
-              </a:schemeClr>
-            </a:glow>
-          </a:effectLst>
-        </p:spPr>
-        <p:style>
-          <a:lnRef idx="2">
-            <a:schemeClr val="accent3"/>
-          </a:lnRef>
-          <a:fillRef idx="1">
-            <a:schemeClr val="lt1"/>
-          </a:fillRef>
-          <a:effectRef idx="0">
-            <a:schemeClr val="accent3"/>
-          </a:effectRef>
-          <a:fontRef idx="minor">
-            <a:schemeClr val="dk1"/>
-          </a:fontRef>
-        </p:style>
-        <p:txBody>
-          <a:bodyPr lIns="91435" tIns="45718" rIns="91435" bIns="45718" rtlCol="0" anchor="t"/>
-          <a:lstStyle/>
-          <a:p>
-            <a:endParaRPr lang="es-MX" sz="1200" dirty="0"/>
-          </a:p>
-        </p:txBody>
-      </p:sp>
-      <p:sp>
-        <p:nvSpPr>
-          <p:cNvPr id="10" name="2 Marcador de texto"/>
-          <p:cNvSpPr txBox="1">
-            <a:spLocks/>
-          </p:cNvSpPr>
-          <p:nvPr/>
-        </p:nvSpPr>
-        <p:spPr>
-          <a:xfrm>
-            <a:off x="-2975" y="107504"/>
-            <a:ext cx="1065639" cy="1016944"/>
-          </a:xfrm>
-          <a:prstGeom prst="rect">
-            <a:avLst/>
-          </a:prstGeom>
-        </p:spPr>
-        <p:txBody>
-          <a:bodyPr vert="horz" lIns="91435" tIns="45718" rIns="91435" bIns="45718" rtlCol="0">
-            <a:noAutofit/>
-          </a:bodyPr>
-          <a:lstStyle>
-            <a:lvl1pPr marL="342900" indent="-342900" algn="l" defTabSz="914400" rtl="0" eaLnBrk="1" latinLnBrk="0" hangingPunct="1">
-              <a:spcBef>
-                <a:spcPct val="20000"/>
-              </a:spcBef>
-              <a:buFont typeface="Arial" pitchFamily="34" charset="0"/>
-              <a:buChar char="•"/>
-              <a:defRPr sz="3200" kern="1200">
-                <a:solidFill>
-                  <a:schemeClr val="tx1"/>
-                </a:solidFill>
-                <a:latin typeface="+mn-lt"/>
-                <a:ea typeface="+mn-ea"/>
-                <a:cs typeface="+mn-cs"/>
-              </a:defRPr>
-            </a:lvl1pPr>
-            <a:lvl2pPr marL="742950" indent="-285750" algn="l" defTabSz="914400" rtl="0" eaLnBrk="1" latinLnBrk="0" hangingPunct="1">
-              <a:spcBef>
-                <a:spcPct val="20000"/>
-              </a:spcBef>
-              <a:buFont typeface="Arial" pitchFamily="34" charset="0"/>
-              <a:buChar char="–"/>
-              <a:defRPr sz="2800" kern="1200">
-                <a:solidFill>
-                  <a:schemeClr val="tx1"/>
-                </a:solidFill>
-                <a:latin typeface="+mn-lt"/>
-                <a:ea typeface="+mn-ea"/>
-                <a:cs typeface="+mn-cs"/>
-              </a:defRPr>
-            </a:lvl2pPr>
-            <a:lvl3pPr marL="1143000" indent="-228600" algn="l" defTabSz="914400" rtl="0" eaLnBrk="1" latinLnBrk="0" hangingPunct="1">
-              <a:spcBef>
-                <a:spcPct val="20000"/>
-              </a:spcBef>
-              <a:buFont typeface="Arial" pitchFamily="34" charset="0"/>
-              <a:buChar char="•"/>
-              <a:defRPr sz="2400" kern="1200">
-                <a:solidFill>
-                  <a:schemeClr val="tx1"/>
-                </a:solidFill>
-                <a:latin typeface="+mn-lt"/>
-                <a:ea typeface="+mn-ea"/>
-                <a:cs typeface="+mn-cs"/>
-              </a:defRPr>
-            </a:lvl3pPr>
-            <a:lvl4pPr marL="1600200" indent="-228600" algn="l" defTabSz="914400" rtl="0" eaLnBrk="1" latinLnBrk="0" hangingPunct="1">
-              <a:spcBef>
-                <a:spcPct val="20000"/>
-              </a:spcBef>
-              <a:buFont typeface="Arial" pitchFamily="34" charset="0"/>
-              <a:buChar char="–"/>
-              <a:defRPr sz="2000" kern="1200">
-                <a:solidFill>
-                  <a:schemeClr val="tx1"/>
-                </a:solidFill>
-                <a:latin typeface="+mn-lt"/>
-                <a:ea typeface="+mn-ea"/>
-                <a:cs typeface="+mn-cs"/>
-              </a:defRPr>
-            </a:lvl4pPr>
-            <a:lvl5pPr marL="2057400" indent="-228600" algn="l" defTabSz="914400" rtl="0" eaLnBrk="1" latinLnBrk="0" hangingPunct="1">
-              <a:spcBef>
-                <a:spcPct val="20000"/>
-              </a:spcBef>
-              <a:buFont typeface="Arial" pitchFamily="34" charset="0"/>
-              <a:buChar char="»"/>
-              <a:defRPr sz="2000" kern="1200">
-                <a:solidFill>
-                  <a:schemeClr val="tx1"/>
-                </a:solidFill>
-                <a:latin typeface="+mn-lt"/>
-                <a:ea typeface="+mn-ea"/>
-                <a:cs typeface="+mn-cs"/>
-              </a:defRPr>
-            </a:lvl5pPr>
-            <a:lvl6pPr marL="2514600" indent="-228600" algn="l" defTabSz="914400" rtl="0" eaLnBrk="1" latinLnBrk="0" hangingPunct="1">
-              <a:spcBef>
-                <a:spcPct val="20000"/>
-              </a:spcBef>
-              <a:buFont typeface="Arial" pitchFamily="34" charset="0"/>
-              <a:buChar char="•"/>
-              <a:defRPr sz="2000" kern="1200">
-                <a:solidFill>
-                  <a:schemeClr val="tx1"/>
-                </a:solidFill>
-                <a:latin typeface="+mn-lt"/>
-                <a:ea typeface="+mn-ea"/>
-                <a:cs typeface="+mn-cs"/>
-              </a:defRPr>
-            </a:lvl6pPr>
-            <a:lvl7pPr marL="2971800" indent="-228600" algn="l" defTabSz="914400" rtl="0" eaLnBrk="1" latinLnBrk="0" hangingPunct="1">
-              <a:spcBef>
-                <a:spcPct val="20000"/>
-              </a:spcBef>
-              <a:buFont typeface="Arial" pitchFamily="34" charset="0"/>
-              <a:buChar char="•"/>
-              <a:defRPr sz="2000" kern="1200">
-                <a:solidFill>
-                  <a:schemeClr val="tx1"/>
-                </a:solidFill>
-                <a:latin typeface="+mn-lt"/>
-                <a:ea typeface="+mn-ea"/>
-                <a:cs typeface="+mn-cs"/>
-              </a:defRPr>
-            </a:lvl7pPr>
-            <a:lvl8pPr marL="3429000" indent="-228600" algn="l" defTabSz="914400" rtl="0" eaLnBrk="1" latinLnBrk="0" hangingPunct="1">
-              <a:spcBef>
-                <a:spcPct val="20000"/>
-              </a:spcBef>
-              <a:buFont typeface="Arial" pitchFamily="34" charset="0"/>
-              <a:buChar char="•"/>
-              <a:defRPr sz="2000" kern="1200">
-                <a:solidFill>
-                  <a:schemeClr val="tx1"/>
-                </a:solidFill>
-                <a:latin typeface="+mn-lt"/>
-                <a:ea typeface="+mn-ea"/>
-                <a:cs typeface="+mn-cs"/>
-              </a:defRPr>
-            </a:lvl8pPr>
-            <a:lvl9pPr marL="3886200" indent="-228600" algn="l" defTabSz="914400" rtl="0" eaLnBrk="1" latinLnBrk="0" hangingPunct="1">
-              <a:spcBef>
-                <a:spcPct val="20000"/>
-              </a:spcBef>
-              <a:buFont typeface="Arial" pitchFamily="34" charset="0"/>
-              <a:buChar char="•"/>
-              <a:defRPr sz="2000" kern="1200">
-                <a:solidFill>
-                  <a:schemeClr val="tx1"/>
-                </a:solidFill>
-                <a:latin typeface="+mn-lt"/>
-                <a:ea typeface="+mn-ea"/>
-                <a:cs typeface="+mn-cs"/>
-              </a:defRPr>
-            </a:lvl9pPr>
-          </a:lstStyle>
-          <a:p>
-            <a:pPr marL="0" indent="0" algn="ctr">
-              <a:buNone/>
-            </a:pPr>
-            <a:r>
-              <a:rPr lang="es-MX" sz="1400" b="1" dirty="0">
-                <a:solidFill>
-                  <a:schemeClr val="bg1">
-                    <a:lumMod val="75000"/>
-                  </a:schemeClr>
-                </a:solidFill>
-                <a:effectLst>
-                  <a:outerShdw blurRad="38100" dist="38100" dir="2700000" algn="tl">
-                    <a:srgbClr val="000000">
-                      <a:alpha val="43137"/>
-                    </a:srgbClr>
-                  </a:outerShdw>
-                </a:effectLst>
-              </a:rPr>
-              <a:t>Número del programa:</a:t>
-            </a:r>
-          </a:p>
-        </p:txBody>
-      </p:sp>
-      <p:sp>
-        <p:nvSpPr>
-          <p:cNvPr id="11" name="10 Elipse"/>
-          <p:cNvSpPr/>
-          <p:nvPr/>
-        </p:nvSpPr>
-        <p:spPr>
-          <a:xfrm>
-            <a:off x="988532" y="0"/>
-            <a:ext cx="1000306" cy="1019605"/>
-          </a:xfrm>
-          <a:prstGeom prst="ellipse">
-            <a:avLst/>
-          </a:prstGeom>
-        </p:spPr>
-        <p:style>
-          <a:lnRef idx="2">
-            <a:schemeClr val="accent2"/>
-          </a:lnRef>
-          <a:fillRef idx="1">
-            <a:schemeClr val="lt1"/>
-          </a:fillRef>
-          <a:effectRef idx="0">
-            <a:schemeClr val="accent2"/>
-          </a:effectRef>
-          <a:fontRef idx="minor">
-            <a:schemeClr val="dk1"/>
-          </a:fontRef>
-        </p:style>
-        <p:txBody>
-          <a:bodyPr lIns="91435" tIns="45718" rIns="91435" bIns="45718" rtlCol="0" anchor="ctr"/>
-          <a:lstStyle/>
-          <a:p>
-            <a:pPr algn="ctr"/>
-            <a:r>
-              <a:rPr lang="es-MX" sz="1600" b="1" dirty="0">
-                <a:solidFill>
-                  <a:srgbClr val="FF0000"/>
-                </a:solidFill>
-                <a:effectLst>
-                  <a:outerShdw blurRad="38100" dist="38100" dir="2700000" algn="tl">
-                    <a:srgbClr val="000000">
-                      <a:alpha val="43137"/>
-                    </a:srgbClr>
-                  </a:outerShdw>
-                </a:effectLst>
-              </a:rPr>
-              <a:t>P13</a:t>
-            </a:r>
-          </a:p>
-        </p:txBody>
-      </p:sp>
-    </p:spTree>
-    <p:extLst>
-      <p:ext uri="{BB962C8B-B14F-4D97-AF65-F5344CB8AC3E}">
-        <p14:creationId xmlns:p14="http://schemas.microsoft.com/office/powerpoint/2010/main" val="2515154602"/>
       </p:ext>
     </p:extLst>
   </p:cSld>

--- a/PowerPoitnProgram/PB 11-15.pptx
+++ b/PowerPoitnProgram/PB 11-15.pptx
@@ -37735,7 +37735,7 @@
             <a:fld id="{35CD4824-21C5-40F0-ACC2-517FBE4637A7}" type="datetimeFigureOut">
               <a:rPr lang="es-MX" smtClean="0"/>
               <a:pPr/>
-              <a:t>13/02/2024</a:t>
+              <a:t>15/02/2024</a:t>
             </a:fld>
             <a:endParaRPr lang="es-MX"/>
           </a:p>
@@ -37778,7 +37778,7 @@
             <a:fld id="{3109AF80-D803-4371-B9F1-B9ABBE55B9B4}" type="slidenum">
               <a:rPr lang="es-MX" smtClean="0"/>
               <a:pPr/>
-              <a:t>‹Nº›</a:t>
+              <a:t>‹#›</a:t>
             </a:fld>
             <a:endParaRPr lang="es-MX"/>
           </a:p>
@@ -37907,7 +37907,7 @@
             <a:fld id="{35CD4824-21C5-40F0-ACC2-517FBE4637A7}" type="datetimeFigureOut">
               <a:rPr lang="es-MX" smtClean="0"/>
               <a:pPr/>
-              <a:t>13/02/2024</a:t>
+              <a:t>15/02/2024</a:t>
             </a:fld>
             <a:endParaRPr lang="es-MX"/>
           </a:p>
@@ -37950,7 +37950,7 @@
             <a:fld id="{3109AF80-D803-4371-B9F1-B9ABBE55B9B4}" type="slidenum">
               <a:rPr lang="es-MX" smtClean="0"/>
               <a:pPr/>
-              <a:t>‹Nº›</a:t>
+              <a:t>‹#›</a:t>
             </a:fld>
             <a:endParaRPr lang="es-MX"/>
           </a:p>
@@ -38089,7 +38089,7 @@
             <a:fld id="{35CD4824-21C5-40F0-ACC2-517FBE4637A7}" type="datetimeFigureOut">
               <a:rPr lang="es-MX" smtClean="0"/>
               <a:pPr/>
-              <a:t>13/02/2024</a:t>
+              <a:t>15/02/2024</a:t>
             </a:fld>
             <a:endParaRPr lang="es-MX"/>
           </a:p>
@@ -38132,7 +38132,7 @@
             <a:fld id="{3109AF80-D803-4371-B9F1-B9ABBE55B9B4}" type="slidenum">
               <a:rPr lang="es-MX" smtClean="0"/>
               <a:pPr/>
-              <a:t>‹Nº›</a:t>
+              <a:t>‹#›</a:t>
             </a:fld>
             <a:endParaRPr lang="es-MX"/>
           </a:p>
@@ -38261,7 +38261,7 @@
             <a:fld id="{35CD4824-21C5-40F0-ACC2-517FBE4637A7}" type="datetimeFigureOut">
               <a:rPr lang="es-MX" smtClean="0"/>
               <a:pPr/>
-              <a:t>13/02/2024</a:t>
+              <a:t>15/02/2024</a:t>
             </a:fld>
             <a:endParaRPr lang="es-MX"/>
           </a:p>
@@ -38304,7 +38304,7 @@
             <a:fld id="{3109AF80-D803-4371-B9F1-B9ABBE55B9B4}" type="slidenum">
               <a:rPr lang="es-MX" smtClean="0"/>
               <a:pPr/>
-              <a:t>‹Nº›</a:t>
+              <a:t>‹#›</a:t>
             </a:fld>
             <a:endParaRPr lang="es-MX"/>
           </a:p>
@@ -38509,7 +38509,7 @@
             <a:fld id="{35CD4824-21C5-40F0-ACC2-517FBE4637A7}" type="datetimeFigureOut">
               <a:rPr lang="es-MX" smtClean="0"/>
               <a:pPr/>
-              <a:t>13/02/2024</a:t>
+              <a:t>15/02/2024</a:t>
             </a:fld>
             <a:endParaRPr lang="es-MX"/>
           </a:p>
@@ -38552,7 +38552,7 @@
             <a:fld id="{3109AF80-D803-4371-B9F1-B9ABBE55B9B4}" type="slidenum">
               <a:rPr lang="es-MX" smtClean="0"/>
               <a:pPr/>
-              <a:t>‹Nº›</a:t>
+              <a:t>‹#›</a:t>
             </a:fld>
             <a:endParaRPr lang="es-MX"/>
           </a:p>
@@ -38799,7 +38799,7 @@
             <a:fld id="{35CD4824-21C5-40F0-ACC2-517FBE4637A7}" type="datetimeFigureOut">
               <a:rPr lang="es-MX" smtClean="0"/>
               <a:pPr/>
-              <a:t>13/02/2024</a:t>
+              <a:t>15/02/2024</a:t>
             </a:fld>
             <a:endParaRPr lang="es-MX"/>
           </a:p>
@@ -38842,7 +38842,7 @@
             <a:fld id="{3109AF80-D803-4371-B9F1-B9ABBE55B9B4}" type="slidenum">
               <a:rPr lang="es-MX" smtClean="0"/>
               <a:pPr/>
-              <a:t>‹Nº›</a:t>
+              <a:t>‹#›</a:t>
             </a:fld>
             <a:endParaRPr lang="es-MX"/>
           </a:p>
@@ -39223,7 +39223,7 @@
             <a:fld id="{35CD4824-21C5-40F0-ACC2-517FBE4637A7}" type="datetimeFigureOut">
               <a:rPr lang="es-MX" smtClean="0"/>
               <a:pPr/>
-              <a:t>13/02/2024</a:t>
+              <a:t>15/02/2024</a:t>
             </a:fld>
             <a:endParaRPr lang="es-MX"/>
           </a:p>
@@ -39266,7 +39266,7 @@
             <a:fld id="{3109AF80-D803-4371-B9F1-B9ABBE55B9B4}" type="slidenum">
               <a:rPr lang="es-MX" smtClean="0"/>
               <a:pPr/>
-              <a:t>‹Nº›</a:t>
+              <a:t>‹#›</a:t>
             </a:fld>
             <a:endParaRPr lang="es-MX"/>
           </a:p>
@@ -39343,7 +39343,7 @@
             <a:fld id="{35CD4824-21C5-40F0-ACC2-517FBE4637A7}" type="datetimeFigureOut">
               <a:rPr lang="es-MX" smtClean="0"/>
               <a:pPr/>
-              <a:t>13/02/2024</a:t>
+              <a:t>15/02/2024</a:t>
             </a:fld>
             <a:endParaRPr lang="es-MX"/>
           </a:p>
@@ -39386,7 +39386,7 @@
             <a:fld id="{3109AF80-D803-4371-B9F1-B9ABBE55B9B4}" type="slidenum">
               <a:rPr lang="es-MX" smtClean="0"/>
               <a:pPr/>
-              <a:t>‹Nº›</a:t>
+              <a:t>‹#›</a:t>
             </a:fld>
             <a:endParaRPr lang="es-MX"/>
           </a:p>
@@ -39440,7 +39440,7 @@
             <a:fld id="{35CD4824-21C5-40F0-ACC2-517FBE4637A7}" type="datetimeFigureOut">
               <a:rPr lang="es-MX" smtClean="0"/>
               <a:pPr/>
-              <a:t>13/02/2024</a:t>
+              <a:t>15/02/2024</a:t>
             </a:fld>
             <a:endParaRPr lang="es-MX"/>
           </a:p>
@@ -39483,7 +39483,7 @@
             <a:fld id="{3109AF80-D803-4371-B9F1-B9ABBE55B9B4}" type="slidenum">
               <a:rPr lang="es-MX" smtClean="0"/>
               <a:pPr/>
-              <a:t>‹Nº›</a:t>
+              <a:t>‹#›</a:t>
             </a:fld>
             <a:endParaRPr lang="es-MX"/>
           </a:p>
@@ -39719,7 +39719,7 @@
             <a:fld id="{35CD4824-21C5-40F0-ACC2-517FBE4637A7}" type="datetimeFigureOut">
               <a:rPr lang="es-MX" smtClean="0"/>
               <a:pPr/>
-              <a:t>13/02/2024</a:t>
+              <a:t>15/02/2024</a:t>
             </a:fld>
             <a:endParaRPr lang="es-MX"/>
           </a:p>
@@ -39762,7 +39762,7 @@
             <a:fld id="{3109AF80-D803-4371-B9F1-B9ABBE55B9B4}" type="slidenum">
               <a:rPr lang="es-MX" smtClean="0"/>
               <a:pPr/>
-              <a:t>‹Nº›</a:t>
+              <a:t>‹#›</a:t>
             </a:fld>
             <a:endParaRPr lang="es-MX"/>
           </a:p>
@@ -39974,7 +39974,7 @@
             <a:fld id="{35CD4824-21C5-40F0-ACC2-517FBE4637A7}" type="datetimeFigureOut">
               <a:rPr lang="es-MX" smtClean="0"/>
               <a:pPr/>
-              <a:t>13/02/2024</a:t>
+              <a:t>15/02/2024</a:t>
             </a:fld>
             <a:endParaRPr lang="es-MX"/>
           </a:p>
@@ -40017,7 +40017,7 @@
             <a:fld id="{3109AF80-D803-4371-B9F1-B9ABBE55B9B4}" type="slidenum">
               <a:rPr lang="es-MX" smtClean="0"/>
               <a:pPr/>
-              <a:t>‹Nº›</a:t>
+              <a:t>‹#›</a:t>
             </a:fld>
             <a:endParaRPr lang="es-MX"/>
           </a:p>
@@ -40198,7 +40198,7 @@
             <a:fld id="{35CD4824-21C5-40F0-ACC2-517FBE4637A7}" type="datetimeFigureOut">
               <a:rPr lang="es-MX" smtClean="0"/>
               <a:pPr/>
-              <a:t>13/02/2024</a:t>
+              <a:t>15/02/2024</a:t>
             </a:fld>
             <a:endParaRPr lang="es-MX"/>
           </a:p>
@@ -40277,7 +40277,7 @@
             <a:fld id="{3109AF80-D803-4371-B9F1-B9ABBE55B9B4}" type="slidenum">
               <a:rPr lang="es-MX" smtClean="0"/>
               <a:pPr/>
-              <a:t>‹Nº›</a:t>
+              <a:t>‹#›</a:t>
             </a:fld>
             <a:endParaRPr lang="es-MX"/>
           </a:p>
@@ -42529,16 +42529,12 @@
               <a:t>vol</a:t>
             </a:r>
             <a:r>
+              <a:rPr lang="es-MX"/>
+              <a:t>=(230*230)*</a:t>
+            </a:r>
+            <a:r>
               <a:rPr lang="es-MX" dirty="0"/>
-              <a:t>=</a:t>
-            </a:r>
-            <a:r>
-              <a:rPr lang="es-MX" dirty="0" err="1"/>
-              <a:t>areabase</a:t>
-            </a:r>
-            <a:r>
-              <a:rPr lang="es-MX" dirty="0"/>
-              <a:t>*altura*1/3</a:t>
+              <a:t>altura*1/3</a:t>
             </a:r>
           </a:p>
         </p:txBody>
